--- a/PPT_School_App.pptx
+++ b/PPT_School_App.pptx
@@ -5,7 +5,7 @@
     <p:sldMasterId id="2147483712" r:id="rId1"/>
   </p:sldMasterIdLst>
   <p:notesMasterIdLst>
-    <p:notesMasterId r:id="rId19"/>
+    <p:notesMasterId r:id="rId21"/>
   </p:notesMasterIdLst>
   <p:sldIdLst>
     <p:sldId id="256" r:id="rId2"/>
@@ -24,7 +24,9 @@
     <p:sldId id="268" r:id="rId15"/>
     <p:sldId id="269" r:id="rId16"/>
     <p:sldId id="261" r:id="rId17"/>
-    <p:sldId id="265" r:id="rId18"/>
+    <p:sldId id="278" r:id="rId18"/>
+    <p:sldId id="265" r:id="rId19"/>
+    <p:sldId id="279" r:id="rId20"/>
   </p:sldIdLst>
   <p:sldSz cx="9144000" cy="6858000" type="screen4x3"/>
   <p:notesSz cx="6858000" cy="9144000"/>
@@ -6992,12 +6994,12 @@
   </p:clrMapOvr>
   <mc:AlternateContent xmlns:mc="http://schemas.openxmlformats.org/markup-compatibility/2006" xmlns:p14="http://schemas.microsoft.com/office/powerpoint/2010/main">
     <mc:Choice Requires="p14">
-      <p:transition spd="slow" p14:dur="2000" advTm="10893">
+      <p:transition spd="slow" p14:dur="2000" advTm="1382">
         <p14:prism isContent="1"/>
       </p:transition>
     </mc:Choice>
     <mc:Fallback xmlns="">
-      <p:transition spd="slow" advTm="10893">
+      <p:transition spd="slow" advTm="1382">
         <p:fade/>
       </p:transition>
     </mc:Fallback>
@@ -8111,12 +8113,12 @@
   </p:clrMapOvr>
   <mc:AlternateContent xmlns:mc="http://schemas.openxmlformats.org/markup-compatibility/2006" xmlns:p14="http://schemas.microsoft.com/office/powerpoint/2010/main">
     <mc:Choice Requires="p14">
-      <p:transition spd="slow" p14:dur="2000" advTm="355">
+      <p:transition spd="slow" p14:dur="2000" advTm="775">
         <p14:prism isContent="1"/>
       </p:transition>
     </mc:Choice>
     <mc:Fallback xmlns="">
-      <p:transition spd="slow" advTm="355">
+      <p:transition spd="slow" advTm="775">
         <p:fade/>
       </p:transition>
     </mc:Fallback>
@@ -9219,12 +9221,12 @@
   </p:clrMapOvr>
   <mc:AlternateContent xmlns:mc="http://schemas.openxmlformats.org/markup-compatibility/2006" xmlns:p14="http://schemas.microsoft.com/office/powerpoint/2010/main">
     <mc:Choice Requires="p14">
-      <p:transition spd="slow" p14:dur="2000" advTm="86">
+      <p:transition spd="slow" p14:dur="2000" advTm="2">
         <p14:prism isContent="1"/>
       </p:transition>
     </mc:Choice>
     <mc:Fallback xmlns="">
-      <p:transition spd="slow" advTm="86">
+      <p:transition spd="slow" advTm="2">
         <p:fade/>
       </p:transition>
     </mc:Fallback>
@@ -14694,6 +14696,168 @@
       </p:grpSpPr>
       <p:sp>
         <p:nvSpPr>
+          <p:cNvPr id="2" name="Title 1">
+            <a:extLst>
+              <a:ext uri="{FF2B5EF4-FFF2-40B4-BE49-F238E27FC236}">
+                <a16:creationId xmlns:a16="http://schemas.microsoft.com/office/drawing/2014/main" id="{12AED8DE-6039-46D8-A337-65B4A2A9FD7D}"/>
+              </a:ext>
+            </a:extLst>
+          </p:cNvPr>
+          <p:cNvSpPr>
+            <a:spLocks noGrp="1"/>
+          </p:cNvSpPr>
+          <p:nvPr>
+            <p:ph type="title"/>
+          </p:nvPr>
+        </p:nvSpPr>
+        <p:spPr/>
+        <p:txBody>
+          <a:bodyPr/>
+          <a:lstStyle/>
+          <a:p>
+            <a:r>
+              <a:rPr lang="en-US" dirty="0"/>
+              <a:t>Design Decisions </a:t>
+            </a:r>
+            <a:endParaRPr lang="en-CA" dirty="0"/>
+          </a:p>
+        </p:txBody>
+      </p:sp>
+      <p:sp>
+        <p:nvSpPr>
+          <p:cNvPr id="3" name="Content Placeholder 2">
+            <a:extLst>
+              <a:ext uri="{FF2B5EF4-FFF2-40B4-BE49-F238E27FC236}">
+                <a16:creationId xmlns:a16="http://schemas.microsoft.com/office/drawing/2014/main" id="{E683A763-45BE-4DBC-B81B-4ACA5F043004}"/>
+              </a:ext>
+            </a:extLst>
+          </p:cNvPr>
+          <p:cNvSpPr>
+            <a:spLocks noGrp="1"/>
+          </p:cNvSpPr>
+          <p:nvPr>
+            <p:ph idx="1"/>
+          </p:nvPr>
+        </p:nvSpPr>
+        <p:spPr/>
+        <p:txBody>
+          <a:bodyPr>
+            <a:normAutofit lnSpcReduction="10000"/>
+          </a:bodyPr>
+          <a:lstStyle/>
+          <a:p>
+            <a:pPr>
+              <a:buFont typeface="Wingdings" panose="05000000000000000000" pitchFamily="2" charset="2"/>
+              <a:buChar char="v"/>
+            </a:pPr>
+            <a:r>
+              <a:rPr lang="en-US" dirty="0"/>
+              <a:t>We have used text view for the email input.</a:t>
+            </a:r>
+          </a:p>
+          <a:p>
+            <a:pPr>
+              <a:buFont typeface="Wingdings" panose="05000000000000000000" pitchFamily="2" charset="2"/>
+              <a:buChar char="v"/>
+            </a:pPr>
+            <a:r>
+              <a:rPr lang="en-US" dirty="0"/>
+              <a:t>Password input field for password which does not show the password while typing. </a:t>
+            </a:r>
+          </a:p>
+          <a:p>
+            <a:pPr>
+              <a:buFont typeface="Wingdings" panose="05000000000000000000" pitchFamily="2" charset="2"/>
+              <a:buChar char="v"/>
+            </a:pPr>
+            <a:r>
+              <a:rPr lang="en-CA" dirty="0"/>
+              <a:t>Checkbox for the remember me field .</a:t>
+            </a:r>
+          </a:p>
+          <a:p>
+            <a:pPr>
+              <a:buFont typeface="Wingdings" panose="05000000000000000000" pitchFamily="2" charset="2"/>
+              <a:buChar char="v"/>
+            </a:pPr>
+            <a:r>
+              <a:rPr lang="en-CA" dirty="0"/>
+              <a:t>We placed the forgot password link just below the sign button as is in most apps to ensure ease of access. </a:t>
+            </a:r>
+          </a:p>
+          <a:p>
+            <a:pPr>
+              <a:buFont typeface="Wingdings" panose="05000000000000000000" pitchFamily="2" charset="2"/>
+              <a:buChar char="v"/>
+            </a:pPr>
+            <a:r>
+              <a:rPr lang="en-CA" dirty="0"/>
+              <a:t>The Home menu is pretty simple easy and self explanatory. </a:t>
+            </a:r>
+          </a:p>
+          <a:p>
+            <a:pPr>
+              <a:buFont typeface="Wingdings" panose="05000000000000000000" pitchFamily="2" charset="2"/>
+              <a:buChar char="v"/>
+            </a:pPr>
+            <a:r>
+              <a:rPr lang="en-CA" dirty="0"/>
+              <a:t>For all normal inputs the text view field is used and for the email there is email input field and for passwords we used the password input field. </a:t>
+            </a:r>
+          </a:p>
+          <a:p>
+            <a:pPr>
+              <a:buFont typeface="Wingdings" panose="05000000000000000000" pitchFamily="2" charset="2"/>
+              <a:buChar char="v"/>
+            </a:pPr>
+            <a:endParaRPr lang="en-CA" dirty="0"/>
+          </a:p>
+        </p:txBody>
+      </p:sp>
+    </p:spTree>
+    <p:extLst>
+      <p:ext uri="{BB962C8B-B14F-4D97-AF65-F5344CB8AC3E}">
+        <p14:creationId xmlns:p14="http://schemas.microsoft.com/office/powerpoint/2010/main" val="109061409"/>
+      </p:ext>
+    </p:extLst>
+  </p:cSld>
+  <p:clrMapOvr>
+    <a:masterClrMapping/>
+  </p:clrMapOvr>
+  <mc:AlternateContent xmlns:mc="http://schemas.openxmlformats.org/markup-compatibility/2006" xmlns:p14="http://schemas.microsoft.com/office/powerpoint/2010/main">
+    <mc:Choice Requires="p14">
+      <p:transition spd="slow" p14:dur="2000" advTm="20000">
+        <p14:prism isContent="1"/>
+      </p:transition>
+    </mc:Choice>
+    <mc:Fallback xmlns="">
+      <p:transition spd="slow" advTm="20000">
+        <p:fade/>
+      </p:transition>
+    </mc:Fallback>
+  </mc:AlternateContent>
+</p:sld>
+</file>
+
+<file path=ppt/slides/slide18.xml><?xml version="1.0" encoding="utf-8"?>
+<p:sld xmlns:a="http://schemas.openxmlformats.org/drawingml/2006/main" xmlns:r="http://schemas.openxmlformats.org/officeDocument/2006/relationships" xmlns:p="http://schemas.openxmlformats.org/presentationml/2006/main">
+  <p:cSld>
+    <p:spTree>
+      <p:nvGrpSpPr>
+        <p:cNvPr id="1" name=""/>
+        <p:cNvGrpSpPr/>
+        <p:nvPr/>
+      </p:nvGrpSpPr>
+      <p:grpSpPr>
+        <a:xfrm>
+          <a:off x="0" y="0"/>
+          <a:ext cx="0" cy="0"/>
+          <a:chOff x="0" y="0"/>
+          <a:chExt cx="0" cy="0"/>
+        </a:xfrm>
+      </p:grpSpPr>
+      <p:sp>
+        <p:nvSpPr>
           <p:cNvPr id="2" name="Title 1"/>
           <p:cNvSpPr>
             <a:spLocks noGrp="1"/>
@@ -14791,6 +14955,153 @@
         </p:txBody>
       </p:sp>
     </p:spTree>
+  </p:cSld>
+  <p:clrMapOvr>
+    <a:masterClrMapping/>
+  </p:clrMapOvr>
+  <mc:AlternateContent xmlns:mc="http://schemas.openxmlformats.org/markup-compatibility/2006" xmlns:p14="http://schemas.microsoft.com/office/powerpoint/2010/main">
+    <mc:Choice Requires="p14">
+      <p:transition spd="slow" p14:dur="2000" advTm="20000">
+        <p14:prism isContent="1"/>
+      </p:transition>
+    </mc:Choice>
+    <mc:Fallback xmlns="">
+      <p:transition spd="slow" advTm="20000">
+        <p:fade/>
+      </p:transition>
+    </mc:Fallback>
+  </mc:AlternateContent>
+</p:sld>
+</file>
+
+<file path=ppt/slides/slide19.xml><?xml version="1.0" encoding="utf-8"?>
+<p:sld xmlns:a="http://schemas.openxmlformats.org/drawingml/2006/main" xmlns:r="http://schemas.openxmlformats.org/officeDocument/2006/relationships" xmlns:p="http://schemas.openxmlformats.org/presentationml/2006/main">
+  <p:cSld>
+    <p:spTree>
+      <p:nvGrpSpPr>
+        <p:cNvPr id="1" name=""/>
+        <p:cNvGrpSpPr/>
+        <p:nvPr/>
+      </p:nvGrpSpPr>
+      <p:grpSpPr>
+        <a:xfrm>
+          <a:off x="0" y="0"/>
+          <a:ext cx="0" cy="0"/>
+          <a:chOff x="0" y="0"/>
+          <a:chExt cx="0" cy="0"/>
+        </a:xfrm>
+      </p:grpSpPr>
+      <p:sp>
+        <p:nvSpPr>
+          <p:cNvPr id="2" name="Title 1">
+            <a:extLst>
+              <a:ext uri="{FF2B5EF4-FFF2-40B4-BE49-F238E27FC236}">
+                <a16:creationId xmlns:a16="http://schemas.microsoft.com/office/drawing/2014/main" id="{A0DBE5BB-1D90-42C4-8F18-4CDB6F3A08C3}"/>
+              </a:ext>
+            </a:extLst>
+          </p:cNvPr>
+          <p:cNvSpPr>
+            <a:spLocks noGrp="1"/>
+          </p:cNvSpPr>
+          <p:nvPr>
+            <p:ph type="title"/>
+          </p:nvPr>
+        </p:nvSpPr>
+        <p:spPr/>
+        <p:txBody>
+          <a:bodyPr/>
+          <a:lstStyle/>
+          <a:p>
+            <a:r>
+              <a:rPr lang="en-US" dirty="0"/>
+              <a:t>Submitted by :</a:t>
+            </a:r>
+            <a:endParaRPr lang="en-CA" dirty="0"/>
+          </a:p>
+        </p:txBody>
+      </p:sp>
+      <p:sp>
+        <p:nvSpPr>
+          <p:cNvPr id="3" name="Content Placeholder 2">
+            <a:extLst>
+              <a:ext uri="{FF2B5EF4-FFF2-40B4-BE49-F238E27FC236}">
+                <a16:creationId xmlns:a16="http://schemas.microsoft.com/office/drawing/2014/main" id="{B45B0547-A064-4220-90F7-ABFC17D83406}"/>
+              </a:ext>
+            </a:extLst>
+          </p:cNvPr>
+          <p:cNvSpPr>
+            <a:spLocks noGrp="1"/>
+          </p:cNvSpPr>
+          <p:nvPr>
+            <p:ph idx="1"/>
+          </p:nvPr>
+        </p:nvSpPr>
+        <p:spPr/>
+        <p:txBody>
+          <a:bodyPr/>
+          <a:lstStyle/>
+          <a:p>
+            <a:pPr marL="0" indent="0">
+              <a:buNone/>
+            </a:pPr>
+            <a:r>
+              <a:rPr lang="en-US" dirty="0"/>
+              <a:t>Sandeep Singh (1896201)</a:t>
+            </a:r>
+          </a:p>
+          <a:p>
+            <a:pPr marL="0" indent="0">
+              <a:buNone/>
+            </a:pPr>
+            <a:r>
+              <a:rPr lang="en-US" dirty="0"/>
+              <a:t>Avtar Singh(1896909)</a:t>
+            </a:r>
+          </a:p>
+          <a:p>
+            <a:pPr marL="0" indent="0">
+              <a:buNone/>
+            </a:pPr>
+            <a:r>
+              <a:rPr lang="en-US" dirty="0"/>
+              <a:t>Jatinder Singh Mann(1896568)</a:t>
+            </a:r>
+          </a:p>
+          <a:p>
+            <a:pPr marL="0" indent="0">
+              <a:buNone/>
+            </a:pPr>
+            <a:r>
+              <a:rPr lang="en-US" dirty="0"/>
+              <a:t>Jaskaran Singh (1898348)</a:t>
+            </a:r>
+          </a:p>
+          <a:p>
+            <a:pPr marL="0" indent="0">
+              <a:buNone/>
+            </a:pPr>
+            <a:r>
+              <a:rPr lang="en-US" dirty="0"/>
+              <a:t>Sahil </a:t>
+            </a:r>
+            <a:r>
+              <a:rPr lang="en-US" dirty="0" err="1"/>
+              <a:t>Rangra</a:t>
+            </a:r>
+            <a:r>
+              <a:rPr lang="en-US" dirty="0"/>
+              <a:t> (1896322)</a:t>
+            </a:r>
+            <a:endParaRPr lang="en-CA" dirty="0"/>
+          </a:p>
+        </p:txBody>
+      </p:sp>
+    </p:spTree>
+    <p:extLst>
+      <p:ext uri="{BB962C8B-B14F-4D97-AF65-F5344CB8AC3E}">
+        <p14:creationId xmlns:p14="http://schemas.microsoft.com/office/powerpoint/2010/main" val="4202975633"/>
+      </p:ext>
+    </p:extLst>
   </p:cSld>
   <p:clrMapOvr>
     <a:masterClrMapping/>
@@ -14928,12 +15239,12 @@
   </p:clrMapOvr>
   <mc:AlternateContent xmlns:mc="http://schemas.openxmlformats.org/markup-compatibility/2006" xmlns:p14="http://schemas.microsoft.com/office/powerpoint/2010/main">
     <mc:Choice Requires="p14">
-      <p:transition spd="slow" p14:dur="2000" advTm="20000">
+      <p:transition spd="slow" p14:dur="2000" advTm="260">
         <p14:prism isContent="1"/>
       </p:transition>
     </mc:Choice>
     <mc:Fallback xmlns="">
-      <p:transition spd="slow" advTm="20000">
+      <p:transition spd="slow" advTm="260">
         <p:fade/>
       </p:transition>
     </mc:Fallback>
@@ -15083,12 +15394,12 @@
   </p:clrMapOvr>
   <mc:AlternateContent xmlns:mc="http://schemas.openxmlformats.org/markup-compatibility/2006" xmlns:p14="http://schemas.microsoft.com/office/powerpoint/2010/main">
     <mc:Choice Requires="p14">
-      <p:transition spd="slow" p14:dur="2000" advTm="20000">
+      <p:transition spd="slow" p14:dur="2000" advTm="208">
         <p14:prism isContent="1"/>
       </p:transition>
     </mc:Choice>
     <mc:Fallback xmlns="">
-      <p:transition spd="slow" advTm="20000">
+      <p:transition spd="slow" advTm="208">
         <p:fade/>
       </p:transition>
     </mc:Fallback>
@@ -15311,12 +15622,12 @@
   </p:clrMapOvr>
   <mc:AlternateContent xmlns:mc="http://schemas.openxmlformats.org/markup-compatibility/2006" xmlns:p14="http://schemas.microsoft.com/office/powerpoint/2010/main">
     <mc:Choice Requires="p14">
-      <p:transition spd="slow" p14:dur="2000" advTm="20000">
+      <p:transition spd="slow" p14:dur="2000" advTm="93">
         <p14:prism isContent="1"/>
       </p:transition>
     </mc:Choice>
     <mc:Fallback xmlns="">
-      <p:transition spd="slow" advTm="20000">
+      <p:transition spd="slow" advTm="93">
         <p:fade/>
       </p:transition>
     </mc:Fallback>
@@ -16433,12 +16744,12 @@
   </p:clrMapOvr>
   <mc:AlternateContent xmlns:mc="http://schemas.openxmlformats.org/markup-compatibility/2006" xmlns:p14="http://schemas.microsoft.com/office/powerpoint/2010/main">
     <mc:Choice Requires="p14">
-      <p:transition spd="slow" p14:dur="2000" advTm="1215">
+      <p:transition spd="slow" p14:dur="2000" advTm="2508">
         <p14:prism isContent="1"/>
       </p:transition>
     </mc:Choice>
     <mc:Fallback xmlns="">
-      <p:transition spd="slow" advTm="1215">
+      <p:transition spd="slow" advTm="2508">
         <p:fade/>
       </p:transition>
     </mc:Fallback>
@@ -17536,12 +17847,12 @@
   </p:clrMapOvr>
   <mc:AlternateContent xmlns:mc="http://schemas.openxmlformats.org/markup-compatibility/2006" xmlns:p14="http://schemas.microsoft.com/office/powerpoint/2010/main">
     <mc:Choice Requires="p14">
-      <p:transition spd="slow" p14:dur="2000" advTm="628">
+      <p:transition spd="slow" p14:dur="2000" advTm="7694">
         <p14:prism isContent="1"/>
       </p:transition>
     </mc:Choice>
     <mc:Fallback xmlns="">
-      <p:transition spd="slow" advTm="628">
+      <p:transition spd="slow" advTm="7694">
         <p:fade/>
       </p:transition>
     </mc:Fallback>
@@ -18632,12 +18943,12 @@
   </p:clrMapOvr>
   <mc:AlternateContent xmlns:mc="http://schemas.openxmlformats.org/markup-compatibility/2006" xmlns:p14="http://schemas.microsoft.com/office/powerpoint/2010/main">
     <mc:Choice Requires="p14">
-      <p:transition spd="slow" p14:dur="2000" advTm="251">
+      <p:transition spd="slow" p14:dur="2000" advTm="934">
         <p14:prism isContent="1"/>
       </p:transition>
     </mc:Choice>
     <mc:Fallback xmlns="">
-      <p:transition spd="slow" advTm="251">
+      <p:transition spd="slow" advTm="934">
         <p:fade/>
       </p:transition>
     </mc:Fallback>
@@ -19734,12 +20045,12 @@
   </p:clrMapOvr>
   <mc:AlternateContent xmlns:mc="http://schemas.openxmlformats.org/markup-compatibility/2006" xmlns:p14="http://schemas.microsoft.com/office/powerpoint/2010/main">
     <mc:Choice Requires="p14">
-      <p:transition spd="slow" p14:dur="2000" advTm="258">
+      <p:transition spd="slow" p14:dur="2000" advTm="419">
         <p14:prism isContent="1"/>
       </p:transition>
     </mc:Choice>
     <mc:Fallback xmlns="">
-      <p:transition spd="slow" advTm="258">
+      <p:transition spd="slow" advTm="419">
         <p:fade/>
       </p:transition>
     </mc:Fallback>
@@ -20841,12 +21152,12 @@
   </p:clrMapOvr>
   <mc:AlternateContent xmlns:mc="http://schemas.openxmlformats.org/markup-compatibility/2006" xmlns:p14="http://schemas.microsoft.com/office/powerpoint/2010/main">
     <mc:Choice Requires="p14">
-      <p:transition spd="slow" p14:dur="2000" advTm="166">
+      <p:transition spd="slow" p14:dur="2000" advTm="7">
         <p14:prism isContent="1"/>
       </p:transition>
     </mc:Choice>
     <mc:Fallback xmlns="">
-      <p:transition spd="slow" advTm="166">
+      <p:transition spd="slow" advTm="7">
         <p:fade/>
       </p:transition>
     </mc:Fallback>

--- a/PPT_School_App.pptx
+++ b/PPT_School_App.pptx
@@ -2,31 +2,29 @@
 <file path=ppt/presentation.xml><?xml version="1.0" encoding="utf-8"?>
 <p:presentation xmlns:a="http://schemas.openxmlformats.org/drawingml/2006/main" xmlns:r="http://schemas.openxmlformats.org/officeDocument/2006/relationships" xmlns:p="http://schemas.openxmlformats.org/presentationml/2006/main" saveSubsetFonts="1">
   <p:sldMasterIdLst>
-    <p:sldMasterId id="2147483712" r:id="rId1"/>
+    <p:sldMasterId id="2147483648" r:id="rId1"/>
   </p:sldMasterIdLst>
   <p:notesMasterIdLst>
-    <p:notesMasterId r:id="rId21"/>
+    <p:notesMasterId r:id="rId19"/>
   </p:notesMasterIdLst>
   <p:sldIdLst>
-    <p:sldId id="256" r:id="rId2"/>
-    <p:sldId id="276" r:id="rId3"/>
-    <p:sldId id="277" r:id="rId4"/>
-    <p:sldId id="275" r:id="rId5"/>
-    <p:sldId id="258" r:id="rId6"/>
-    <p:sldId id="257" r:id="rId7"/>
-    <p:sldId id="259" r:id="rId8"/>
-    <p:sldId id="260" r:id="rId9"/>
-    <p:sldId id="274" r:id="rId10"/>
-    <p:sldId id="262" r:id="rId11"/>
-    <p:sldId id="263" r:id="rId12"/>
-    <p:sldId id="266" r:id="rId13"/>
-    <p:sldId id="267" r:id="rId14"/>
-    <p:sldId id="268" r:id="rId15"/>
-    <p:sldId id="269" r:id="rId16"/>
-    <p:sldId id="261" r:id="rId17"/>
-    <p:sldId id="278" r:id="rId18"/>
-    <p:sldId id="265" r:id="rId19"/>
-    <p:sldId id="279" r:id="rId20"/>
+    <p:sldId id="257" r:id="rId2"/>
+    <p:sldId id="258" r:id="rId3"/>
+    <p:sldId id="259" r:id="rId4"/>
+    <p:sldId id="260" r:id="rId5"/>
+    <p:sldId id="261" r:id="rId6"/>
+    <p:sldId id="262" r:id="rId7"/>
+    <p:sldId id="263" r:id="rId8"/>
+    <p:sldId id="264" r:id="rId9"/>
+    <p:sldId id="265" r:id="rId10"/>
+    <p:sldId id="266" r:id="rId11"/>
+    <p:sldId id="267" r:id="rId12"/>
+    <p:sldId id="268" r:id="rId13"/>
+    <p:sldId id="269" r:id="rId14"/>
+    <p:sldId id="270" r:id="rId15"/>
+    <p:sldId id="271" r:id="rId16"/>
+    <p:sldId id="272" r:id="rId17"/>
+    <p:sldId id="273" r:id="rId18"/>
   </p:sldIdLst>
   <p:sldSz cx="9144000" cy="6858000" type="screen4x3"/>
   <p:notesSz cx="6858000" cy="9144000"/>
@@ -168,7 +166,7 @@
       </p:grpSpPr>
       <p:sp>
         <p:nvSpPr>
-          <p:cNvPr id="2" name="Header Placeholder 1"/>
+          <p:cNvPr id="1048765" name="Header Placeholder 1"/>
           <p:cNvSpPr>
             <a:spLocks noGrp="1"/>
           </p:cNvSpPr>
@@ -199,7 +197,7 @@
       </p:sp>
       <p:sp>
         <p:nvSpPr>
-          <p:cNvPr id="3" name="Date Placeholder 2"/>
+          <p:cNvPr id="1048766" name="Date Placeholder 2"/>
           <p:cNvSpPr>
             <a:spLocks noGrp="1"/>
           </p:cNvSpPr>
@@ -226,7 +224,7 @@
           <a:p>
             <a:fld id="{F51D4BCB-84BE-43BA-B480-3B99CA172D84}" type="datetimeFigureOut">
               <a:rPr lang="en-CA" smtClean="0"/>
-              <a:t>2019-05-03</a:t>
+              <a:t>2019-05-04</a:t>
             </a:fld>
             <a:endParaRPr lang="en-CA"/>
           </a:p>
@@ -234,7 +232,7 @@
       </p:sp>
       <p:sp>
         <p:nvSpPr>
-          <p:cNvPr id="4" name="Slide Image Placeholder 3"/>
+          <p:cNvPr id="1048767" name="Slide Image Placeholder 3"/>
           <p:cNvSpPr>
             <a:spLocks noGrp="1" noRot="1" noChangeAspect="1"/>
           </p:cNvSpPr>
@@ -267,7 +265,7 @@
       </p:sp>
       <p:sp>
         <p:nvSpPr>
-          <p:cNvPr id="5" name="Notes Placeholder 4"/>
+          <p:cNvPr id="1048768" name="Notes Placeholder 4"/>
           <p:cNvSpPr>
             <a:spLocks noGrp="1"/>
           </p:cNvSpPr>
@@ -327,7 +325,7 @@
       </p:sp>
       <p:sp>
         <p:nvSpPr>
-          <p:cNvPr id="6" name="Footer Placeholder 5"/>
+          <p:cNvPr id="1048769" name="Footer Placeholder 5"/>
           <p:cNvSpPr>
             <a:spLocks noGrp="1"/>
           </p:cNvSpPr>
@@ -358,7 +356,7 @@
       </p:sp>
       <p:sp>
         <p:nvSpPr>
-          <p:cNvPr id="7" name="Slide Number Placeholder 6"/>
+          <p:cNvPr id="1048770" name="Slide Number Placeholder 6"/>
           <p:cNvSpPr>
             <a:spLocks noGrp="1"/>
           </p:cNvSpPr>
@@ -392,11 +390,6 @@
         </p:txBody>
       </p:sp>
     </p:spTree>
-    <p:extLst>
-      <p:ext uri="{BB962C8B-B14F-4D97-AF65-F5344CB8AC3E}">
-        <p14:creationId xmlns:p14="http://schemas.microsoft.com/office/powerpoint/2010/main" val="564199270"/>
-      </p:ext>
-    </p:extLst>
   </p:cSld>
   <p:clrMap bg1="lt1" tx1="dk1" bg2="lt2" tx2="dk2" accent1="accent1" accent2="accent2" accent3="accent3" accent4="accent4" accent5="accent5" accent6="accent6" hlink="hlink" folHlink="folHlink"/>
   <p:notesStyle>
@@ -513,7 +506,7 @@
       </p:grpSpPr>
       <p:sp>
         <p:nvSpPr>
-          <p:cNvPr id="2" name="Slide Image Placeholder 1"/>
+          <p:cNvPr id="1048598" name="Slide Image Placeholder 1"/>
           <p:cNvSpPr>
             <a:spLocks noGrp="1" noRot="1" noChangeAspect="1"/>
           </p:cNvSpPr>
@@ -525,7 +518,7 @@
       </p:sp>
       <p:sp>
         <p:nvSpPr>
-          <p:cNvPr id="3" name="Notes Placeholder 2"/>
+          <p:cNvPr id="1048599" name="Notes Placeholder 2"/>
           <p:cNvSpPr>
             <a:spLocks noGrp="1"/>
           </p:cNvSpPr>
@@ -544,7 +537,7 @@
       </p:sp>
       <p:sp>
         <p:nvSpPr>
-          <p:cNvPr id="4" name="Slide Number Placeholder 3"/>
+          <p:cNvPr id="1048600" name="Slide Number Placeholder 3"/>
           <p:cNvSpPr>
             <a:spLocks noGrp="1"/>
           </p:cNvSpPr>
@@ -566,11 +559,6 @@
         </p:txBody>
       </p:sp>
     </p:spTree>
-    <p:extLst>
-      <p:ext uri="{BB962C8B-B14F-4D97-AF65-F5344CB8AC3E}">
-        <p14:creationId xmlns:p14="http://schemas.microsoft.com/office/powerpoint/2010/main" val="2966387451"/>
-      </p:ext>
-    </p:extLst>
   </p:cSld>
   <p:clrMapOvr>
     <a:masterClrMapping/>
@@ -597,7 +585,7 @@
       </p:grpSpPr>
       <p:sp>
         <p:nvSpPr>
-          <p:cNvPr id="2" name="Title 1"/>
+          <p:cNvPr id="1048606" name="Title 1"/>
           <p:cNvSpPr>
             <a:spLocks noGrp="1"/>
           </p:cNvSpPr>
@@ -629,7 +617,7 @@
       </p:sp>
       <p:sp>
         <p:nvSpPr>
-          <p:cNvPr id="3" name="Subtitle 2"/>
+          <p:cNvPr id="1048607" name="Subtitle 2"/>
           <p:cNvSpPr>
             <a:spLocks noGrp="1"/>
           </p:cNvSpPr>
@@ -749,7 +737,7 @@
       </p:sp>
       <p:sp>
         <p:nvSpPr>
-          <p:cNvPr id="4" name="Date Placeholder 3"/>
+          <p:cNvPr id="1048608" name="Date Placeholder 3"/>
           <p:cNvSpPr>
             <a:spLocks noGrp="1"/>
           </p:cNvSpPr>
@@ -764,7 +752,7 @@
           <a:p>
             <a:fld id="{9E46933F-7D69-4AA7-A564-D7FA51938D7F}" type="datetimeFigureOut">
               <a:rPr lang="en-US" smtClean="0"/>
-              <a:t>5/3/2019</a:t>
+              <a:t>5/4/2019</a:t>
             </a:fld>
             <a:endParaRPr lang="en-US"/>
           </a:p>
@@ -772,7 +760,7 @@
       </p:sp>
       <p:sp>
         <p:nvSpPr>
-          <p:cNvPr id="5" name="Footer Placeholder 4"/>
+          <p:cNvPr id="1048609" name="Footer Placeholder 4"/>
           <p:cNvSpPr>
             <a:spLocks noGrp="1"/>
           </p:cNvSpPr>
@@ -791,7 +779,7 @@
       </p:sp>
       <p:sp>
         <p:nvSpPr>
-          <p:cNvPr id="6" name="Slide Number Placeholder 5"/>
+          <p:cNvPr id="1048610" name="Slide Number Placeholder 5"/>
           <p:cNvSpPr>
             <a:spLocks noGrp="1"/>
           </p:cNvSpPr>
@@ -813,11 +801,6 @@
         </p:txBody>
       </p:sp>
     </p:spTree>
-    <p:extLst>
-      <p:ext uri="{BB962C8B-B14F-4D97-AF65-F5344CB8AC3E}">
-        <p14:creationId xmlns:p14="http://schemas.microsoft.com/office/powerpoint/2010/main" val="1612015136"/>
-      </p:ext>
-    </p:extLst>
   </p:cSld>
   <p:clrMapOvr>
     <a:masterClrMapping/>
@@ -829,7 +812,7 @@
       </p:transition>
     </mc:Choice>
     <mc:Fallback xmlns="">
-      <p:transition spd="slow" advTm="20000">
+      <p:transition spd="slow">
         <p:fade/>
       </p:transition>
     </mc:Fallback>
@@ -856,7 +839,7 @@
       </p:grpSpPr>
       <p:sp>
         <p:nvSpPr>
-          <p:cNvPr id="2" name="Title 1"/>
+          <p:cNvPr id="1048759" name="Title 1"/>
           <p:cNvSpPr>
             <a:spLocks noGrp="1"/>
           </p:cNvSpPr>
@@ -890,7 +873,7 @@
       </p:sp>
       <p:sp>
         <p:nvSpPr>
-          <p:cNvPr id="3" name="Picture Placeholder 2"/>
+          <p:cNvPr id="1048760" name="Picture Placeholder 2"/>
           <p:cNvSpPr>
             <a:spLocks noGrp="1" noChangeAspect="1"/>
           </p:cNvSpPr>
@@ -969,7 +952,7 @@
       </p:sp>
       <p:sp>
         <p:nvSpPr>
-          <p:cNvPr id="4" name="Text Placeholder 3"/>
+          <p:cNvPr id="1048761" name="Text Placeholder 3"/>
           <p:cNvSpPr>
             <a:spLocks noGrp="1"/>
           </p:cNvSpPr>
@@ -1036,7 +1019,7 @@
       </p:sp>
       <p:sp>
         <p:nvSpPr>
-          <p:cNvPr id="5" name="Date Placeholder 4"/>
+          <p:cNvPr id="1048762" name="Date Placeholder 4"/>
           <p:cNvSpPr>
             <a:spLocks noGrp="1"/>
           </p:cNvSpPr>
@@ -1051,7 +1034,7 @@
           <a:p>
             <a:fld id="{9E46933F-7D69-4AA7-A564-D7FA51938D7F}" type="datetimeFigureOut">
               <a:rPr lang="en-US" smtClean="0"/>
-              <a:t>5/3/2019</a:t>
+              <a:t>5/4/2019</a:t>
             </a:fld>
             <a:endParaRPr lang="en-US"/>
           </a:p>
@@ -1059,7 +1042,7 @@
       </p:sp>
       <p:sp>
         <p:nvSpPr>
-          <p:cNvPr id="6" name="Footer Placeholder 5"/>
+          <p:cNvPr id="1048763" name="Footer Placeholder 5"/>
           <p:cNvSpPr>
             <a:spLocks noGrp="1"/>
           </p:cNvSpPr>
@@ -1078,7 +1061,7 @@
       </p:sp>
       <p:sp>
         <p:nvSpPr>
-          <p:cNvPr id="7" name="Slide Number Placeholder 6"/>
+          <p:cNvPr id="1048764" name="Slide Number Placeholder 6"/>
           <p:cNvSpPr>
             <a:spLocks noGrp="1"/>
           </p:cNvSpPr>
@@ -1100,11 +1083,6 @@
         </p:txBody>
       </p:sp>
     </p:spTree>
-    <p:extLst>
-      <p:ext uri="{BB962C8B-B14F-4D97-AF65-F5344CB8AC3E}">
-        <p14:creationId xmlns:p14="http://schemas.microsoft.com/office/powerpoint/2010/main" val="1576935650"/>
-      </p:ext>
-    </p:extLst>
   </p:cSld>
   <p:clrMapOvr>
     <a:masterClrMapping/>
@@ -1116,7 +1094,7 @@
       </p:transition>
     </mc:Choice>
     <mc:Fallback xmlns="">
-      <p:transition spd="slow" advTm="20000">
+      <p:transition spd="slow">
         <p:fade/>
       </p:transition>
     </mc:Fallback>
@@ -1143,7 +1121,7 @@
       </p:grpSpPr>
       <p:sp>
         <p:nvSpPr>
-          <p:cNvPr id="2" name="Title 1"/>
+          <p:cNvPr id="1048709" name="Title 1"/>
           <p:cNvSpPr>
             <a:spLocks noGrp="1"/>
           </p:cNvSpPr>
@@ -1175,7 +1153,7 @@
       </p:sp>
       <p:sp>
         <p:nvSpPr>
-          <p:cNvPr id="8" name="Text Placeholder 3"/>
+          <p:cNvPr id="1048710" name="Text Placeholder 3"/>
           <p:cNvSpPr>
             <a:spLocks noGrp="1"/>
           </p:cNvSpPr>
@@ -1242,7 +1220,7 @@
       </p:sp>
       <p:sp>
         <p:nvSpPr>
-          <p:cNvPr id="4" name="Date Placeholder 3"/>
+          <p:cNvPr id="1048711" name="Date Placeholder 3"/>
           <p:cNvSpPr>
             <a:spLocks noGrp="1"/>
           </p:cNvSpPr>
@@ -1257,7 +1235,7 @@
           <a:p>
             <a:fld id="{9E46933F-7D69-4AA7-A564-D7FA51938D7F}" type="datetimeFigureOut">
               <a:rPr lang="en-US" smtClean="0"/>
-              <a:t>5/3/2019</a:t>
+              <a:t>5/4/2019</a:t>
             </a:fld>
             <a:endParaRPr lang="en-US"/>
           </a:p>
@@ -1265,7 +1243,7 @@
       </p:sp>
       <p:sp>
         <p:nvSpPr>
-          <p:cNvPr id="5" name="Footer Placeholder 4"/>
+          <p:cNvPr id="1048712" name="Footer Placeholder 4"/>
           <p:cNvSpPr>
             <a:spLocks noGrp="1"/>
           </p:cNvSpPr>
@@ -1284,7 +1262,7 @@
       </p:sp>
       <p:sp>
         <p:nvSpPr>
-          <p:cNvPr id="6" name="Slide Number Placeholder 5"/>
+          <p:cNvPr id="1048713" name="Slide Number Placeholder 5"/>
           <p:cNvSpPr>
             <a:spLocks noGrp="1"/>
           </p:cNvSpPr>
@@ -1306,11 +1284,6 @@
         </p:txBody>
       </p:sp>
     </p:spTree>
-    <p:extLst>
-      <p:ext uri="{BB962C8B-B14F-4D97-AF65-F5344CB8AC3E}">
-        <p14:creationId xmlns:p14="http://schemas.microsoft.com/office/powerpoint/2010/main" val="3792550275"/>
-      </p:ext>
-    </p:extLst>
   </p:cSld>
   <p:clrMapOvr>
     <a:masterClrMapping/>
@@ -1322,7 +1295,7 @@
       </p:transition>
     </mc:Choice>
     <mc:Fallback xmlns="">
-      <p:transition spd="slow" advTm="20000">
+      <p:transition spd="slow">
         <p:fade/>
       </p:transition>
     </mc:Fallback>
@@ -1349,7 +1322,7 @@
       </p:grpSpPr>
       <p:sp>
         <p:nvSpPr>
-          <p:cNvPr id="2" name="Title 1"/>
+          <p:cNvPr id="1048701" name="Title 1"/>
           <p:cNvSpPr>
             <a:spLocks noGrp="1"/>
           </p:cNvSpPr>
@@ -1381,7 +1354,7 @@
       </p:sp>
       <p:sp>
         <p:nvSpPr>
-          <p:cNvPr id="11" name="Text Placeholder 3"/>
+          <p:cNvPr id="1048702" name="Text Placeholder 3"/>
           <p:cNvSpPr>
             <a:spLocks noGrp="1"/>
           </p:cNvSpPr>
@@ -1460,7 +1433,7 @@
       </p:sp>
       <p:sp>
         <p:nvSpPr>
-          <p:cNvPr id="10" name="Text Placeholder 3"/>
+          <p:cNvPr id="1048703" name="Text Placeholder 3"/>
           <p:cNvSpPr>
             <a:spLocks noGrp="1"/>
           </p:cNvSpPr>
@@ -1527,7 +1500,7 @@
       </p:sp>
       <p:sp>
         <p:nvSpPr>
-          <p:cNvPr id="4" name="Date Placeholder 3"/>
+          <p:cNvPr id="1048704" name="Date Placeholder 3"/>
           <p:cNvSpPr>
             <a:spLocks noGrp="1"/>
           </p:cNvSpPr>
@@ -1542,7 +1515,7 @@
           <a:p>
             <a:fld id="{9E46933F-7D69-4AA7-A564-D7FA51938D7F}" type="datetimeFigureOut">
               <a:rPr lang="en-US" smtClean="0"/>
-              <a:t>5/3/2019</a:t>
+              <a:t>5/4/2019</a:t>
             </a:fld>
             <a:endParaRPr lang="en-US"/>
           </a:p>
@@ -1550,7 +1523,7 @@
       </p:sp>
       <p:sp>
         <p:nvSpPr>
-          <p:cNvPr id="5" name="Footer Placeholder 4"/>
+          <p:cNvPr id="1048705" name="Footer Placeholder 4"/>
           <p:cNvSpPr>
             <a:spLocks noGrp="1"/>
           </p:cNvSpPr>
@@ -1569,7 +1542,7 @@
       </p:sp>
       <p:sp>
         <p:nvSpPr>
-          <p:cNvPr id="6" name="Slide Number Placeholder 5"/>
+          <p:cNvPr id="1048706" name="Slide Number Placeholder 5"/>
           <p:cNvSpPr>
             <a:spLocks noGrp="1"/>
           </p:cNvSpPr>
@@ -1592,7 +1565,7 @@
       </p:sp>
       <p:sp>
         <p:nvSpPr>
-          <p:cNvPr id="12" name="TextBox 11"/>
+          <p:cNvPr id="1048707" name="TextBox 11"/>
           <p:cNvSpPr txBox="1"/>
           <p:nvPr/>
         </p:nvSpPr>
@@ -1639,7 +1612,7 @@
       </p:sp>
       <p:sp>
         <p:nvSpPr>
-          <p:cNvPr id="15" name="TextBox 14"/>
+          <p:cNvPr id="1048708" name="TextBox 14"/>
           <p:cNvSpPr txBox="1"/>
           <p:nvPr/>
         </p:nvSpPr>
@@ -1685,11 +1658,6 @@
         </p:txBody>
       </p:sp>
     </p:spTree>
-    <p:extLst>
-      <p:ext uri="{BB962C8B-B14F-4D97-AF65-F5344CB8AC3E}">
-        <p14:creationId xmlns:p14="http://schemas.microsoft.com/office/powerpoint/2010/main" val="1644014038"/>
-      </p:ext>
-    </p:extLst>
   </p:cSld>
   <p:clrMapOvr>
     <a:masterClrMapping/>
@@ -1701,7 +1669,7 @@
       </p:transition>
     </mc:Choice>
     <mc:Fallback xmlns="">
-      <p:transition spd="slow" advTm="20000">
+      <p:transition spd="slow">
         <p:fade/>
       </p:transition>
     </mc:Fallback>
@@ -1728,7 +1696,7 @@
       </p:grpSpPr>
       <p:sp>
         <p:nvSpPr>
-          <p:cNvPr id="2" name="Title 1"/>
+          <p:cNvPr id="1048717" name="Title 1"/>
           <p:cNvSpPr>
             <a:spLocks noGrp="1"/>
           </p:cNvSpPr>
@@ -1760,7 +1728,7 @@
       </p:sp>
       <p:sp>
         <p:nvSpPr>
-          <p:cNvPr id="3" name="Text Placeholder 2"/>
+          <p:cNvPr id="1048718" name="Text Placeholder 2"/>
           <p:cNvSpPr>
             <a:spLocks noGrp="1"/>
           </p:cNvSpPr>
@@ -1880,7 +1848,7 @@
       </p:sp>
       <p:sp>
         <p:nvSpPr>
-          <p:cNvPr id="4" name="Date Placeholder 3"/>
+          <p:cNvPr id="1048719" name="Date Placeholder 3"/>
           <p:cNvSpPr>
             <a:spLocks noGrp="1"/>
           </p:cNvSpPr>
@@ -1895,7 +1863,7 @@
           <a:p>
             <a:fld id="{9E46933F-7D69-4AA7-A564-D7FA51938D7F}" type="datetimeFigureOut">
               <a:rPr lang="en-US" smtClean="0"/>
-              <a:t>5/3/2019</a:t>
+              <a:t>5/4/2019</a:t>
             </a:fld>
             <a:endParaRPr lang="en-US"/>
           </a:p>
@@ -1903,7 +1871,7 @@
       </p:sp>
       <p:sp>
         <p:nvSpPr>
-          <p:cNvPr id="5" name="Footer Placeholder 4"/>
+          <p:cNvPr id="1048720" name="Footer Placeholder 4"/>
           <p:cNvSpPr>
             <a:spLocks noGrp="1"/>
           </p:cNvSpPr>
@@ -1922,7 +1890,7 @@
       </p:sp>
       <p:sp>
         <p:nvSpPr>
-          <p:cNvPr id="6" name="Slide Number Placeholder 5"/>
+          <p:cNvPr id="1048721" name="Slide Number Placeholder 5"/>
           <p:cNvSpPr>
             <a:spLocks noGrp="1"/>
           </p:cNvSpPr>
@@ -1944,11 +1912,6 @@
         </p:txBody>
       </p:sp>
     </p:spTree>
-    <p:extLst>
-      <p:ext uri="{BB962C8B-B14F-4D97-AF65-F5344CB8AC3E}">
-        <p14:creationId xmlns:p14="http://schemas.microsoft.com/office/powerpoint/2010/main" val="3860588921"/>
-      </p:ext>
-    </p:extLst>
   </p:cSld>
   <p:clrMapOvr>
     <a:masterClrMapping/>
@@ -1960,7 +1923,7 @@
       </p:transition>
     </mc:Choice>
     <mc:Fallback xmlns="">
-      <p:transition spd="slow" advTm="20000">
+      <p:transition spd="slow">
         <p:fade/>
       </p:transition>
     </mc:Fallback>
@@ -1987,7 +1950,7 @@
       </p:grpSpPr>
       <p:sp>
         <p:nvSpPr>
-          <p:cNvPr id="2" name="Title 1"/>
+          <p:cNvPr id="1048749" name="Title 1"/>
           <p:cNvSpPr>
             <a:spLocks noGrp="1"/>
           </p:cNvSpPr>
@@ -2014,7 +1977,7 @@
       </p:sp>
       <p:sp>
         <p:nvSpPr>
-          <p:cNvPr id="3" name="Text Placeholder 2"/>
+          <p:cNvPr id="1048750" name="Text Placeholder 2"/>
           <p:cNvSpPr>
             <a:spLocks noGrp="1"/>
           </p:cNvSpPr>
@@ -2088,7 +2051,7 @@
       </p:sp>
       <p:sp>
         <p:nvSpPr>
-          <p:cNvPr id="16" name="Text Placeholder 3"/>
+          <p:cNvPr id="1048751" name="Text Placeholder 3"/>
           <p:cNvSpPr>
             <a:spLocks noGrp="1"/>
           </p:cNvSpPr>
@@ -2155,7 +2118,7 @@
       </p:sp>
       <p:sp>
         <p:nvSpPr>
-          <p:cNvPr id="5" name="Text Placeholder 4"/>
+          <p:cNvPr id="1048752" name="Text Placeholder 4"/>
           <p:cNvSpPr>
             <a:spLocks noGrp="1"/>
           </p:cNvSpPr>
@@ -2229,7 +2192,7 @@
       </p:sp>
       <p:sp>
         <p:nvSpPr>
-          <p:cNvPr id="19" name="Text Placeholder 3"/>
+          <p:cNvPr id="1048753" name="Text Placeholder 3"/>
           <p:cNvSpPr>
             <a:spLocks noGrp="1"/>
           </p:cNvSpPr>
@@ -2296,7 +2259,7 @@
       </p:sp>
       <p:sp>
         <p:nvSpPr>
-          <p:cNvPr id="14" name="Text Placeholder 4"/>
+          <p:cNvPr id="1048754" name="Text Placeholder 4"/>
           <p:cNvSpPr>
             <a:spLocks noGrp="1"/>
           </p:cNvSpPr>
@@ -2370,7 +2333,7 @@
       </p:sp>
       <p:sp>
         <p:nvSpPr>
-          <p:cNvPr id="20" name="Text Placeholder 3"/>
+          <p:cNvPr id="1048755" name="Text Placeholder 3"/>
           <p:cNvSpPr>
             <a:spLocks noGrp="1"/>
           </p:cNvSpPr>
@@ -2437,8 +2400,10 @@
       </p:sp>
       <p:cxnSp>
         <p:nvCxnSpPr>
-          <p:cNvPr id="17" name="Straight Connector 16"/>
-          <p:cNvCxnSpPr/>
+          <p:cNvPr id="3145730" name="Straight Connector 16"/>
+          <p:cNvCxnSpPr>
+            <a:cxnSpLocks/>
+          </p:cNvCxnSpPr>
           <p:nvPr/>
         </p:nvCxnSpPr>
         <p:spPr>
@@ -2476,8 +2441,10 @@
       </p:cxnSp>
       <p:cxnSp>
         <p:nvCxnSpPr>
-          <p:cNvPr id="18" name="Straight Connector 17"/>
-          <p:cNvCxnSpPr/>
+          <p:cNvPr id="3145731" name="Straight Connector 17"/>
+          <p:cNvCxnSpPr>
+            <a:cxnSpLocks/>
+          </p:cNvCxnSpPr>
           <p:nvPr/>
         </p:nvCxnSpPr>
         <p:spPr>
@@ -2515,7 +2482,7 @@
       </p:cxnSp>
       <p:sp>
         <p:nvSpPr>
-          <p:cNvPr id="7" name="Date Placeholder 3"/>
+          <p:cNvPr id="1048756" name="Date Placeholder 3"/>
           <p:cNvSpPr>
             <a:spLocks noGrp="1"/>
           </p:cNvSpPr>
@@ -2530,7 +2497,7 @@
           <a:p>
             <a:fld id="{9E46933F-7D69-4AA7-A564-D7FA51938D7F}" type="datetimeFigureOut">
               <a:rPr lang="en-US" smtClean="0"/>
-              <a:t>5/3/2019</a:t>
+              <a:t>5/4/2019</a:t>
             </a:fld>
             <a:endParaRPr lang="en-US"/>
           </a:p>
@@ -2538,7 +2505,7 @@
       </p:sp>
       <p:sp>
         <p:nvSpPr>
-          <p:cNvPr id="4" name="Footer Placeholder 4"/>
+          <p:cNvPr id="1048757" name="Footer Placeholder 4"/>
           <p:cNvSpPr>
             <a:spLocks noGrp="1"/>
           </p:cNvSpPr>
@@ -2557,7 +2524,7 @@
       </p:sp>
       <p:sp>
         <p:nvSpPr>
-          <p:cNvPr id="6" name="Slide Number Placeholder 5"/>
+          <p:cNvPr id="1048758" name="Slide Number Placeholder 5"/>
           <p:cNvSpPr>
             <a:spLocks noGrp="1"/>
           </p:cNvSpPr>
@@ -2579,11 +2546,6 @@
         </p:txBody>
       </p:sp>
     </p:spTree>
-    <p:extLst>
-      <p:ext uri="{BB962C8B-B14F-4D97-AF65-F5344CB8AC3E}">
-        <p14:creationId xmlns:p14="http://schemas.microsoft.com/office/powerpoint/2010/main" val="3162068301"/>
-      </p:ext>
-    </p:extLst>
   </p:cSld>
   <p:clrMapOvr>
     <a:masterClrMapping/>
@@ -2595,7 +2557,7 @@
       </p:transition>
     </mc:Choice>
     <mc:Fallback xmlns="">
-      <p:transition spd="slow" advTm="20000">
+      <p:transition spd="slow">
         <p:fade/>
       </p:transition>
     </mc:Fallback>
@@ -2622,7 +2584,7 @@
       </p:grpSpPr>
       <p:sp>
         <p:nvSpPr>
-          <p:cNvPr id="2" name="Title 1"/>
+          <p:cNvPr id="1048670" name="Title 1"/>
           <p:cNvSpPr>
             <a:spLocks noGrp="1"/>
           </p:cNvSpPr>
@@ -2649,7 +2611,7 @@
       </p:sp>
       <p:sp>
         <p:nvSpPr>
-          <p:cNvPr id="3" name="Text Placeholder 2"/>
+          <p:cNvPr id="1048671" name="Text Placeholder 2"/>
           <p:cNvSpPr>
             <a:spLocks noGrp="1"/>
           </p:cNvSpPr>
@@ -2723,7 +2685,7 @@
       </p:sp>
       <p:sp>
         <p:nvSpPr>
-          <p:cNvPr id="29" name="Picture Placeholder 2"/>
+          <p:cNvPr id="1048672" name="Picture Placeholder 2"/>
           <p:cNvSpPr>
             <a:spLocks noGrp="1" noChangeAspect="1"/>
           </p:cNvSpPr>
@@ -2802,7 +2764,7 @@
       </p:sp>
       <p:sp>
         <p:nvSpPr>
-          <p:cNvPr id="22" name="Text Placeholder 3"/>
+          <p:cNvPr id="1048673" name="Text Placeholder 3"/>
           <p:cNvSpPr>
             <a:spLocks noGrp="1"/>
           </p:cNvSpPr>
@@ -2869,7 +2831,7 @@
       </p:sp>
       <p:sp>
         <p:nvSpPr>
-          <p:cNvPr id="5" name="Text Placeholder 4"/>
+          <p:cNvPr id="1048674" name="Text Placeholder 4"/>
           <p:cNvSpPr>
             <a:spLocks noGrp="1"/>
           </p:cNvSpPr>
@@ -2943,7 +2905,7 @@
       </p:sp>
       <p:sp>
         <p:nvSpPr>
-          <p:cNvPr id="30" name="Picture Placeholder 2"/>
+          <p:cNvPr id="1048675" name="Picture Placeholder 2"/>
           <p:cNvSpPr>
             <a:spLocks noGrp="1" noChangeAspect="1"/>
           </p:cNvSpPr>
@@ -3022,7 +2984,7 @@
       </p:sp>
       <p:sp>
         <p:nvSpPr>
-          <p:cNvPr id="23" name="Text Placeholder 3"/>
+          <p:cNvPr id="1048676" name="Text Placeholder 3"/>
           <p:cNvSpPr>
             <a:spLocks noGrp="1"/>
           </p:cNvSpPr>
@@ -3089,7 +3051,7 @@
       </p:sp>
       <p:sp>
         <p:nvSpPr>
-          <p:cNvPr id="14" name="Text Placeholder 4"/>
+          <p:cNvPr id="1048677" name="Text Placeholder 4"/>
           <p:cNvSpPr>
             <a:spLocks noGrp="1"/>
           </p:cNvSpPr>
@@ -3163,7 +3125,7 @@
       </p:sp>
       <p:sp>
         <p:nvSpPr>
-          <p:cNvPr id="31" name="Picture Placeholder 2"/>
+          <p:cNvPr id="1048678" name="Picture Placeholder 2"/>
           <p:cNvSpPr>
             <a:spLocks noGrp="1" noChangeAspect="1"/>
           </p:cNvSpPr>
@@ -3242,7 +3204,7 @@
       </p:sp>
       <p:sp>
         <p:nvSpPr>
-          <p:cNvPr id="24" name="Text Placeholder 3"/>
+          <p:cNvPr id="1048679" name="Text Placeholder 3"/>
           <p:cNvSpPr>
             <a:spLocks noGrp="1"/>
           </p:cNvSpPr>
@@ -3309,8 +3271,10 @@
       </p:sp>
       <p:cxnSp>
         <p:nvCxnSpPr>
-          <p:cNvPr id="19" name="Straight Connector 18"/>
-          <p:cNvCxnSpPr/>
+          <p:cNvPr id="3145728" name="Straight Connector 18"/>
+          <p:cNvCxnSpPr>
+            <a:cxnSpLocks/>
+          </p:cNvCxnSpPr>
           <p:nvPr/>
         </p:nvCxnSpPr>
         <p:spPr>
@@ -3348,8 +3312,10 @@
       </p:cxnSp>
       <p:cxnSp>
         <p:nvCxnSpPr>
-          <p:cNvPr id="20" name="Straight Connector 19"/>
-          <p:cNvCxnSpPr/>
+          <p:cNvPr id="3145729" name="Straight Connector 19"/>
+          <p:cNvCxnSpPr>
+            <a:cxnSpLocks/>
+          </p:cNvCxnSpPr>
           <p:nvPr/>
         </p:nvCxnSpPr>
         <p:spPr>
@@ -3387,7 +3353,7 @@
       </p:cxnSp>
       <p:sp>
         <p:nvSpPr>
-          <p:cNvPr id="7" name="Date Placeholder 3"/>
+          <p:cNvPr id="1048680" name="Date Placeholder 3"/>
           <p:cNvSpPr>
             <a:spLocks noGrp="1"/>
           </p:cNvSpPr>
@@ -3402,7 +3368,7 @@
           <a:p>
             <a:fld id="{9E46933F-7D69-4AA7-A564-D7FA51938D7F}" type="datetimeFigureOut">
               <a:rPr lang="en-US" smtClean="0"/>
-              <a:t>5/3/2019</a:t>
+              <a:t>5/4/2019</a:t>
             </a:fld>
             <a:endParaRPr lang="en-US"/>
           </a:p>
@@ -3410,7 +3376,7 @@
       </p:sp>
       <p:sp>
         <p:nvSpPr>
-          <p:cNvPr id="4" name="Footer Placeholder 4"/>
+          <p:cNvPr id="1048681" name="Footer Placeholder 4"/>
           <p:cNvSpPr>
             <a:spLocks noGrp="1"/>
           </p:cNvSpPr>
@@ -3429,7 +3395,7 @@
       </p:sp>
       <p:sp>
         <p:nvSpPr>
-          <p:cNvPr id="6" name="Slide Number Placeholder 5"/>
+          <p:cNvPr id="1048682" name="Slide Number Placeholder 5"/>
           <p:cNvSpPr>
             <a:spLocks noGrp="1"/>
           </p:cNvSpPr>
@@ -3451,11 +3417,6 @@
         </p:txBody>
       </p:sp>
     </p:spTree>
-    <p:extLst>
-      <p:ext uri="{BB962C8B-B14F-4D97-AF65-F5344CB8AC3E}">
-        <p14:creationId xmlns:p14="http://schemas.microsoft.com/office/powerpoint/2010/main" val="3178084696"/>
-      </p:ext>
-    </p:extLst>
   </p:cSld>
   <p:clrMapOvr>
     <a:masterClrMapping/>
@@ -3467,7 +3428,7 @@
       </p:transition>
     </mc:Choice>
     <mc:Fallback xmlns="">
-      <p:transition spd="slow" advTm="20000">
+      <p:transition spd="slow">
         <p:fade/>
       </p:transition>
     </mc:Fallback>
@@ -3494,7 +3455,7 @@
       </p:grpSpPr>
       <p:sp>
         <p:nvSpPr>
-          <p:cNvPr id="2" name="Title 1"/>
+          <p:cNvPr id="1048696" name="Title 1"/>
           <p:cNvSpPr>
             <a:spLocks noGrp="1"/>
           </p:cNvSpPr>
@@ -3517,7 +3478,7 @@
       </p:sp>
       <p:sp>
         <p:nvSpPr>
-          <p:cNvPr id="3" name="Vertical Text Placeholder 2"/>
+          <p:cNvPr id="1048697" name="Vertical Text Placeholder 2"/>
           <p:cNvSpPr>
             <a:spLocks noGrp="1"/>
           </p:cNvSpPr>
@@ -3569,7 +3530,7 @@
       </p:sp>
       <p:sp>
         <p:nvSpPr>
-          <p:cNvPr id="4" name="Date Placeholder 3"/>
+          <p:cNvPr id="1048698" name="Date Placeholder 3"/>
           <p:cNvSpPr>
             <a:spLocks noGrp="1"/>
           </p:cNvSpPr>
@@ -3584,7 +3545,7 @@
           <a:p>
             <a:fld id="{9E46933F-7D69-4AA7-A564-D7FA51938D7F}" type="datetimeFigureOut">
               <a:rPr lang="en-US" smtClean="0"/>
-              <a:t>5/3/2019</a:t>
+              <a:t>5/4/2019</a:t>
             </a:fld>
             <a:endParaRPr lang="en-US"/>
           </a:p>
@@ -3592,7 +3553,7 @@
       </p:sp>
       <p:sp>
         <p:nvSpPr>
-          <p:cNvPr id="5" name="Footer Placeholder 4"/>
+          <p:cNvPr id="1048699" name="Footer Placeholder 4"/>
           <p:cNvSpPr>
             <a:spLocks noGrp="1"/>
           </p:cNvSpPr>
@@ -3611,7 +3572,7 @@
       </p:sp>
       <p:sp>
         <p:nvSpPr>
-          <p:cNvPr id="6" name="Slide Number Placeholder 5"/>
+          <p:cNvPr id="1048700" name="Slide Number Placeholder 5"/>
           <p:cNvSpPr>
             <a:spLocks noGrp="1"/>
           </p:cNvSpPr>
@@ -3633,11 +3594,6 @@
         </p:txBody>
       </p:sp>
     </p:spTree>
-    <p:extLst>
-      <p:ext uri="{BB962C8B-B14F-4D97-AF65-F5344CB8AC3E}">
-        <p14:creationId xmlns:p14="http://schemas.microsoft.com/office/powerpoint/2010/main" val="3130068518"/>
-      </p:ext>
-    </p:extLst>
   </p:cSld>
   <p:clrMapOvr>
     <a:masterClrMapping/>
@@ -3649,7 +3605,7 @@
       </p:transition>
     </mc:Choice>
     <mc:Fallback xmlns="">
-      <p:transition spd="slow" advTm="20000">
+      <p:transition spd="slow">
         <p:fade/>
       </p:transition>
     </mc:Fallback>
@@ -3676,7 +3632,7 @@
       </p:grpSpPr>
       <p:sp>
         <p:nvSpPr>
-          <p:cNvPr id="2" name="Vertical Title 1"/>
+          <p:cNvPr id="1048683" name="Vertical Title 1"/>
           <p:cNvSpPr>
             <a:spLocks noGrp="1"/>
           </p:cNvSpPr>
@@ -3704,7 +3660,7 @@
       </p:sp>
       <p:sp>
         <p:nvSpPr>
-          <p:cNvPr id="3" name="Vertical Text Placeholder 2"/>
+          <p:cNvPr id="1048684" name="Vertical Text Placeholder 2"/>
           <p:cNvSpPr>
             <a:spLocks noGrp="1"/>
           </p:cNvSpPr>
@@ -3761,7 +3717,7 @@
       </p:sp>
       <p:sp>
         <p:nvSpPr>
-          <p:cNvPr id="4" name="Date Placeholder 3"/>
+          <p:cNvPr id="1048685" name="Date Placeholder 3"/>
           <p:cNvSpPr>
             <a:spLocks noGrp="1"/>
           </p:cNvSpPr>
@@ -3776,7 +3732,7 @@
           <a:p>
             <a:fld id="{9E46933F-7D69-4AA7-A564-D7FA51938D7F}" type="datetimeFigureOut">
               <a:rPr lang="en-US" smtClean="0"/>
-              <a:t>5/3/2019</a:t>
+              <a:t>5/4/2019</a:t>
             </a:fld>
             <a:endParaRPr lang="en-US"/>
           </a:p>
@@ -3784,7 +3740,7 @@
       </p:sp>
       <p:sp>
         <p:nvSpPr>
-          <p:cNvPr id="5" name="Footer Placeholder 4"/>
+          <p:cNvPr id="1048686" name="Footer Placeholder 4"/>
           <p:cNvSpPr>
             <a:spLocks noGrp="1"/>
           </p:cNvSpPr>
@@ -3803,7 +3759,7 @@
       </p:sp>
       <p:sp>
         <p:nvSpPr>
-          <p:cNvPr id="6" name="Slide Number Placeholder 5"/>
+          <p:cNvPr id="1048687" name="Slide Number Placeholder 5"/>
           <p:cNvSpPr>
             <a:spLocks noGrp="1"/>
           </p:cNvSpPr>
@@ -3825,11 +3781,6 @@
         </p:txBody>
       </p:sp>
     </p:spTree>
-    <p:extLst>
-      <p:ext uri="{BB962C8B-B14F-4D97-AF65-F5344CB8AC3E}">
-        <p14:creationId xmlns:p14="http://schemas.microsoft.com/office/powerpoint/2010/main" val="1071874542"/>
-      </p:ext>
-    </p:extLst>
   </p:cSld>
   <p:clrMapOvr>
     <a:masterClrMapping/>
@@ -3841,7 +3792,7 @@
       </p:transition>
     </mc:Choice>
     <mc:Fallback xmlns="">
-      <p:transition spd="slow" advTm="20000">
+      <p:transition spd="slow">
         <p:fade/>
       </p:transition>
     </mc:Fallback>
@@ -3868,7 +3819,7 @@
       </p:grpSpPr>
       <p:sp>
         <p:nvSpPr>
-          <p:cNvPr id="2" name="Title 1"/>
+          <p:cNvPr id="1048587" name="Title 1"/>
           <p:cNvSpPr>
             <a:spLocks noGrp="1"/>
           </p:cNvSpPr>
@@ -3891,7 +3842,7 @@
       </p:sp>
       <p:sp>
         <p:nvSpPr>
-          <p:cNvPr id="3" name="Content Placeholder 2"/>
+          <p:cNvPr id="1048588" name="Content Placeholder 2"/>
           <p:cNvSpPr>
             <a:spLocks noGrp="1"/>
           </p:cNvSpPr>
@@ -3943,7 +3894,7 @@
       </p:sp>
       <p:sp>
         <p:nvSpPr>
-          <p:cNvPr id="7" name="Date Placeholder 3"/>
+          <p:cNvPr id="1048589" name="Date Placeholder 3"/>
           <p:cNvSpPr>
             <a:spLocks noGrp="1"/>
           </p:cNvSpPr>
@@ -3958,7 +3909,7 @@
           <a:p>
             <a:fld id="{9E46933F-7D69-4AA7-A564-D7FA51938D7F}" type="datetimeFigureOut">
               <a:rPr lang="en-US" smtClean="0"/>
-              <a:t>5/3/2019</a:t>
+              <a:t>5/4/2019</a:t>
             </a:fld>
             <a:endParaRPr lang="en-US"/>
           </a:p>
@@ -3966,7 +3917,7 @@
       </p:sp>
       <p:sp>
         <p:nvSpPr>
-          <p:cNvPr id="5" name="Footer Placeholder 4"/>
+          <p:cNvPr id="1048590" name="Footer Placeholder 4"/>
           <p:cNvSpPr>
             <a:spLocks noGrp="1"/>
           </p:cNvSpPr>
@@ -3985,7 +3936,7 @@
       </p:sp>
       <p:sp>
         <p:nvSpPr>
-          <p:cNvPr id="6" name="Slide Number Placeholder 5"/>
+          <p:cNvPr id="1048591" name="Slide Number Placeholder 5"/>
           <p:cNvSpPr>
             <a:spLocks noGrp="1"/>
           </p:cNvSpPr>
@@ -4007,11 +3958,6 @@
         </p:txBody>
       </p:sp>
     </p:spTree>
-    <p:extLst>
-      <p:ext uri="{BB962C8B-B14F-4D97-AF65-F5344CB8AC3E}">
-        <p14:creationId xmlns:p14="http://schemas.microsoft.com/office/powerpoint/2010/main" val="1683381918"/>
-      </p:ext>
-    </p:extLst>
   </p:cSld>
   <p:clrMapOvr>
     <a:masterClrMapping/>
@@ -4023,7 +3969,7 @@
       </p:transition>
     </mc:Choice>
     <mc:Fallback xmlns="">
-      <p:transition spd="slow" advTm="20000">
+      <p:transition spd="slow">
         <p:fade/>
       </p:transition>
     </mc:Fallback>
@@ -4050,7 +3996,7 @@
       </p:grpSpPr>
       <p:sp>
         <p:nvSpPr>
-          <p:cNvPr id="2" name="Title 1"/>
+          <p:cNvPr id="1048722" name="Title 1"/>
           <p:cNvSpPr>
             <a:spLocks noGrp="1"/>
           </p:cNvSpPr>
@@ -4082,7 +4028,7 @@
       </p:sp>
       <p:sp>
         <p:nvSpPr>
-          <p:cNvPr id="3" name="Text Placeholder 2"/>
+          <p:cNvPr id="1048723" name="Text Placeholder 2"/>
           <p:cNvSpPr>
             <a:spLocks noGrp="1"/>
           </p:cNvSpPr>
@@ -4202,7 +4148,7 @@
       </p:sp>
       <p:sp>
         <p:nvSpPr>
-          <p:cNvPr id="4" name="Date Placeholder 3"/>
+          <p:cNvPr id="1048724" name="Date Placeholder 3"/>
           <p:cNvSpPr>
             <a:spLocks noGrp="1"/>
           </p:cNvSpPr>
@@ -4217,7 +4163,7 @@
           <a:p>
             <a:fld id="{9E46933F-7D69-4AA7-A564-D7FA51938D7F}" type="datetimeFigureOut">
               <a:rPr lang="en-US" smtClean="0"/>
-              <a:t>5/3/2019</a:t>
+              <a:t>5/4/2019</a:t>
             </a:fld>
             <a:endParaRPr lang="en-US"/>
           </a:p>
@@ -4225,7 +4171,7 @@
       </p:sp>
       <p:sp>
         <p:nvSpPr>
-          <p:cNvPr id="5" name="Footer Placeholder 4"/>
+          <p:cNvPr id="1048725" name="Footer Placeholder 4"/>
           <p:cNvSpPr>
             <a:spLocks noGrp="1"/>
           </p:cNvSpPr>
@@ -4244,7 +4190,7 @@
       </p:sp>
       <p:sp>
         <p:nvSpPr>
-          <p:cNvPr id="6" name="Slide Number Placeholder 5"/>
+          <p:cNvPr id="1048726" name="Slide Number Placeholder 5"/>
           <p:cNvSpPr>
             <a:spLocks noGrp="1"/>
           </p:cNvSpPr>
@@ -4266,11 +4212,6 @@
         </p:txBody>
       </p:sp>
     </p:spTree>
-    <p:extLst>
-      <p:ext uri="{BB962C8B-B14F-4D97-AF65-F5344CB8AC3E}">
-        <p14:creationId xmlns:p14="http://schemas.microsoft.com/office/powerpoint/2010/main" val="3248036508"/>
-      </p:ext>
-    </p:extLst>
   </p:cSld>
   <p:clrMapOvr>
     <a:masterClrMapping/>
@@ -4282,7 +4223,7 @@
       </p:transition>
     </mc:Choice>
     <mc:Fallback xmlns="">
-      <p:transition spd="slow" advTm="20000">
+      <p:transition spd="slow">
         <p:fade/>
       </p:transition>
     </mc:Fallback>
@@ -4309,7 +4250,7 @@
       </p:grpSpPr>
       <p:sp>
         <p:nvSpPr>
-          <p:cNvPr id="2" name="Title 1"/>
+          <p:cNvPr id="1048733" name="Title 1"/>
           <p:cNvSpPr>
             <a:spLocks noGrp="1"/>
           </p:cNvSpPr>
@@ -4332,7 +4273,7 @@
       </p:sp>
       <p:sp>
         <p:nvSpPr>
-          <p:cNvPr id="3" name="Content Placeholder 2"/>
+          <p:cNvPr id="1048734" name="Content Placeholder 2"/>
           <p:cNvSpPr>
             <a:spLocks noGrp="1"/>
           </p:cNvSpPr>
@@ -4419,7 +4360,7 @@
       </p:sp>
       <p:sp>
         <p:nvSpPr>
-          <p:cNvPr id="4" name="Content Placeholder 3"/>
+          <p:cNvPr id="1048735" name="Content Placeholder 3"/>
           <p:cNvSpPr>
             <a:spLocks noGrp="1"/>
           </p:cNvSpPr>
@@ -4506,7 +4447,7 @@
       </p:sp>
       <p:sp>
         <p:nvSpPr>
-          <p:cNvPr id="5" name="Date Placeholder 4"/>
+          <p:cNvPr id="1048736" name="Date Placeholder 4"/>
           <p:cNvSpPr>
             <a:spLocks noGrp="1"/>
           </p:cNvSpPr>
@@ -4521,7 +4462,7 @@
           <a:p>
             <a:fld id="{9E46933F-7D69-4AA7-A564-D7FA51938D7F}" type="datetimeFigureOut">
               <a:rPr lang="en-US" smtClean="0"/>
-              <a:t>5/3/2019</a:t>
+              <a:t>5/4/2019</a:t>
             </a:fld>
             <a:endParaRPr lang="en-US"/>
           </a:p>
@@ -4529,7 +4470,7 @@
       </p:sp>
       <p:sp>
         <p:nvSpPr>
-          <p:cNvPr id="6" name="Footer Placeholder 5"/>
+          <p:cNvPr id="1048737" name="Footer Placeholder 5"/>
           <p:cNvSpPr>
             <a:spLocks noGrp="1"/>
           </p:cNvSpPr>
@@ -4548,7 +4489,7 @@
       </p:sp>
       <p:sp>
         <p:nvSpPr>
-          <p:cNvPr id="7" name="Slide Number Placeholder 6"/>
+          <p:cNvPr id="1048738" name="Slide Number Placeholder 6"/>
           <p:cNvSpPr>
             <a:spLocks noGrp="1"/>
           </p:cNvSpPr>
@@ -4570,11 +4511,6 @@
         </p:txBody>
       </p:sp>
     </p:spTree>
-    <p:extLst>
-      <p:ext uri="{BB962C8B-B14F-4D97-AF65-F5344CB8AC3E}">
-        <p14:creationId xmlns:p14="http://schemas.microsoft.com/office/powerpoint/2010/main" val="1248852423"/>
-      </p:ext>
-    </p:extLst>
   </p:cSld>
   <p:clrMapOvr>
     <a:masterClrMapping/>
@@ -4586,7 +4522,7 @@
       </p:transition>
     </mc:Choice>
     <mc:Fallback xmlns="">
-      <p:transition spd="slow" advTm="20000">
+      <p:transition spd="slow">
         <p:fade/>
       </p:transition>
     </mc:Fallback>
@@ -4613,7 +4549,7 @@
       </p:grpSpPr>
       <p:sp>
         <p:nvSpPr>
-          <p:cNvPr id="2" name="Title 1"/>
+          <p:cNvPr id="1048688" name="Title 1"/>
           <p:cNvSpPr>
             <a:spLocks noGrp="1"/>
           </p:cNvSpPr>
@@ -4624,11 +4560,7 @@
         <p:spPr/>
         <p:txBody>
           <a:bodyPr/>
-          <a:lstStyle>
-            <a:lvl1pPr>
-              <a:defRPr/>
-            </a:lvl1pPr>
-          </a:lstStyle>
+          <a:lstStyle/>
           <a:p>
             <a:r>
               <a:rPr lang="en-US"/>
@@ -4640,7 +4572,7 @@
       </p:sp>
       <p:sp>
         <p:nvSpPr>
-          <p:cNvPr id="3" name="Text Placeholder 2"/>
+          <p:cNvPr id="1048689" name="Text Placeholder 2"/>
           <p:cNvSpPr>
             <a:spLocks noGrp="1"/>
           </p:cNvSpPr>
@@ -4714,7 +4646,7 @@
       </p:sp>
       <p:sp>
         <p:nvSpPr>
-          <p:cNvPr id="4" name="Content Placeholder 3"/>
+          <p:cNvPr id="1048690" name="Content Placeholder 3"/>
           <p:cNvSpPr>
             <a:spLocks noGrp="1"/>
           </p:cNvSpPr>
@@ -4801,7 +4733,7 @@
       </p:sp>
       <p:sp>
         <p:nvSpPr>
-          <p:cNvPr id="5" name="Text Placeholder 4"/>
+          <p:cNvPr id="1048691" name="Text Placeholder 4"/>
           <p:cNvSpPr>
             <a:spLocks noGrp="1"/>
           </p:cNvSpPr>
@@ -4875,7 +4807,7 @@
       </p:sp>
       <p:sp>
         <p:nvSpPr>
-          <p:cNvPr id="6" name="Content Placeholder 5"/>
+          <p:cNvPr id="1048692" name="Content Placeholder 5"/>
           <p:cNvSpPr>
             <a:spLocks noGrp="1"/>
           </p:cNvSpPr>
@@ -4962,7 +4894,7 @@
       </p:sp>
       <p:sp>
         <p:nvSpPr>
-          <p:cNvPr id="7" name="Date Placeholder 6"/>
+          <p:cNvPr id="1048693" name="Date Placeholder 6"/>
           <p:cNvSpPr>
             <a:spLocks noGrp="1"/>
           </p:cNvSpPr>
@@ -4977,7 +4909,7 @@
           <a:p>
             <a:fld id="{9E46933F-7D69-4AA7-A564-D7FA51938D7F}" type="datetimeFigureOut">
               <a:rPr lang="en-US" smtClean="0"/>
-              <a:t>5/3/2019</a:t>
+              <a:t>5/4/2019</a:t>
             </a:fld>
             <a:endParaRPr lang="en-US"/>
           </a:p>
@@ -4985,7 +4917,7 @@
       </p:sp>
       <p:sp>
         <p:nvSpPr>
-          <p:cNvPr id="8" name="Footer Placeholder 7"/>
+          <p:cNvPr id="1048694" name="Footer Placeholder 7"/>
           <p:cNvSpPr>
             <a:spLocks noGrp="1"/>
           </p:cNvSpPr>
@@ -5004,7 +4936,7 @@
       </p:sp>
       <p:sp>
         <p:nvSpPr>
-          <p:cNvPr id="9" name="Slide Number Placeholder 8"/>
+          <p:cNvPr id="1048695" name="Slide Number Placeholder 8"/>
           <p:cNvSpPr>
             <a:spLocks noGrp="1"/>
           </p:cNvSpPr>
@@ -5026,11 +4958,6 @@
         </p:txBody>
       </p:sp>
     </p:spTree>
-    <p:extLst>
-      <p:ext uri="{BB962C8B-B14F-4D97-AF65-F5344CB8AC3E}">
-        <p14:creationId xmlns:p14="http://schemas.microsoft.com/office/powerpoint/2010/main" val="59434598"/>
-      </p:ext>
-    </p:extLst>
   </p:cSld>
   <p:clrMapOvr>
     <a:masterClrMapping/>
@@ -5042,7 +4969,7 @@
       </p:transition>
     </mc:Choice>
     <mc:Fallback xmlns="">
-      <p:transition spd="slow" advTm="20000">
+      <p:transition spd="slow">
         <p:fade/>
       </p:transition>
     </mc:Fallback>
@@ -5069,7 +4996,7 @@
       </p:grpSpPr>
       <p:sp>
         <p:nvSpPr>
-          <p:cNvPr id="2" name="Title 1"/>
+          <p:cNvPr id="1048739" name="Title 1"/>
           <p:cNvSpPr>
             <a:spLocks noGrp="1"/>
           </p:cNvSpPr>
@@ -5092,7 +5019,7 @@
       </p:sp>
       <p:sp>
         <p:nvSpPr>
-          <p:cNvPr id="7" name="Date Placeholder 2"/>
+          <p:cNvPr id="1048740" name="Date Placeholder 2"/>
           <p:cNvSpPr>
             <a:spLocks noGrp="1"/>
           </p:cNvSpPr>
@@ -5107,7 +5034,7 @@
           <a:p>
             <a:fld id="{9E46933F-7D69-4AA7-A564-D7FA51938D7F}" type="datetimeFigureOut">
               <a:rPr lang="en-US" smtClean="0"/>
-              <a:t>5/3/2019</a:t>
+              <a:t>5/4/2019</a:t>
             </a:fld>
             <a:endParaRPr lang="en-US"/>
           </a:p>
@@ -5115,7 +5042,7 @@
       </p:sp>
       <p:sp>
         <p:nvSpPr>
-          <p:cNvPr id="5" name="Footer Placeholder 3"/>
+          <p:cNvPr id="1048741" name="Footer Placeholder 3"/>
           <p:cNvSpPr>
             <a:spLocks noGrp="1"/>
           </p:cNvSpPr>
@@ -5134,7 +5061,7 @@
       </p:sp>
       <p:sp>
         <p:nvSpPr>
-          <p:cNvPr id="6" name="Slide Number Placeholder 4"/>
+          <p:cNvPr id="1048742" name="Slide Number Placeholder 4"/>
           <p:cNvSpPr>
             <a:spLocks noGrp="1"/>
           </p:cNvSpPr>
@@ -5156,11 +5083,6 @@
         </p:txBody>
       </p:sp>
     </p:spTree>
-    <p:extLst>
-      <p:ext uri="{BB962C8B-B14F-4D97-AF65-F5344CB8AC3E}">
-        <p14:creationId xmlns:p14="http://schemas.microsoft.com/office/powerpoint/2010/main" val="2874590417"/>
-      </p:ext>
-    </p:extLst>
   </p:cSld>
   <p:clrMapOvr>
     <a:masterClrMapping/>
@@ -5172,7 +5094,7 @@
       </p:transition>
     </mc:Choice>
     <mc:Fallback xmlns="">
-      <p:transition spd="slow" advTm="20000">
+      <p:transition spd="slow">
         <p:fade/>
       </p:transition>
     </mc:Fallback>
@@ -5199,7 +5121,7 @@
       </p:grpSpPr>
       <p:sp>
         <p:nvSpPr>
-          <p:cNvPr id="7" name="Date Placeholder 1"/>
+          <p:cNvPr id="1048714" name="Date Placeholder 1"/>
           <p:cNvSpPr>
             <a:spLocks noGrp="1"/>
           </p:cNvSpPr>
@@ -5214,7 +5136,7 @@
           <a:p>
             <a:fld id="{9E46933F-7D69-4AA7-A564-D7FA51938D7F}" type="datetimeFigureOut">
               <a:rPr lang="en-US" smtClean="0"/>
-              <a:t>5/3/2019</a:t>
+              <a:t>5/4/2019</a:t>
             </a:fld>
             <a:endParaRPr lang="en-US"/>
           </a:p>
@@ -5222,7 +5144,7 @@
       </p:sp>
       <p:sp>
         <p:nvSpPr>
-          <p:cNvPr id="5" name="Footer Placeholder 2"/>
+          <p:cNvPr id="1048715" name="Footer Placeholder 2"/>
           <p:cNvSpPr>
             <a:spLocks noGrp="1"/>
           </p:cNvSpPr>
@@ -5241,7 +5163,7 @@
       </p:sp>
       <p:sp>
         <p:nvSpPr>
-          <p:cNvPr id="6" name="Slide Number Placeholder 3"/>
+          <p:cNvPr id="1048716" name="Slide Number Placeholder 3"/>
           <p:cNvSpPr>
             <a:spLocks noGrp="1"/>
           </p:cNvSpPr>
@@ -5263,11 +5185,6 @@
         </p:txBody>
       </p:sp>
     </p:spTree>
-    <p:extLst>
-      <p:ext uri="{BB962C8B-B14F-4D97-AF65-F5344CB8AC3E}">
-        <p14:creationId xmlns:p14="http://schemas.microsoft.com/office/powerpoint/2010/main" val="2963032018"/>
-      </p:ext>
-    </p:extLst>
   </p:cSld>
   <p:clrMapOvr>
     <a:masterClrMapping/>
@@ -5279,7 +5196,7 @@
       </p:transition>
     </mc:Choice>
     <mc:Fallback xmlns="">
-      <p:transition spd="slow" advTm="20000">
+      <p:transition spd="slow">
         <p:fade/>
       </p:transition>
     </mc:Fallback>
@@ -5306,7 +5223,7 @@
       </p:grpSpPr>
       <p:sp>
         <p:nvSpPr>
-          <p:cNvPr id="2" name="Title 1"/>
+          <p:cNvPr id="1048727" name="Title 1"/>
           <p:cNvSpPr>
             <a:spLocks noGrp="1"/>
           </p:cNvSpPr>
@@ -5338,7 +5255,7 @@
       </p:sp>
       <p:sp>
         <p:nvSpPr>
-          <p:cNvPr id="3" name="Content Placeholder 2"/>
+          <p:cNvPr id="1048728" name="Content Placeholder 2"/>
           <p:cNvSpPr>
             <a:spLocks noGrp="1"/>
           </p:cNvSpPr>
@@ -5425,7 +5342,7 @@
       </p:sp>
       <p:sp>
         <p:nvSpPr>
-          <p:cNvPr id="4" name="Text Placeholder 3"/>
+          <p:cNvPr id="1048729" name="Text Placeholder 3"/>
           <p:cNvSpPr>
             <a:spLocks noGrp="1"/>
           </p:cNvSpPr>
@@ -5490,7 +5407,7 @@
       </p:sp>
       <p:sp>
         <p:nvSpPr>
-          <p:cNvPr id="7" name="Date Placeholder 4"/>
+          <p:cNvPr id="1048730" name="Date Placeholder 4"/>
           <p:cNvSpPr>
             <a:spLocks noGrp="1"/>
           </p:cNvSpPr>
@@ -5505,7 +5422,7 @@
           <a:p>
             <a:fld id="{9E46933F-7D69-4AA7-A564-D7FA51938D7F}" type="datetimeFigureOut">
               <a:rPr lang="en-US" smtClean="0"/>
-              <a:t>5/3/2019</a:t>
+              <a:t>5/4/2019</a:t>
             </a:fld>
             <a:endParaRPr lang="en-US"/>
           </a:p>
@@ -5513,7 +5430,7 @@
       </p:sp>
       <p:sp>
         <p:nvSpPr>
-          <p:cNvPr id="5" name="Footer Placeholder 5"/>
+          <p:cNvPr id="1048731" name="Footer Placeholder 5"/>
           <p:cNvSpPr>
             <a:spLocks noGrp="1"/>
           </p:cNvSpPr>
@@ -5532,7 +5449,7 @@
       </p:sp>
       <p:sp>
         <p:nvSpPr>
-          <p:cNvPr id="6" name="Slide Number Placeholder 6"/>
+          <p:cNvPr id="1048732" name="Slide Number Placeholder 6"/>
           <p:cNvSpPr>
             <a:spLocks noGrp="1"/>
           </p:cNvSpPr>
@@ -5554,11 +5471,6 @@
         </p:txBody>
       </p:sp>
     </p:spTree>
-    <p:extLst>
-      <p:ext uri="{BB962C8B-B14F-4D97-AF65-F5344CB8AC3E}">
-        <p14:creationId xmlns:p14="http://schemas.microsoft.com/office/powerpoint/2010/main" val="2247978136"/>
-      </p:ext>
-    </p:extLst>
   </p:cSld>
   <p:clrMapOvr>
     <a:masterClrMapping/>
@@ -5570,7 +5482,7 @@
       </p:transition>
     </mc:Choice>
     <mc:Fallback xmlns="">
-      <p:transition spd="slow" advTm="20000">
+      <p:transition spd="slow">
         <p:fade/>
       </p:transition>
     </mc:Fallback>
@@ -5597,7 +5509,7 @@
       </p:grpSpPr>
       <p:sp>
         <p:nvSpPr>
-          <p:cNvPr id="2" name="Title 1"/>
+          <p:cNvPr id="1048743" name="Title 1"/>
           <p:cNvSpPr>
             <a:spLocks noGrp="1"/>
           </p:cNvSpPr>
@@ -5631,7 +5543,7 @@
       </p:sp>
       <p:sp>
         <p:nvSpPr>
-          <p:cNvPr id="3" name="Picture Placeholder 2"/>
+          <p:cNvPr id="1048744" name="Picture Placeholder 2"/>
           <p:cNvSpPr>
             <a:spLocks noGrp="1" noChangeAspect="1"/>
           </p:cNvSpPr>
@@ -5710,7 +5622,7 @@
       </p:sp>
       <p:sp>
         <p:nvSpPr>
-          <p:cNvPr id="4" name="Text Placeholder 3"/>
+          <p:cNvPr id="1048745" name="Text Placeholder 3"/>
           <p:cNvSpPr>
             <a:spLocks noGrp="1"/>
           </p:cNvSpPr>
@@ -5777,7 +5689,7 @@
       </p:sp>
       <p:sp>
         <p:nvSpPr>
-          <p:cNvPr id="5" name="Date Placeholder 4"/>
+          <p:cNvPr id="1048746" name="Date Placeholder 4"/>
           <p:cNvSpPr>
             <a:spLocks noGrp="1"/>
           </p:cNvSpPr>
@@ -5792,7 +5704,7 @@
           <a:p>
             <a:fld id="{9E46933F-7D69-4AA7-A564-D7FA51938D7F}" type="datetimeFigureOut">
               <a:rPr lang="en-US" smtClean="0"/>
-              <a:t>5/3/2019</a:t>
+              <a:t>5/4/2019</a:t>
             </a:fld>
             <a:endParaRPr lang="en-US"/>
           </a:p>
@@ -5800,7 +5712,7 @@
       </p:sp>
       <p:sp>
         <p:nvSpPr>
-          <p:cNvPr id="6" name="Footer Placeholder 5"/>
+          <p:cNvPr id="1048747" name="Footer Placeholder 5"/>
           <p:cNvSpPr>
             <a:spLocks noGrp="1"/>
           </p:cNvSpPr>
@@ -5819,7 +5731,7 @@
       </p:sp>
       <p:sp>
         <p:nvSpPr>
-          <p:cNvPr id="7" name="Slide Number Placeholder 6"/>
+          <p:cNvPr id="1048748" name="Slide Number Placeholder 6"/>
           <p:cNvSpPr>
             <a:spLocks noGrp="1"/>
           </p:cNvSpPr>
@@ -5841,11 +5753,6 @@
         </p:txBody>
       </p:sp>
     </p:spTree>
-    <p:extLst>
-      <p:ext uri="{BB962C8B-B14F-4D97-AF65-F5344CB8AC3E}">
-        <p14:creationId xmlns:p14="http://schemas.microsoft.com/office/powerpoint/2010/main" val="1638885461"/>
-      </p:ext>
-    </p:extLst>
   </p:cSld>
   <p:clrMapOvr>
     <a:masterClrMapping/>
@@ -5857,7 +5764,7 @@
       </p:transition>
     </mc:Choice>
     <mc:Fallback xmlns="">
-      <p:transition spd="slow" advTm="20000">
+      <p:transition spd="slow">
         <p:fade/>
       </p:transition>
     </mc:Fallback>
@@ -5889,7 +5796,7 @@
       </p:grpSpPr>
       <p:sp>
         <p:nvSpPr>
-          <p:cNvPr id="22" name="Oval 21"/>
+          <p:cNvPr id="1048576" name="Oval 21"/>
           <p:cNvSpPr/>
           <p:nvPr/>
         </p:nvSpPr>
@@ -5910,6 +5817,13 @@
                   <a:alpha val="7000"/>
                 </a:schemeClr>
               </a:gs>
+              <a:gs pos="36000">
+                <a:schemeClr val="bg2">
+                  <a:lumMod val="60000"/>
+                  <a:lumOff val="40000"/>
+                  <a:alpha val="6000"/>
+                </a:schemeClr>
+              </a:gs>
               <a:gs pos="69000">
                 <a:schemeClr val="bg2">
                   <a:lumMod val="60000"/>
@@ -5917,18 +5831,10 @@
                   <a:alpha val="0"/>
                 </a:schemeClr>
               </a:gs>
-              <a:gs pos="36000">
-                <a:schemeClr val="bg2">
-                  <a:lumMod val="60000"/>
-                  <a:lumOff val="40000"/>
-                  <a:alpha val="6000"/>
-                </a:schemeClr>
-              </a:gs>
             </a:gsLst>
             <a:path path="circle">
               <a:fillToRect l="50000" t="50000" r="50000" b="50000"/>
             </a:path>
-            <a:tileRect/>
           </a:gradFill>
           <a:ln>
             <a:noFill/>
@@ -5952,7 +5858,7 @@
       </p:sp>
       <p:sp>
         <p:nvSpPr>
-          <p:cNvPr id="23" name="Oval 22"/>
+          <p:cNvPr id="1048577" name="Oval 22"/>
           <p:cNvSpPr/>
           <p:nvPr/>
         </p:nvSpPr>
@@ -5973,6 +5879,13 @@
                   <a:alpha val="14000"/>
                 </a:schemeClr>
               </a:gs>
+              <a:gs pos="36000">
+                <a:schemeClr val="bg2">
+                  <a:lumMod val="60000"/>
+                  <a:lumOff val="40000"/>
+                  <a:alpha val="7000"/>
+                </a:schemeClr>
+              </a:gs>
               <a:gs pos="73000">
                 <a:schemeClr val="bg2">
                   <a:lumMod val="60000"/>
@@ -5980,18 +5893,10 @@
                   <a:alpha val="0"/>
                 </a:schemeClr>
               </a:gs>
-              <a:gs pos="36000">
-                <a:schemeClr val="bg2">
-                  <a:lumMod val="60000"/>
-                  <a:lumOff val="40000"/>
-                  <a:alpha val="7000"/>
-                </a:schemeClr>
-              </a:gs>
             </a:gsLst>
             <a:path path="circle">
               <a:fillToRect l="50000" t="50000" r="50000" b="50000"/>
             </a:path>
-            <a:tileRect/>
           </a:gradFill>
           <a:ln>
             <a:noFill/>
@@ -6015,7 +5920,7 @@
       </p:sp>
       <p:sp>
         <p:nvSpPr>
-          <p:cNvPr id="24" name="Oval 23"/>
+          <p:cNvPr id="1048578" name="Oval 23"/>
           <p:cNvSpPr/>
           <p:nvPr/>
         </p:nvSpPr>
@@ -6036,6 +5941,13 @@
                   <a:alpha val="9000"/>
                 </a:schemeClr>
               </a:gs>
+              <a:gs pos="36000">
+                <a:schemeClr val="bg2">
+                  <a:lumMod val="60000"/>
+                  <a:lumOff val="40000"/>
+                  <a:alpha val="5000"/>
+                </a:schemeClr>
+              </a:gs>
               <a:gs pos="66000">
                 <a:schemeClr val="bg2">
                   <a:lumMod val="60000"/>
@@ -6043,18 +5955,10 @@
                   <a:alpha val="0"/>
                 </a:schemeClr>
               </a:gs>
-              <a:gs pos="36000">
-                <a:schemeClr val="bg2">
-                  <a:lumMod val="60000"/>
-                  <a:lumOff val="40000"/>
-                  <a:alpha val="5000"/>
-                </a:schemeClr>
-              </a:gs>
             </a:gsLst>
             <a:path path="circle">
               <a:fillToRect l="50000" t="50000" r="50000" b="50000"/>
             </a:path>
-            <a:tileRect/>
           </a:gradFill>
           <a:ln>
             <a:noFill/>
@@ -6078,7 +5982,7 @@
       </p:sp>
       <p:sp>
         <p:nvSpPr>
-          <p:cNvPr id="20" name="Oval 19"/>
+          <p:cNvPr id="1048579" name="Oval 19"/>
           <p:cNvSpPr/>
           <p:nvPr/>
         </p:nvSpPr>
@@ -6099,6 +6003,13 @@
                   <a:alpha val="11000"/>
                 </a:schemeClr>
               </a:gs>
+              <a:gs pos="36000">
+                <a:schemeClr val="bg2">
+                  <a:lumMod val="60000"/>
+                  <a:lumOff val="40000"/>
+                  <a:alpha val="10000"/>
+                </a:schemeClr>
+              </a:gs>
               <a:gs pos="75000">
                 <a:schemeClr val="bg2">
                   <a:lumMod val="60000"/>
@@ -6106,18 +6017,10 @@
                   <a:alpha val="0"/>
                 </a:schemeClr>
               </a:gs>
-              <a:gs pos="36000">
-                <a:schemeClr val="bg2">
-                  <a:lumMod val="60000"/>
-                  <a:lumOff val="40000"/>
-                  <a:alpha val="10000"/>
-                </a:schemeClr>
-              </a:gs>
             </a:gsLst>
             <a:path path="circle">
               <a:fillToRect l="50000" t="50000" r="50000" b="50000"/>
             </a:path>
-            <a:tileRect/>
           </a:gradFill>
           <a:ln>
             <a:noFill/>
@@ -6141,7 +6044,7 @@
       </p:sp>
       <p:sp>
         <p:nvSpPr>
-          <p:cNvPr id="21" name="Oval 20"/>
+          <p:cNvPr id="1048580" name="Oval 20"/>
           <p:cNvSpPr/>
           <p:nvPr/>
         </p:nvSpPr>
@@ -6162,6 +6065,13 @@
                   <a:alpha val="8000"/>
                 </a:schemeClr>
               </a:gs>
+              <a:gs pos="36000">
+                <a:schemeClr val="bg2">
+                  <a:lumMod val="60000"/>
+                  <a:lumOff val="40000"/>
+                  <a:alpha val="8000"/>
+                </a:schemeClr>
+              </a:gs>
               <a:gs pos="72000">
                 <a:schemeClr val="bg2">
                   <a:lumMod val="60000"/>
@@ -6169,18 +6079,10 @@
                   <a:alpha val="0"/>
                 </a:schemeClr>
               </a:gs>
-              <a:gs pos="36000">
-                <a:schemeClr val="bg2">
-                  <a:lumMod val="60000"/>
-                  <a:lumOff val="40000"/>
-                  <a:alpha val="8000"/>
-                </a:schemeClr>
-              </a:gs>
             </a:gsLst>
             <a:path path="circle">
               <a:fillToRect l="50000" t="50000" r="50000" b="50000"/>
             </a:path>
-            <a:tileRect/>
           </a:gradFill>
           <a:ln>
             <a:noFill/>
@@ -6204,7 +6106,7 @@
       </p:sp>
       <p:sp>
         <p:nvSpPr>
-          <p:cNvPr id="19" name="Rectangle 18"/>
+          <p:cNvPr id="1048581" name="Rectangle 18"/>
           <p:cNvSpPr/>
           <p:nvPr/>
         </p:nvSpPr>
@@ -6240,7 +6142,7 @@
       </p:sp>
       <p:sp>
         <p:nvSpPr>
-          <p:cNvPr id="2" name="Title Placeholder 1"/>
+          <p:cNvPr id="1048582" name="Title Placeholder 1"/>
           <p:cNvSpPr>
             <a:spLocks noGrp="1"/>
           </p:cNvSpPr>
@@ -6273,7 +6175,7 @@
       </p:sp>
       <p:sp>
         <p:nvSpPr>
-          <p:cNvPr id="3" name="Text Placeholder 2"/>
+          <p:cNvPr id="1048583" name="Text Placeholder 2"/>
           <p:cNvSpPr>
             <a:spLocks noGrp="1"/>
           </p:cNvSpPr>
@@ -6335,7 +6237,7 @@
       </p:sp>
       <p:sp>
         <p:nvSpPr>
-          <p:cNvPr id="4" name="Date Placeholder 3"/>
+          <p:cNvPr id="1048584" name="Date Placeholder 3"/>
           <p:cNvSpPr>
             <a:spLocks noGrp="1"/>
           </p:cNvSpPr>
@@ -6369,7 +6271,7 @@
           <a:p>
             <a:fld id="{9E46933F-7D69-4AA7-A564-D7FA51938D7F}" type="datetimeFigureOut">
               <a:rPr lang="en-US" smtClean="0"/>
-              <a:t>5/3/2019</a:t>
+              <a:t>5/4/2019</a:t>
             </a:fld>
             <a:endParaRPr lang="en-US"/>
           </a:p>
@@ -6377,7 +6279,7 @@
       </p:sp>
       <p:sp>
         <p:nvSpPr>
-          <p:cNvPr id="5" name="Footer Placeholder 4"/>
+          <p:cNvPr id="1048585" name="Footer Placeholder 4"/>
           <p:cNvSpPr>
             <a:spLocks noGrp="1"/>
           </p:cNvSpPr>
@@ -6415,7 +6317,7 @@
       </p:sp>
       <p:sp>
         <p:nvSpPr>
-          <p:cNvPr id="6" name="Slide Number Placeholder 5"/>
+          <p:cNvPr id="1048586" name="Slide Number Placeholder 5"/>
           <p:cNvSpPr>
             <a:spLocks noGrp="1"/>
           </p:cNvSpPr>
@@ -6455,31 +6357,26 @@
         </p:txBody>
       </p:sp>
     </p:spTree>
-    <p:extLst>
-      <p:ext uri="{BB962C8B-B14F-4D97-AF65-F5344CB8AC3E}">
-        <p14:creationId xmlns:p14="http://schemas.microsoft.com/office/powerpoint/2010/main" val="2072340444"/>
-      </p:ext>
-    </p:extLst>
   </p:cSld>
   <p:clrMap bg1="dk1" tx1="lt1" bg2="dk2" tx2="lt2" accent1="accent1" accent2="accent2" accent3="accent3" accent4="accent4" accent5="accent5" accent6="accent6" hlink="hlink" folHlink="folHlink"/>
   <p:sldLayoutIdLst>
-    <p:sldLayoutId id="2147483713" r:id="rId1"/>
-    <p:sldLayoutId id="2147483714" r:id="rId2"/>
-    <p:sldLayoutId id="2147483715" r:id="rId3"/>
-    <p:sldLayoutId id="2147483716" r:id="rId4"/>
-    <p:sldLayoutId id="2147483717" r:id="rId5"/>
-    <p:sldLayoutId id="2147483718" r:id="rId6"/>
-    <p:sldLayoutId id="2147483719" r:id="rId7"/>
-    <p:sldLayoutId id="2147483720" r:id="rId8"/>
-    <p:sldLayoutId id="2147483721" r:id="rId9"/>
-    <p:sldLayoutId id="2147483722" r:id="rId10"/>
-    <p:sldLayoutId id="2147483723" r:id="rId11"/>
-    <p:sldLayoutId id="2147483724" r:id="rId12"/>
-    <p:sldLayoutId id="2147483725" r:id="rId13"/>
-    <p:sldLayoutId id="2147483726" r:id="rId14"/>
-    <p:sldLayoutId id="2147483727" r:id="rId15"/>
-    <p:sldLayoutId id="2147483728" r:id="rId16"/>
-    <p:sldLayoutId id="2147483729" r:id="rId17"/>
+    <p:sldLayoutId id="2147483649" r:id="rId1"/>
+    <p:sldLayoutId id="2147483650" r:id="rId2"/>
+    <p:sldLayoutId id="2147483651" r:id="rId3"/>
+    <p:sldLayoutId id="2147483652" r:id="rId4"/>
+    <p:sldLayoutId id="2147483653" r:id="rId5"/>
+    <p:sldLayoutId id="2147483654" r:id="rId6"/>
+    <p:sldLayoutId id="2147483655" r:id="rId7"/>
+    <p:sldLayoutId id="2147483656" r:id="rId8"/>
+    <p:sldLayoutId id="2147483657" r:id="rId9"/>
+    <p:sldLayoutId id="2147483658" r:id="rId10"/>
+    <p:sldLayoutId id="2147483659" r:id="rId11"/>
+    <p:sldLayoutId id="2147483660" r:id="rId12"/>
+    <p:sldLayoutId id="2147483661" r:id="rId13"/>
+    <p:sldLayoutId id="2147483662" r:id="rId14"/>
+    <p:sldLayoutId id="2147483663" r:id="rId15"/>
+    <p:sldLayoutId id="2147483664" r:id="rId16"/>
+    <p:sldLayoutId id="2147483665" r:id="rId17"/>
   </p:sldLayoutIdLst>
   <mc:AlternateContent xmlns:mc="http://schemas.openxmlformats.org/markup-compatibility/2006" xmlns:p14="http://schemas.microsoft.com/office/powerpoint/2010/main">
     <mc:Choice Requires="p14">
@@ -6488,7 +6385,7 @@
       </p:transition>
     </mc:Choice>
     <mc:Fallback xmlns="">
-      <p:transition spd="slow" advTm="20000">
+      <p:transition spd="slow">
         <p:fade/>
       </p:transition>
     </mc:Fallback>
@@ -6911,7 +6808,7 @@
       </p:grpSpPr>
       <p:sp>
         <p:nvSpPr>
-          <p:cNvPr id="2" name="Title 1"/>
+          <p:cNvPr id="1048611" name="Title 1"/>
           <p:cNvSpPr>
             <a:spLocks noGrp="1"/>
           </p:cNvSpPr>
@@ -6970,7 +6867,7 @@
       </p:sp>
       <p:sp>
         <p:nvSpPr>
-          <p:cNvPr id="3" name="Subtitle 2"/>
+          <p:cNvPr id="1048612" name="Subtitle 2"/>
           <p:cNvSpPr>
             <a:spLocks noGrp="1"/>
           </p:cNvSpPr>
@@ -6994,12 +6891,12 @@
   </p:clrMapOvr>
   <mc:AlternateContent xmlns:mc="http://schemas.openxmlformats.org/markup-compatibility/2006" xmlns:p14="http://schemas.microsoft.com/office/powerpoint/2010/main">
     <mc:Choice Requires="p14">
-      <p:transition spd="slow" p14:dur="2000" advTm="1382">
+      <p:transition spd="slow" p14:dur="2000" advTm="10893">
         <p14:prism isContent="1"/>
       </p:transition>
     </mc:Choice>
     <mc:Fallback xmlns="">
-      <p:transition spd="slow" advTm="1382">
+      <p:transition spd="slow">
         <p:fade/>
       </p:transition>
     </mc:Fallback>
@@ -7028,9 +6925,10 @@
                 <a:lumMod val="132000"/>
               </a:schemeClr>
             </a:duotone>
-            <a:extLst/>
           </a:blip>
-          <a:stretch/>
+          <a:stretch>
+            <a:fillRect/>
+          </a:stretch>
         </a:blipFill>
         <a:effectLst/>
       </p:bgPr>
@@ -7051,7 +6949,7 @@
       </p:grpSpPr>
       <p:sp>
         <p:nvSpPr>
-          <p:cNvPr id="2" name="Title 1"/>
+          <p:cNvPr id="1048633" name="Title 1"/>
           <p:cNvSpPr>
             <a:spLocks noGrp="1"/>
           </p:cNvSpPr>
@@ -7080,26 +6978,11 @@
       </p:sp>
       <p:sp>
         <p:nvSpPr>
-          <p:cNvPr id="31" name="Freeform: Shape 30">
-            <a:extLst>
-              <a:ext uri="{FF2B5EF4-FFF2-40B4-BE49-F238E27FC236}">
-                <a16:creationId xmlns:a16="http://schemas.microsoft.com/office/drawing/2014/main" id="{B52D69C2-6C47-427C-AE60-582FE30B22A7}"/>
-              </a:ext>
-              <a:ext uri="{C183D7F6-B498-43B3-948B-1728B52AA6E4}">
-                <adec:decorative xmlns:adec="http://schemas.microsoft.com/office/drawing/2017/decorative" val="1"/>
-              </a:ext>
-            </a:extLst>
-          </p:cNvPr>
+          <p:cNvPr id="1048634" name="Freeform: Shape 30"/>
           <p:cNvSpPr>
             <a:spLocks noGrp="1" noRot="1" noChangeAspect="1" noMove="1" noResize="1" noEditPoints="1" noAdjustHandles="1" noChangeArrowheads="1" noChangeShapeType="1" noTextEdit="1"/>
           </p:cNvSpPr>
-          <p:nvPr>
-            <p:extLst>
-              <p:ext uri="{386F3935-93C4-4BCD-93E2-E3B085C9AB24}">
-                <p16:designElem xmlns:p16="http://schemas.microsoft.com/office/powerpoint/2015/main" val="1"/>
-              </p:ext>
-            </p:extLst>
-          </p:nvPr>
+          <p:nvPr/>
         </p:nvSpPr>
         <p:spPr bwMode="gray">
           <a:xfrm rot="16200000">
@@ -7546,26 +7429,11 @@
       </p:sp>
       <p:sp>
         <p:nvSpPr>
-          <p:cNvPr id="33" name="Freeform 7">
-            <a:extLst>
-              <a:ext uri="{FF2B5EF4-FFF2-40B4-BE49-F238E27FC236}">
-                <a16:creationId xmlns:a16="http://schemas.microsoft.com/office/drawing/2014/main" id="{E849FE61-12C4-4A06-A722-B545DE0C8A24}"/>
-              </a:ext>
-              <a:ext uri="{C183D7F6-B498-43B3-948B-1728B52AA6E4}">
-                <adec:decorative xmlns:adec="http://schemas.microsoft.com/office/drawing/2017/decorative" val="1"/>
-              </a:ext>
-            </a:extLst>
-          </p:cNvPr>
+          <p:cNvPr id="1048635" name="Freeform 7"/>
           <p:cNvSpPr>
             <a:spLocks noGrp="1" noRot="1" noChangeAspect="1" noMove="1" noResize="1" noEditPoints="1" noAdjustHandles="1" noChangeArrowheads="1" noChangeShapeType="1" noTextEdit="1"/>
           </p:cNvSpPr>
-          <p:nvPr>
-            <p:extLst>
-              <p:ext uri="{386F3935-93C4-4BCD-93E2-E3B085C9AB24}">
-                <p16:designElem xmlns:p16="http://schemas.microsoft.com/office/powerpoint/2015/main" val="1"/>
-              </p:ext>
-            </p:extLst>
-          </p:nvPr>
+          <p:nvPr/>
         </p:nvSpPr>
         <p:spPr>
           <a:xfrm>
@@ -7898,13 +7766,7 @@
       </p:sp>
       <p:pic>
         <p:nvPicPr>
-          <p:cNvPr id="14" name="Picture 13" descr="Alerts.jpg">
-            <a:extLst>
-              <a:ext uri="{FF2B5EF4-FFF2-40B4-BE49-F238E27FC236}">
-                <a16:creationId xmlns:a16="http://schemas.microsoft.com/office/drawing/2014/main" id="{B049E1E0-8623-4F05-8C61-2FBB0890AADD}"/>
-              </a:ext>
-            </a:extLst>
-          </p:cNvPr>
+          <p:cNvPr id="2097162" name="Picture 13" descr="Alerts.jpg"/>
           <p:cNvPicPr>
             <a:picLocks noChangeAspect="1"/>
           </p:cNvPicPr>
@@ -7929,26 +7791,11 @@
       </p:pic>
       <p:sp>
         <p:nvSpPr>
-          <p:cNvPr id="35" name="Rectangle 34">
-            <a:extLst>
-              <a:ext uri="{FF2B5EF4-FFF2-40B4-BE49-F238E27FC236}">
-                <a16:creationId xmlns:a16="http://schemas.microsoft.com/office/drawing/2014/main" id="{7FB12D8C-572F-4417-9FE1-D691A132F69F}"/>
-              </a:ext>
-              <a:ext uri="{C183D7F6-B498-43B3-948B-1728B52AA6E4}">
-                <adec:decorative xmlns:adec="http://schemas.microsoft.com/office/drawing/2017/decorative" val="1"/>
-              </a:ext>
-            </a:extLst>
-          </p:cNvPr>
+          <p:cNvPr id="1048636" name="Rectangle 34"/>
           <p:cNvSpPr>
             <a:spLocks noGrp="1" noRot="1" noChangeAspect="1" noMove="1" noResize="1" noEditPoints="1" noAdjustHandles="1" noChangeArrowheads="1" noChangeShapeType="1" noTextEdit="1"/>
           </p:cNvSpPr>
-          <p:nvPr>
-            <p:extLst>
-              <p:ext uri="{386F3935-93C4-4BCD-93E2-E3B085C9AB24}">
-                <p16:designElem xmlns:p16="http://schemas.microsoft.com/office/powerpoint/2015/main" val="1"/>
-              </p:ext>
-            </p:extLst>
-          </p:nvPr>
+          <p:nvPr/>
         </p:nvSpPr>
         <p:spPr>
           <a:xfrm>
@@ -7982,7 +7829,7 @@
       </p:sp>
       <p:sp>
         <p:nvSpPr>
-          <p:cNvPr id="3" name="Content Placeholder 2"/>
+          <p:cNvPr id="1048637" name="Content Placeholder 2"/>
           <p:cNvSpPr>
             <a:spLocks noGrp="1"/>
           </p:cNvSpPr>
@@ -7998,7 +7845,7 @@
         </p:spPr>
         <p:txBody>
           <a:bodyPr>
-            <a:normAutofit/>
+            <a:normAutofit fontScale="95000" lnSpcReduction="20000"/>
           </a:bodyPr>
           <a:lstStyle/>
           <a:p>
@@ -8071,26 +7918,14 @@
       </p:sp>
       <p:pic>
         <p:nvPicPr>
-          <p:cNvPr id="6" name="Picture 5" descr="A screenshot of a cell phone&#10;&#10;Description automatically generated">
-            <a:extLst>
-              <a:ext uri="{FF2B5EF4-FFF2-40B4-BE49-F238E27FC236}">
-                <a16:creationId xmlns:a16="http://schemas.microsoft.com/office/drawing/2014/main" id="{F70611A2-EFF6-4A47-BC59-E42533BE28C0}"/>
-              </a:ext>
-            </a:extLst>
-          </p:cNvPr>
+          <p:cNvPr id="2097163" name="Picture 5" descr="A screenshot of a cell phone  Description automatically generated"/>
           <p:cNvPicPr>
             <a:picLocks noChangeAspect="1"/>
           </p:cNvPicPr>
           <p:nvPr/>
         </p:nvPicPr>
         <p:blipFill>
-          <a:blip r:embed="rId4" cstate="print">
-            <a:extLst>
-              <a:ext uri="{28A0092B-C50C-407E-A947-70E740481C1C}">
-                <a14:useLocalDpi xmlns:a14="http://schemas.microsoft.com/office/drawing/2010/main" val="0"/>
-              </a:ext>
-            </a:extLst>
-          </a:blip>
+          <a:blip r:embed="rId4" cstate="print"/>
           <a:stretch>
             <a:fillRect/>
           </a:stretch>
@@ -8113,12 +7948,12 @@
   </p:clrMapOvr>
   <mc:AlternateContent xmlns:mc="http://schemas.openxmlformats.org/markup-compatibility/2006" xmlns:p14="http://schemas.microsoft.com/office/powerpoint/2010/main">
     <mc:Choice Requires="p14">
-      <p:transition spd="slow" p14:dur="2000" advTm="775">
+      <p:transition spd="slow" p14:dur="2000" advTm="355">
         <p14:prism isContent="1"/>
       </p:transition>
     </mc:Choice>
     <mc:Fallback xmlns="">
-      <p:transition spd="slow" advTm="775">
+      <p:transition spd="slow">
         <p:fade/>
       </p:transition>
     </mc:Fallback>
@@ -8147,9 +7982,10 @@
                 <a:lumMod val="132000"/>
               </a:schemeClr>
             </a:duotone>
-            <a:extLst/>
           </a:blip>
-          <a:stretch/>
+          <a:stretch>
+            <a:fillRect/>
+          </a:stretch>
         </a:blipFill>
         <a:effectLst/>
       </p:bgPr>
@@ -8170,7 +8006,7 @@
       </p:grpSpPr>
       <p:sp>
         <p:nvSpPr>
-          <p:cNvPr id="2" name="Title 1"/>
+          <p:cNvPr id="1048638" name="Title 1"/>
           <p:cNvSpPr>
             <a:spLocks noGrp="1"/>
           </p:cNvSpPr>
@@ -8199,26 +8035,11 @@
       </p:sp>
       <p:sp>
         <p:nvSpPr>
-          <p:cNvPr id="22" name="Freeform: Shape 21">
-            <a:extLst>
-              <a:ext uri="{FF2B5EF4-FFF2-40B4-BE49-F238E27FC236}">
-                <a16:creationId xmlns:a16="http://schemas.microsoft.com/office/drawing/2014/main" id="{B52D69C2-6C47-427C-AE60-582FE30B22A7}"/>
-              </a:ext>
-              <a:ext uri="{C183D7F6-B498-43B3-948B-1728B52AA6E4}">
-                <adec:decorative xmlns:adec="http://schemas.microsoft.com/office/drawing/2017/decorative" val="1"/>
-              </a:ext>
-            </a:extLst>
-          </p:cNvPr>
+          <p:cNvPr id="1048639" name="Freeform: Shape 21"/>
           <p:cNvSpPr>
             <a:spLocks noGrp="1" noRot="1" noChangeAspect="1" noMove="1" noResize="1" noEditPoints="1" noAdjustHandles="1" noChangeArrowheads="1" noChangeShapeType="1" noTextEdit="1"/>
           </p:cNvSpPr>
-          <p:nvPr>
-            <p:extLst>
-              <p:ext uri="{386F3935-93C4-4BCD-93E2-E3B085C9AB24}">
-                <p16:designElem xmlns:p16="http://schemas.microsoft.com/office/powerpoint/2015/main" val="1"/>
-              </p:ext>
-            </p:extLst>
-          </p:nvPr>
+          <p:nvPr/>
         </p:nvSpPr>
         <p:spPr bwMode="gray">
           <a:xfrm rot="16200000">
@@ -8665,26 +8486,11 @@
       </p:sp>
       <p:sp>
         <p:nvSpPr>
-          <p:cNvPr id="24" name="Freeform 7">
-            <a:extLst>
-              <a:ext uri="{FF2B5EF4-FFF2-40B4-BE49-F238E27FC236}">
-                <a16:creationId xmlns:a16="http://schemas.microsoft.com/office/drawing/2014/main" id="{E849FE61-12C4-4A06-A722-B545DE0C8A24}"/>
-              </a:ext>
-              <a:ext uri="{C183D7F6-B498-43B3-948B-1728B52AA6E4}">
-                <adec:decorative xmlns:adec="http://schemas.microsoft.com/office/drawing/2017/decorative" val="1"/>
-              </a:ext>
-            </a:extLst>
-          </p:cNvPr>
+          <p:cNvPr id="1048640" name="Freeform 7"/>
           <p:cNvSpPr>
             <a:spLocks noGrp="1" noRot="1" noChangeAspect="1" noMove="1" noResize="1" noEditPoints="1" noAdjustHandles="1" noChangeArrowheads="1" noChangeShapeType="1" noTextEdit="1"/>
           </p:cNvSpPr>
-          <p:nvPr>
-            <p:extLst>
-              <p:ext uri="{386F3935-93C4-4BCD-93E2-E3B085C9AB24}">
-                <p16:designElem xmlns:p16="http://schemas.microsoft.com/office/powerpoint/2015/main" val="1"/>
-              </p:ext>
-            </p:extLst>
-          </p:nvPr>
+          <p:nvPr/>
         </p:nvSpPr>
         <p:spPr>
           <a:xfrm>
@@ -9017,13 +8823,7 @@
       </p:sp>
       <p:pic>
         <p:nvPicPr>
-          <p:cNvPr id="12" name="Picture 11" descr="Assignments.jpg">
-            <a:extLst>
-              <a:ext uri="{FF2B5EF4-FFF2-40B4-BE49-F238E27FC236}">
-                <a16:creationId xmlns:a16="http://schemas.microsoft.com/office/drawing/2014/main" id="{A8710360-C700-4401-AD79-98ED0C9DA6D2}"/>
-              </a:ext>
-            </a:extLst>
-          </p:cNvPr>
+          <p:cNvPr id="2097164" name="Picture 11" descr="Assignments.jpg"/>
           <p:cNvPicPr>
             <a:picLocks noChangeAspect="1"/>
           </p:cNvPicPr>
@@ -9048,26 +8848,11 @@
       </p:pic>
       <p:sp>
         <p:nvSpPr>
-          <p:cNvPr id="26" name="Rectangle 25">
-            <a:extLst>
-              <a:ext uri="{FF2B5EF4-FFF2-40B4-BE49-F238E27FC236}">
-                <a16:creationId xmlns:a16="http://schemas.microsoft.com/office/drawing/2014/main" id="{7FB12D8C-572F-4417-9FE1-D691A132F69F}"/>
-              </a:ext>
-              <a:ext uri="{C183D7F6-B498-43B3-948B-1728B52AA6E4}">
-                <adec:decorative xmlns:adec="http://schemas.microsoft.com/office/drawing/2017/decorative" val="1"/>
-              </a:ext>
-            </a:extLst>
-          </p:cNvPr>
+          <p:cNvPr id="1048641" name="Rectangle 25"/>
           <p:cNvSpPr>
             <a:spLocks noGrp="1" noRot="1" noChangeAspect="1" noMove="1" noResize="1" noEditPoints="1" noAdjustHandles="1" noChangeArrowheads="1" noChangeShapeType="1" noTextEdit="1"/>
           </p:cNvSpPr>
-          <p:nvPr>
-            <p:extLst>
-              <p:ext uri="{386F3935-93C4-4BCD-93E2-E3B085C9AB24}">
-                <p16:designElem xmlns:p16="http://schemas.microsoft.com/office/powerpoint/2015/main" val="1"/>
-              </p:ext>
-            </p:extLst>
-          </p:nvPr>
+          <p:nvPr/>
         </p:nvSpPr>
         <p:spPr>
           <a:xfrm>
@@ -9101,7 +8886,7 @@
       </p:sp>
       <p:sp>
         <p:nvSpPr>
-          <p:cNvPr id="3" name="Content Placeholder 2"/>
+          <p:cNvPr id="1048642" name="Content Placeholder 2"/>
           <p:cNvSpPr>
             <a:spLocks noGrp="1"/>
           </p:cNvSpPr>
@@ -9117,7 +8902,7 @@
         </p:spPr>
         <p:txBody>
           <a:bodyPr>
-            <a:normAutofit/>
+            <a:normAutofit fontScale="95000" lnSpcReduction="20000"/>
           </a:bodyPr>
           <a:lstStyle/>
           <a:p>
@@ -9179,26 +8964,14 @@
       </p:sp>
       <p:pic>
         <p:nvPicPr>
-          <p:cNvPr id="6" name="Picture 5" descr="A close up of a sign&#10;&#10;Description automatically generated">
-            <a:extLst>
-              <a:ext uri="{FF2B5EF4-FFF2-40B4-BE49-F238E27FC236}">
-                <a16:creationId xmlns:a16="http://schemas.microsoft.com/office/drawing/2014/main" id="{A5227FF5-EFF6-410E-B6D7-CA7C371B1D71}"/>
-              </a:ext>
-            </a:extLst>
-          </p:cNvPr>
+          <p:cNvPr id="2097165" name="Picture 5" descr="A close up of a sign  Description automatically generated"/>
           <p:cNvPicPr>
             <a:picLocks noChangeAspect="1"/>
           </p:cNvPicPr>
           <p:nvPr/>
         </p:nvPicPr>
         <p:blipFill>
-          <a:blip r:embed="rId4" cstate="print">
-            <a:extLst>
-              <a:ext uri="{28A0092B-C50C-407E-A947-70E740481C1C}">
-                <a14:useLocalDpi xmlns:a14="http://schemas.microsoft.com/office/drawing/2010/main" val="0"/>
-              </a:ext>
-            </a:extLst>
-          </a:blip>
+          <a:blip r:embed="rId4" cstate="print"/>
           <a:stretch>
             <a:fillRect/>
           </a:stretch>
@@ -9221,12 +8994,12 @@
   </p:clrMapOvr>
   <mc:AlternateContent xmlns:mc="http://schemas.openxmlformats.org/markup-compatibility/2006" xmlns:p14="http://schemas.microsoft.com/office/powerpoint/2010/main">
     <mc:Choice Requires="p14">
-      <p:transition spd="slow" p14:dur="2000" advTm="2">
+      <p:transition spd="slow" p14:dur="2000" advTm="86">
         <p14:prism isContent="1"/>
       </p:transition>
     </mc:Choice>
     <mc:Fallback xmlns="">
-      <p:transition spd="slow" advTm="2">
+      <p:transition spd="slow">
         <p:fade/>
       </p:transition>
     </mc:Fallback>
@@ -9255,9 +9028,10 @@
                 <a:lumMod val="132000"/>
               </a:schemeClr>
             </a:duotone>
-            <a:extLst/>
           </a:blip>
-          <a:stretch/>
+          <a:stretch>
+            <a:fillRect/>
+          </a:stretch>
         </a:blipFill>
         <a:effectLst/>
       </p:bgPr>
@@ -9278,7 +9052,7 @@
       </p:grpSpPr>
       <p:sp>
         <p:nvSpPr>
-          <p:cNvPr id="2" name="Title 1"/>
+          <p:cNvPr id="1048643" name="Title 1"/>
           <p:cNvSpPr>
             <a:spLocks noGrp="1"/>
           </p:cNvSpPr>
@@ -9307,26 +9081,11 @@
       </p:sp>
       <p:sp>
         <p:nvSpPr>
-          <p:cNvPr id="22" name="Freeform: Shape 21">
-            <a:extLst>
-              <a:ext uri="{FF2B5EF4-FFF2-40B4-BE49-F238E27FC236}">
-                <a16:creationId xmlns:a16="http://schemas.microsoft.com/office/drawing/2014/main" id="{B52D69C2-6C47-427C-AE60-582FE30B22A7}"/>
-              </a:ext>
-              <a:ext uri="{C183D7F6-B498-43B3-948B-1728B52AA6E4}">
-                <adec:decorative xmlns:adec="http://schemas.microsoft.com/office/drawing/2017/decorative" val="1"/>
-              </a:ext>
-            </a:extLst>
-          </p:cNvPr>
+          <p:cNvPr id="1048644" name="Freeform: Shape 21"/>
           <p:cNvSpPr>
             <a:spLocks noGrp="1" noRot="1" noChangeAspect="1" noMove="1" noResize="1" noEditPoints="1" noAdjustHandles="1" noChangeArrowheads="1" noChangeShapeType="1" noTextEdit="1"/>
           </p:cNvSpPr>
-          <p:nvPr>
-            <p:extLst>
-              <p:ext uri="{386F3935-93C4-4BCD-93E2-E3B085C9AB24}">
-                <p16:designElem xmlns:p16="http://schemas.microsoft.com/office/powerpoint/2015/main" val="1"/>
-              </p:ext>
-            </p:extLst>
-          </p:nvPr>
+          <p:nvPr/>
         </p:nvSpPr>
         <p:spPr bwMode="gray">
           <a:xfrm rot="16200000">
@@ -9773,26 +9532,11 @@
       </p:sp>
       <p:sp>
         <p:nvSpPr>
-          <p:cNvPr id="24" name="Freeform 7">
-            <a:extLst>
-              <a:ext uri="{FF2B5EF4-FFF2-40B4-BE49-F238E27FC236}">
-                <a16:creationId xmlns:a16="http://schemas.microsoft.com/office/drawing/2014/main" id="{E849FE61-12C4-4A06-A722-B545DE0C8A24}"/>
-              </a:ext>
-              <a:ext uri="{C183D7F6-B498-43B3-948B-1728B52AA6E4}">
-                <adec:decorative xmlns:adec="http://schemas.microsoft.com/office/drawing/2017/decorative" val="1"/>
-              </a:ext>
-            </a:extLst>
-          </p:cNvPr>
+          <p:cNvPr id="1048645" name="Freeform 7"/>
           <p:cNvSpPr>
             <a:spLocks noGrp="1" noRot="1" noChangeAspect="1" noMove="1" noResize="1" noEditPoints="1" noAdjustHandles="1" noChangeArrowheads="1" noChangeShapeType="1" noTextEdit="1"/>
           </p:cNvSpPr>
-          <p:nvPr>
-            <p:extLst>
-              <p:ext uri="{386F3935-93C4-4BCD-93E2-E3B085C9AB24}">
-                <p16:designElem xmlns:p16="http://schemas.microsoft.com/office/powerpoint/2015/main" val="1"/>
-              </p:ext>
-            </p:extLst>
-          </p:nvPr>
+          <p:nvPr/>
         </p:nvSpPr>
         <p:spPr>
           <a:xfrm>
@@ -10125,13 +9869,7 @@
       </p:sp>
       <p:pic>
         <p:nvPicPr>
-          <p:cNvPr id="12" name="Picture 11" descr="Absence.jpg">
-            <a:extLst>
-              <a:ext uri="{FF2B5EF4-FFF2-40B4-BE49-F238E27FC236}">
-                <a16:creationId xmlns:a16="http://schemas.microsoft.com/office/drawing/2014/main" id="{1A0C9289-B8D1-453D-9BE8-AE8A9409B212}"/>
-              </a:ext>
-            </a:extLst>
-          </p:cNvPr>
+          <p:cNvPr id="2097166" name="Picture 11" descr="Absence.jpg"/>
           <p:cNvPicPr>
             <a:picLocks noChangeAspect="1"/>
           </p:cNvPicPr>
@@ -10156,26 +9894,11 @@
       </p:pic>
       <p:sp>
         <p:nvSpPr>
-          <p:cNvPr id="26" name="Rectangle 25">
-            <a:extLst>
-              <a:ext uri="{FF2B5EF4-FFF2-40B4-BE49-F238E27FC236}">
-                <a16:creationId xmlns:a16="http://schemas.microsoft.com/office/drawing/2014/main" id="{7FB12D8C-572F-4417-9FE1-D691A132F69F}"/>
-              </a:ext>
-              <a:ext uri="{C183D7F6-B498-43B3-948B-1728B52AA6E4}">
-                <adec:decorative xmlns:adec="http://schemas.microsoft.com/office/drawing/2017/decorative" val="1"/>
-              </a:ext>
-            </a:extLst>
-          </p:cNvPr>
+          <p:cNvPr id="1048646" name="Rectangle 25"/>
           <p:cNvSpPr>
             <a:spLocks noGrp="1" noRot="1" noChangeAspect="1" noMove="1" noResize="1" noEditPoints="1" noAdjustHandles="1" noChangeArrowheads="1" noChangeShapeType="1" noTextEdit="1"/>
           </p:cNvSpPr>
-          <p:nvPr>
-            <p:extLst>
-              <p:ext uri="{386F3935-93C4-4BCD-93E2-E3B085C9AB24}">
-                <p16:designElem xmlns:p16="http://schemas.microsoft.com/office/powerpoint/2015/main" val="1"/>
-              </p:ext>
-            </p:extLst>
-          </p:nvPr>
+          <p:nvPr/>
         </p:nvSpPr>
         <p:spPr>
           <a:xfrm>
@@ -10209,7 +9932,7 @@
       </p:sp>
       <p:sp>
         <p:nvSpPr>
-          <p:cNvPr id="3" name="Content Placeholder 2"/>
+          <p:cNvPr id="1048647" name="Content Placeholder 2"/>
           <p:cNvSpPr>
             <a:spLocks noGrp="1"/>
           </p:cNvSpPr>
@@ -10271,26 +9994,14 @@
       </p:sp>
       <p:pic>
         <p:nvPicPr>
-          <p:cNvPr id="6" name="Picture 5" descr="A close up of a car window&#10;&#10;Description automatically generated">
-            <a:extLst>
-              <a:ext uri="{FF2B5EF4-FFF2-40B4-BE49-F238E27FC236}">
-                <a16:creationId xmlns:a16="http://schemas.microsoft.com/office/drawing/2014/main" id="{411AC094-B206-4AA3-8F99-5CF22F50E3F4}"/>
-              </a:ext>
-            </a:extLst>
-          </p:cNvPr>
+          <p:cNvPr id="2097167" name="Picture 5" descr="A close up of a car window  Description automatically generated"/>
           <p:cNvPicPr>
             <a:picLocks noChangeAspect="1"/>
           </p:cNvPicPr>
           <p:nvPr/>
         </p:nvPicPr>
         <p:blipFill>
-          <a:blip r:embed="rId4" cstate="print">
-            <a:extLst>
-              <a:ext uri="{28A0092B-C50C-407E-A947-70E740481C1C}">
-                <a14:useLocalDpi xmlns:a14="http://schemas.microsoft.com/office/drawing/2010/main" val="0"/>
-              </a:ext>
-            </a:extLst>
-          </a:blip>
+          <a:blip r:embed="rId4" cstate="print"/>
           <a:stretch>
             <a:fillRect/>
           </a:stretch>
@@ -10318,7 +10029,7 @@
       </p:transition>
     </mc:Choice>
     <mc:Fallback xmlns="">
-      <p:transition spd="slow" advTm="883">
+      <p:transition spd="slow">
         <p:fade/>
       </p:transition>
     </mc:Fallback>
@@ -10347,9 +10058,10 @@
                 <a:lumMod val="132000"/>
               </a:schemeClr>
             </a:duotone>
-            <a:extLst/>
           </a:blip>
-          <a:stretch/>
+          <a:stretch>
+            <a:fillRect/>
+          </a:stretch>
         </a:blipFill>
         <a:effectLst/>
       </p:bgPr>
@@ -10370,7 +10082,7 @@
       </p:grpSpPr>
       <p:sp>
         <p:nvSpPr>
-          <p:cNvPr id="2" name="Title 1"/>
+          <p:cNvPr id="1048648" name="Title 1"/>
           <p:cNvSpPr>
             <a:spLocks noGrp="1"/>
           </p:cNvSpPr>
@@ -10399,26 +10111,11 @@
       </p:sp>
       <p:sp>
         <p:nvSpPr>
-          <p:cNvPr id="22" name="Freeform: Shape 21">
-            <a:extLst>
-              <a:ext uri="{FF2B5EF4-FFF2-40B4-BE49-F238E27FC236}">
-                <a16:creationId xmlns:a16="http://schemas.microsoft.com/office/drawing/2014/main" id="{B52D69C2-6C47-427C-AE60-582FE30B22A7}"/>
-              </a:ext>
-              <a:ext uri="{C183D7F6-B498-43B3-948B-1728B52AA6E4}">
-                <adec:decorative xmlns:adec="http://schemas.microsoft.com/office/drawing/2017/decorative" val="1"/>
-              </a:ext>
-            </a:extLst>
-          </p:cNvPr>
+          <p:cNvPr id="1048649" name="Freeform: Shape 21"/>
           <p:cNvSpPr>
             <a:spLocks noGrp="1" noRot="1" noChangeAspect="1" noMove="1" noResize="1" noEditPoints="1" noAdjustHandles="1" noChangeArrowheads="1" noChangeShapeType="1" noTextEdit="1"/>
           </p:cNvSpPr>
-          <p:nvPr>
-            <p:extLst>
-              <p:ext uri="{386F3935-93C4-4BCD-93E2-E3B085C9AB24}">
-                <p16:designElem xmlns:p16="http://schemas.microsoft.com/office/powerpoint/2015/main" val="1"/>
-              </p:ext>
-            </p:extLst>
-          </p:nvPr>
+          <p:nvPr/>
         </p:nvSpPr>
         <p:spPr bwMode="gray">
           <a:xfrm rot="16200000">
@@ -10865,26 +10562,11 @@
       </p:sp>
       <p:sp>
         <p:nvSpPr>
-          <p:cNvPr id="24" name="Freeform 7">
-            <a:extLst>
-              <a:ext uri="{FF2B5EF4-FFF2-40B4-BE49-F238E27FC236}">
-                <a16:creationId xmlns:a16="http://schemas.microsoft.com/office/drawing/2014/main" id="{E849FE61-12C4-4A06-A722-B545DE0C8A24}"/>
-              </a:ext>
-              <a:ext uri="{C183D7F6-B498-43B3-948B-1728B52AA6E4}">
-                <adec:decorative xmlns:adec="http://schemas.microsoft.com/office/drawing/2017/decorative" val="1"/>
-              </a:ext>
-            </a:extLst>
-          </p:cNvPr>
+          <p:cNvPr id="1048650" name="Freeform 7"/>
           <p:cNvSpPr>
             <a:spLocks noGrp="1" noRot="1" noChangeAspect="1" noMove="1" noResize="1" noEditPoints="1" noAdjustHandles="1" noChangeArrowheads="1" noChangeShapeType="1" noTextEdit="1"/>
           </p:cNvSpPr>
-          <p:nvPr>
-            <p:extLst>
-              <p:ext uri="{386F3935-93C4-4BCD-93E2-E3B085C9AB24}">
-                <p16:designElem xmlns:p16="http://schemas.microsoft.com/office/powerpoint/2015/main" val="1"/>
-              </p:ext>
-            </p:extLst>
-          </p:nvPr>
+          <p:nvPr/>
         </p:nvSpPr>
         <p:spPr>
           <a:xfrm>
@@ -11217,13 +10899,7 @@
       </p:sp>
       <p:pic>
         <p:nvPicPr>
-          <p:cNvPr id="16" name="Picture 15" descr="feedback.jpg">
-            <a:extLst>
-              <a:ext uri="{FF2B5EF4-FFF2-40B4-BE49-F238E27FC236}">
-                <a16:creationId xmlns:a16="http://schemas.microsoft.com/office/drawing/2014/main" id="{E3F2FA5A-569C-4CBE-824E-F9493344C213}"/>
-              </a:ext>
-            </a:extLst>
-          </p:cNvPr>
+          <p:cNvPr id="2097168" name="Picture 15" descr="feedback.jpg"/>
           <p:cNvPicPr>
             <a:picLocks noChangeAspect="1"/>
           </p:cNvPicPr>
@@ -11248,26 +10924,11 @@
       </p:pic>
       <p:sp>
         <p:nvSpPr>
-          <p:cNvPr id="26" name="Rectangle 25">
-            <a:extLst>
-              <a:ext uri="{FF2B5EF4-FFF2-40B4-BE49-F238E27FC236}">
-                <a16:creationId xmlns:a16="http://schemas.microsoft.com/office/drawing/2014/main" id="{7FB12D8C-572F-4417-9FE1-D691A132F69F}"/>
-              </a:ext>
-              <a:ext uri="{C183D7F6-B498-43B3-948B-1728B52AA6E4}">
-                <adec:decorative xmlns:adec="http://schemas.microsoft.com/office/drawing/2017/decorative" val="1"/>
-              </a:ext>
-            </a:extLst>
-          </p:cNvPr>
+          <p:cNvPr id="1048651" name="Rectangle 25"/>
           <p:cNvSpPr>
             <a:spLocks noGrp="1" noRot="1" noChangeAspect="1" noMove="1" noResize="1" noEditPoints="1" noAdjustHandles="1" noChangeArrowheads="1" noChangeShapeType="1" noTextEdit="1"/>
           </p:cNvSpPr>
-          <p:nvPr>
-            <p:extLst>
-              <p:ext uri="{386F3935-93C4-4BCD-93E2-E3B085C9AB24}">
-                <p16:designElem xmlns:p16="http://schemas.microsoft.com/office/powerpoint/2015/main" val="1"/>
-              </p:ext>
-            </p:extLst>
-          </p:nvPr>
+          <p:nvPr/>
         </p:nvSpPr>
         <p:spPr>
           <a:xfrm>
@@ -11301,7 +10962,7 @@
       </p:sp>
       <p:sp>
         <p:nvSpPr>
-          <p:cNvPr id="3" name="Content Placeholder 2"/>
+          <p:cNvPr id="1048652" name="Content Placeholder 2"/>
           <p:cNvSpPr>
             <a:spLocks noGrp="1"/>
           </p:cNvSpPr>
@@ -11348,26 +11009,14 @@
       </p:sp>
       <p:pic>
         <p:nvPicPr>
-          <p:cNvPr id="6" name="Picture 5" descr="A screenshot of a car window&#10;&#10;Description automatically generated">
-            <a:extLst>
-              <a:ext uri="{FF2B5EF4-FFF2-40B4-BE49-F238E27FC236}">
-                <a16:creationId xmlns:a16="http://schemas.microsoft.com/office/drawing/2014/main" id="{D3F24893-8799-4BC2-B4BB-43A3BB82E9F9}"/>
-              </a:ext>
-            </a:extLst>
-          </p:cNvPr>
+          <p:cNvPr id="2097169" name="Picture 5" descr="A screenshot of a car window  Description automatically generated"/>
           <p:cNvPicPr>
             <a:picLocks noChangeAspect="1"/>
           </p:cNvPicPr>
           <p:nvPr/>
         </p:nvPicPr>
         <p:blipFill>
-          <a:blip r:embed="rId4" cstate="print">
-            <a:extLst>
-              <a:ext uri="{28A0092B-C50C-407E-A947-70E740481C1C}">
-                <a14:useLocalDpi xmlns:a14="http://schemas.microsoft.com/office/drawing/2010/main" val="0"/>
-              </a:ext>
-            </a:extLst>
-          </a:blip>
+          <a:blip r:embed="rId4" cstate="print"/>
           <a:stretch>
             <a:fillRect/>
           </a:stretch>
@@ -11395,7 +11044,7 @@
       </p:transition>
     </mc:Choice>
     <mc:Fallback xmlns="">
-      <p:transition spd="slow" advTm="3196">
+      <p:transition spd="slow">
         <p:fade/>
       </p:transition>
     </mc:Fallback>
@@ -11424,9 +11073,10 @@
                 <a:lumMod val="132000"/>
               </a:schemeClr>
             </a:duotone>
-            <a:extLst/>
           </a:blip>
-          <a:stretch/>
+          <a:stretch>
+            <a:fillRect/>
+          </a:stretch>
         </a:blipFill>
         <a:effectLst/>
       </p:bgPr>
@@ -11447,7 +11097,7 @@
       </p:grpSpPr>
       <p:sp>
         <p:nvSpPr>
-          <p:cNvPr id="2" name="Title 1"/>
+          <p:cNvPr id="1048653" name="Title 1"/>
           <p:cNvSpPr>
             <a:spLocks noGrp="1"/>
           </p:cNvSpPr>
@@ -11476,26 +11126,11 @@
       </p:sp>
       <p:sp>
         <p:nvSpPr>
-          <p:cNvPr id="22" name="Freeform: Shape 21">
-            <a:extLst>
-              <a:ext uri="{FF2B5EF4-FFF2-40B4-BE49-F238E27FC236}">
-                <a16:creationId xmlns:a16="http://schemas.microsoft.com/office/drawing/2014/main" id="{B52D69C2-6C47-427C-AE60-582FE30B22A7}"/>
-              </a:ext>
-              <a:ext uri="{C183D7F6-B498-43B3-948B-1728B52AA6E4}">
-                <adec:decorative xmlns:adec="http://schemas.microsoft.com/office/drawing/2017/decorative" val="1"/>
-              </a:ext>
-            </a:extLst>
-          </p:cNvPr>
+          <p:cNvPr id="1048654" name="Freeform: Shape 21"/>
           <p:cNvSpPr>
             <a:spLocks noGrp="1" noRot="1" noChangeAspect="1" noMove="1" noResize="1" noEditPoints="1" noAdjustHandles="1" noChangeArrowheads="1" noChangeShapeType="1" noTextEdit="1"/>
           </p:cNvSpPr>
-          <p:nvPr>
-            <p:extLst>
-              <p:ext uri="{386F3935-93C4-4BCD-93E2-E3B085C9AB24}">
-                <p16:designElem xmlns:p16="http://schemas.microsoft.com/office/powerpoint/2015/main" val="1"/>
-              </p:ext>
-            </p:extLst>
-          </p:nvPr>
+          <p:nvPr/>
         </p:nvSpPr>
         <p:spPr bwMode="gray">
           <a:xfrm rot="16200000">
@@ -11942,26 +11577,11 @@
       </p:sp>
       <p:sp>
         <p:nvSpPr>
-          <p:cNvPr id="24" name="Freeform 7">
-            <a:extLst>
-              <a:ext uri="{FF2B5EF4-FFF2-40B4-BE49-F238E27FC236}">
-                <a16:creationId xmlns:a16="http://schemas.microsoft.com/office/drawing/2014/main" id="{E849FE61-12C4-4A06-A722-B545DE0C8A24}"/>
-              </a:ext>
-              <a:ext uri="{C183D7F6-B498-43B3-948B-1728B52AA6E4}">
-                <adec:decorative xmlns:adec="http://schemas.microsoft.com/office/drawing/2017/decorative" val="1"/>
-              </a:ext>
-            </a:extLst>
-          </p:cNvPr>
+          <p:cNvPr id="1048655" name="Freeform 7"/>
           <p:cNvSpPr>
             <a:spLocks noGrp="1" noRot="1" noChangeAspect="1" noMove="1" noResize="1" noEditPoints="1" noAdjustHandles="1" noChangeArrowheads="1" noChangeShapeType="1" noTextEdit="1"/>
           </p:cNvSpPr>
-          <p:nvPr>
-            <p:extLst>
-              <p:ext uri="{386F3935-93C4-4BCD-93E2-E3B085C9AB24}">
-                <p16:designElem xmlns:p16="http://schemas.microsoft.com/office/powerpoint/2015/main" val="1"/>
-              </p:ext>
-            </p:extLst>
-          </p:nvPr>
+          <p:nvPr/>
         </p:nvSpPr>
         <p:spPr>
           <a:xfrm>
@@ -12294,13 +11914,7 @@
       </p:sp>
       <p:pic>
         <p:nvPicPr>
-          <p:cNvPr id="12" name="Picture 11" descr="Fees.jpg">
-            <a:extLst>
-              <a:ext uri="{FF2B5EF4-FFF2-40B4-BE49-F238E27FC236}">
-                <a16:creationId xmlns:a16="http://schemas.microsoft.com/office/drawing/2014/main" id="{E6584153-32C5-4BDE-852F-D9C911F3CE9F}"/>
-              </a:ext>
-            </a:extLst>
-          </p:cNvPr>
+          <p:cNvPr id="2097170" name="Picture 11" descr="Fees.jpg"/>
           <p:cNvPicPr>
             <a:picLocks noChangeAspect="1"/>
           </p:cNvPicPr>
@@ -12325,26 +11939,11 @@
       </p:pic>
       <p:sp>
         <p:nvSpPr>
-          <p:cNvPr id="26" name="Rectangle 25">
-            <a:extLst>
-              <a:ext uri="{FF2B5EF4-FFF2-40B4-BE49-F238E27FC236}">
-                <a16:creationId xmlns:a16="http://schemas.microsoft.com/office/drawing/2014/main" id="{7FB12D8C-572F-4417-9FE1-D691A132F69F}"/>
-              </a:ext>
-              <a:ext uri="{C183D7F6-B498-43B3-948B-1728B52AA6E4}">
-                <adec:decorative xmlns:adec="http://schemas.microsoft.com/office/drawing/2017/decorative" val="1"/>
-              </a:ext>
-            </a:extLst>
-          </p:cNvPr>
+          <p:cNvPr id="1048656" name="Rectangle 25"/>
           <p:cNvSpPr>
             <a:spLocks noGrp="1" noRot="1" noChangeAspect="1" noMove="1" noResize="1" noEditPoints="1" noAdjustHandles="1" noChangeArrowheads="1" noChangeShapeType="1" noTextEdit="1"/>
           </p:cNvSpPr>
-          <p:nvPr>
-            <p:extLst>
-              <p:ext uri="{386F3935-93C4-4BCD-93E2-E3B085C9AB24}">
-                <p16:designElem xmlns:p16="http://schemas.microsoft.com/office/powerpoint/2015/main" val="1"/>
-              </p:ext>
-            </p:extLst>
-          </p:nvPr>
+          <p:nvPr/>
         </p:nvSpPr>
         <p:spPr>
           <a:xfrm>
@@ -12378,7 +11977,7 @@
       </p:sp>
       <p:sp>
         <p:nvSpPr>
-          <p:cNvPr id="3" name="Content Placeholder 2"/>
+          <p:cNvPr id="1048657" name="Content Placeholder 2"/>
           <p:cNvSpPr>
             <a:spLocks noGrp="1"/>
           </p:cNvSpPr>
@@ -12394,7 +11993,7 @@
         </p:spPr>
         <p:txBody>
           <a:bodyPr>
-            <a:normAutofit/>
+            <a:normAutofit fontScale="95833" lnSpcReduction="20000"/>
           </a:bodyPr>
           <a:lstStyle/>
           <a:p>
@@ -12437,26 +12036,14 @@
       </p:sp>
       <p:pic>
         <p:nvPicPr>
-          <p:cNvPr id="6" name="Picture 5" descr="A screenshot of a stereo&#10;&#10;Description automatically generated">
-            <a:extLst>
-              <a:ext uri="{FF2B5EF4-FFF2-40B4-BE49-F238E27FC236}">
-                <a16:creationId xmlns:a16="http://schemas.microsoft.com/office/drawing/2014/main" id="{1D3A5C56-379E-4BB5-B107-F53584293EFE}"/>
-              </a:ext>
-            </a:extLst>
-          </p:cNvPr>
+          <p:cNvPr id="2097171" name="Picture 5" descr="A screenshot of a stereo  Description automatically generated"/>
           <p:cNvPicPr>
             <a:picLocks noChangeAspect="1"/>
           </p:cNvPicPr>
           <p:nvPr/>
         </p:nvPicPr>
         <p:blipFill>
-          <a:blip r:embed="rId4" cstate="print">
-            <a:extLst>
-              <a:ext uri="{28A0092B-C50C-407E-A947-70E740481C1C}">
-                <a14:useLocalDpi xmlns:a14="http://schemas.microsoft.com/office/drawing/2010/main" val="0"/>
-              </a:ext>
-            </a:extLst>
-          </a:blip>
+          <a:blip r:embed="rId4" cstate="print"/>
           <a:stretch>
             <a:fillRect/>
           </a:stretch>
@@ -12484,7 +12071,7 @@
       </p:transition>
     </mc:Choice>
     <mc:Fallback xmlns="">
-      <p:transition spd="slow" advTm="20000">
+      <p:transition spd="slow">
         <p:fade/>
       </p:transition>
     </mc:Fallback>
@@ -12513,9 +12100,10 @@
                 <a:lumMod val="132000"/>
               </a:schemeClr>
             </a:duotone>
-            <a:extLst/>
           </a:blip>
-          <a:stretch/>
+          <a:stretch>
+            <a:fillRect/>
+          </a:stretch>
         </a:blipFill>
         <a:effectLst/>
       </p:bgPr>
@@ -12536,7 +12124,7 @@
       </p:grpSpPr>
       <p:sp>
         <p:nvSpPr>
-          <p:cNvPr id="2" name="Title 1"/>
+          <p:cNvPr id="1048658" name="Title 1"/>
           <p:cNvSpPr>
             <a:spLocks noGrp="1"/>
           </p:cNvSpPr>
@@ -12565,26 +12153,11 @@
       </p:sp>
       <p:sp>
         <p:nvSpPr>
-          <p:cNvPr id="31" name="Freeform: Shape 30">
-            <a:extLst>
-              <a:ext uri="{FF2B5EF4-FFF2-40B4-BE49-F238E27FC236}">
-                <a16:creationId xmlns:a16="http://schemas.microsoft.com/office/drawing/2014/main" id="{B52D69C2-6C47-427C-AE60-582FE30B22A7}"/>
-              </a:ext>
-              <a:ext uri="{C183D7F6-B498-43B3-948B-1728B52AA6E4}">
-                <adec:decorative xmlns:adec="http://schemas.microsoft.com/office/drawing/2017/decorative" val="1"/>
-              </a:ext>
-            </a:extLst>
-          </p:cNvPr>
+          <p:cNvPr id="1048659" name="Freeform: Shape 30"/>
           <p:cNvSpPr>
             <a:spLocks noGrp="1" noRot="1" noChangeAspect="1" noMove="1" noResize="1" noEditPoints="1" noAdjustHandles="1" noChangeArrowheads="1" noChangeShapeType="1" noTextEdit="1"/>
           </p:cNvSpPr>
-          <p:nvPr>
-            <p:extLst>
-              <p:ext uri="{386F3935-93C4-4BCD-93E2-E3B085C9AB24}">
-                <p16:designElem xmlns:p16="http://schemas.microsoft.com/office/powerpoint/2015/main" val="1"/>
-              </p:ext>
-            </p:extLst>
-          </p:nvPr>
+          <p:nvPr/>
         </p:nvSpPr>
         <p:spPr bwMode="gray">
           <a:xfrm rot="16200000">
@@ -13031,26 +12604,11 @@
       </p:sp>
       <p:sp>
         <p:nvSpPr>
-          <p:cNvPr id="33" name="Freeform 7">
-            <a:extLst>
-              <a:ext uri="{FF2B5EF4-FFF2-40B4-BE49-F238E27FC236}">
-                <a16:creationId xmlns:a16="http://schemas.microsoft.com/office/drawing/2014/main" id="{E849FE61-12C4-4A06-A722-B545DE0C8A24}"/>
-              </a:ext>
-              <a:ext uri="{C183D7F6-B498-43B3-948B-1728B52AA6E4}">
-                <adec:decorative xmlns:adec="http://schemas.microsoft.com/office/drawing/2017/decorative" val="1"/>
-              </a:ext>
-            </a:extLst>
-          </p:cNvPr>
+          <p:cNvPr id="1048660" name="Freeform 7"/>
           <p:cNvSpPr>
             <a:spLocks noGrp="1" noRot="1" noChangeAspect="1" noMove="1" noResize="1" noEditPoints="1" noAdjustHandles="1" noChangeArrowheads="1" noChangeShapeType="1" noTextEdit="1"/>
           </p:cNvSpPr>
-          <p:nvPr>
-            <p:extLst>
-              <p:ext uri="{386F3935-93C4-4BCD-93E2-E3B085C9AB24}">
-                <p16:designElem xmlns:p16="http://schemas.microsoft.com/office/powerpoint/2015/main" val="1"/>
-              </p:ext>
-            </p:extLst>
-          </p:nvPr>
+          <p:nvPr/>
         </p:nvSpPr>
         <p:spPr>
           <a:xfrm>
@@ -13383,13 +12941,7 @@
       </p:sp>
       <p:pic>
         <p:nvPicPr>
-          <p:cNvPr id="16" name="Picture 15" descr="Grades.jpg">
-            <a:extLst>
-              <a:ext uri="{FF2B5EF4-FFF2-40B4-BE49-F238E27FC236}">
-                <a16:creationId xmlns:a16="http://schemas.microsoft.com/office/drawing/2014/main" id="{B37DADEA-81AB-47E0-B1EC-20D0B980E3F4}"/>
-              </a:ext>
-            </a:extLst>
-          </p:cNvPr>
+          <p:cNvPr id="2097172" name="Picture 15" descr="Grades.jpg"/>
           <p:cNvPicPr>
             <a:picLocks noChangeAspect="1"/>
           </p:cNvPicPr>
@@ -13414,26 +12966,11 @@
       </p:pic>
       <p:sp>
         <p:nvSpPr>
-          <p:cNvPr id="35" name="Rectangle 34">
-            <a:extLst>
-              <a:ext uri="{FF2B5EF4-FFF2-40B4-BE49-F238E27FC236}">
-                <a16:creationId xmlns:a16="http://schemas.microsoft.com/office/drawing/2014/main" id="{7FB12D8C-572F-4417-9FE1-D691A132F69F}"/>
-              </a:ext>
-              <a:ext uri="{C183D7F6-B498-43B3-948B-1728B52AA6E4}">
-                <adec:decorative xmlns:adec="http://schemas.microsoft.com/office/drawing/2017/decorative" val="1"/>
-              </a:ext>
-            </a:extLst>
-          </p:cNvPr>
+          <p:cNvPr id="1048661" name="Rectangle 34"/>
           <p:cNvSpPr>
             <a:spLocks noGrp="1" noRot="1" noChangeAspect="1" noMove="1" noResize="1" noEditPoints="1" noAdjustHandles="1" noChangeArrowheads="1" noChangeShapeType="1" noTextEdit="1"/>
           </p:cNvSpPr>
-          <p:nvPr>
-            <p:extLst>
-              <p:ext uri="{386F3935-93C4-4BCD-93E2-E3B085C9AB24}">
-                <p16:designElem xmlns:p16="http://schemas.microsoft.com/office/powerpoint/2015/main" val="1"/>
-              </p:ext>
-            </p:extLst>
-          </p:nvPr>
+          <p:nvPr/>
         </p:nvSpPr>
         <p:spPr>
           <a:xfrm>
@@ -13467,7 +13004,7 @@
       </p:sp>
       <p:sp>
         <p:nvSpPr>
-          <p:cNvPr id="3" name="Content Placeholder 2"/>
+          <p:cNvPr id="1048662" name="Content Placeholder 2"/>
           <p:cNvSpPr>
             <a:spLocks noGrp="1"/>
           </p:cNvSpPr>
@@ -13526,26 +13063,14 @@
       </p:sp>
       <p:pic>
         <p:nvPicPr>
-          <p:cNvPr id="6" name="Picture 5">
-            <a:extLst>
-              <a:ext uri="{FF2B5EF4-FFF2-40B4-BE49-F238E27FC236}">
-                <a16:creationId xmlns:a16="http://schemas.microsoft.com/office/drawing/2014/main" id="{C019ECB3-C23D-4911-8856-12D8B3AC7516}"/>
-              </a:ext>
-            </a:extLst>
-          </p:cNvPr>
+          <p:cNvPr id="2097173" name="Picture 5"/>
           <p:cNvPicPr>
             <a:picLocks noChangeAspect="1"/>
           </p:cNvPicPr>
           <p:nvPr/>
         </p:nvPicPr>
         <p:blipFill>
-          <a:blip r:embed="rId4" cstate="print">
-            <a:extLst>
-              <a:ext uri="{28A0092B-C50C-407E-A947-70E740481C1C}">
-                <a14:useLocalDpi xmlns:a14="http://schemas.microsoft.com/office/drawing/2010/main" val="0"/>
-              </a:ext>
-            </a:extLst>
-          </a:blip>
+          <a:blip r:embed="rId4" cstate="print"/>
           <a:stretch>
             <a:fillRect/>
           </a:stretch>
@@ -13573,7 +13098,7 @@
       </p:transition>
     </mc:Choice>
     <mc:Fallback xmlns="">
-      <p:transition spd="slow" advTm="20000">
+      <p:transition spd="slow">
         <p:fade/>
       </p:transition>
     </mc:Fallback>
@@ -13602,9 +13127,10 @@
                 <a:lumMod val="132000"/>
               </a:schemeClr>
             </a:duotone>
-            <a:extLst/>
           </a:blip>
-          <a:stretch/>
+          <a:stretch>
+            <a:fillRect/>
+          </a:stretch>
         </a:blipFill>
         <a:effectLst/>
       </p:bgPr>
@@ -13625,7 +13151,7 @@
       </p:grpSpPr>
       <p:sp>
         <p:nvSpPr>
-          <p:cNvPr id="2" name="Title 1"/>
+          <p:cNvPr id="1048663" name="Title 1"/>
           <p:cNvSpPr>
             <a:spLocks noGrp="1"/>
           </p:cNvSpPr>
@@ -13654,26 +13180,11 @@
       </p:sp>
       <p:sp>
         <p:nvSpPr>
-          <p:cNvPr id="22" name="Freeform: Shape 21">
-            <a:extLst>
-              <a:ext uri="{FF2B5EF4-FFF2-40B4-BE49-F238E27FC236}">
-                <a16:creationId xmlns:a16="http://schemas.microsoft.com/office/drawing/2014/main" id="{B52D69C2-6C47-427C-AE60-582FE30B22A7}"/>
-              </a:ext>
-              <a:ext uri="{C183D7F6-B498-43B3-948B-1728B52AA6E4}">
-                <adec:decorative xmlns:adec="http://schemas.microsoft.com/office/drawing/2017/decorative" val="1"/>
-              </a:ext>
-            </a:extLst>
-          </p:cNvPr>
+          <p:cNvPr id="1048664" name="Freeform: Shape 21"/>
           <p:cNvSpPr>
             <a:spLocks noGrp="1" noRot="1" noChangeAspect="1" noMove="1" noResize="1" noEditPoints="1" noAdjustHandles="1" noChangeArrowheads="1" noChangeShapeType="1" noTextEdit="1"/>
           </p:cNvSpPr>
-          <p:nvPr>
-            <p:extLst>
-              <p:ext uri="{386F3935-93C4-4BCD-93E2-E3B085C9AB24}">
-                <p16:designElem xmlns:p16="http://schemas.microsoft.com/office/powerpoint/2015/main" val="1"/>
-              </p:ext>
-            </p:extLst>
-          </p:nvPr>
+          <p:nvPr/>
         </p:nvSpPr>
         <p:spPr bwMode="gray">
           <a:xfrm rot="16200000">
@@ -14120,26 +13631,11 @@
       </p:sp>
       <p:sp>
         <p:nvSpPr>
-          <p:cNvPr id="24" name="Freeform 7">
-            <a:extLst>
-              <a:ext uri="{FF2B5EF4-FFF2-40B4-BE49-F238E27FC236}">
-                <a16:creationId xmlns:a16="http://schemas.microsoft.com/office/drawing/2014/main" id="{E849FE61-12C4-4A06-A722-B545DE0C8A24}"/>
-              </a:ext>
-              <a:ext uri="{C183D7F6-B498-43B3-948B-1728B52AA6E4}">
-                <adec:decorative xmlns:adec="http://schemas.microsoft.com/office/drawing/2017/decorative" val="1"/>
-              </a:ext>
-            </a:extLst>
-          </p:cNvPr>
+          <p:cNvPr id="1048665" name="Freeform 7"/>
           <p:cNvSpPr>
             <a:spLocks noGrp="1" noRot="1" noChangeAspect="1" noMove="1" noResize="1" noEditPoints="1" noAdjustHandles="1" noChangeArrowheads="1" noChangeShapeType="1" noTextEdit="1"/>
           </p:cNvSpPr>
-          <p:nvPr>
-            <p:extLst>
-              <p:ext uri="{386F3935-93C4-4BCD-93E2-E3B085C9AB24}">
-                <p16:designElem xmlns:p16="http://schemas.microsoft.com/office/powerpoint/2015/main" val="1"/>
-              </p:ext>
-            </p:extLst>
-          </p:nvPr>
+          <p:nvPr/>
         </p:nvSpPr>
         <p:spPr>
           <a:xfrm>
@@ -14472,13 +13968,7 @@
       </p:sp>
       <p:pic>
         <p:nvPicPr>
-          <p:cNvPr id="12" name="Picture 11" descr="Schedule.jpg">
-            <a:extLst>
-              <a:ext uri="{FF2B5EF4-FFF2-40B4-BE49-F238E27FC236}">
-                <a16:creationId xmlns:a16="http://schemas.microsoft.com/office/drawing/2014/main" id="{3D6B9539-CF39-4CDD-838A-C7D03D336967}"/>
-              </a:ext>
-            </a:extLst>
-          </p:cNvPr>
+          <p:cNvPr id="2097174" name="Picture 11" descr="Schedule.jpg"/>
           <p:cNvPicPr>
             <a:picLocks noChangeAspect="1"/>
           </p:cNvPicPr>
@@ -14503,26 +13993,11 @@
       </p:pic>
       <p:sp>
         <p:nvSpPr>
-          <p:cNvPr id="26" name="Rectangle 25">
-            <a:extLst>
-              <a:ext uri="{FF2B5EF4-FFF2-40B4-BE49-F238E27FC236}">
-                <a16:creationId xmlns:a16="http://schemas.microsoft.com/office/drawing/2014/main" id="{7FB12D8C-572F-4417-9FE1-D691A132F69F}"/>
-              </a:ext>
-              <a:ext uri="{C183D7F6-B498-43B3-948B-1728B52AA6E4}">
-                <adec:decorative xmlns:adec="http://schemas.microsoft.com/office/drawing/2017/decorative" val="1"/>
-              </a:ext>
-            </a:extLst>
-          </p:cNvPr>
+          <p:cNvPr id="1048666" name="Rectangle 25"/>
           <p:cNvSpPr>
             <a:spLocks noGrp="1" noRot="1" noChangeAspect="1" noMove="1" noResize="1" noEditPoints="1" noAdjustHandles="1" noChangeArrowheads="1" noChangeShapeType="1" noTextEdit="1"/>
           </p:cNvSpPr>
-          <p:nvPr>
-            <p:extLst>
-              <p:ext uri="{386F3935-93C4-4BCD-93E2-E3B085C9AB24}">
-                <p16:designElem xmlns:p16="http://schemas.microsoft.com/office/powerpoint/2015/main" val="1"/>
-              </p:ext>
-            </p:extLst>
-          </p:nvPr>
+          <p:nvPr/>
         </p:nvSpPr>
         <p:spPr>
           <a:xfrm>
@@ -14556,7 +14031,7 @@
       </p:sp>
       <p:sp>
         <p:nvSpPr>
-          <p:cNvPr id="3" name="Content Placeholder 2"/>
+          <p:cNvPr id="1048667" name="Content Placeholder 2"/>
           <p:cNvSpPr>
             <a:spLocks noGrp="1"/>
           </p:cNvSpPr>
@@ -14572,7 +14047,7 @@
         </p:spPr>
         <p:txBody>
           <a:bodyPr>
-            <a:normAutofit/>
+            <a:normAutofit fontScale="95833" lnSpcReduction="20000"/>
           </a:bodyPr>
           <a:lstStyle/>
           <a:p>
@@ -14622,26 +14097,14 @@
       </p:sp>
       <p:pic>
         <p:nvPicPr>
-          <p:cNvPr id="6" name="Picture 5" descr="A screen shot of a car&#10;&#10;Description automatically generated">
-            <a:extLst>
-              <a:ext uri="{FF2B5EF4-FFF2-40B4-BE49-F238E27FC236}">
-                <a16:creationId xmlns:a16="http://schemas.microsoft.com/office/drawing/2014/main" id="{4B8C3742-01E0-472E-9A8F-028EDA846935}"/>
-              </a:ext>
-            </a:extLst>
-          </p:cNvPr>
+          <p:cNvPr id="2097175" name="Picture 5" descr="A screen shot of a car  Description automatically generated"/>
           <p:cNvPicPr>
             <a:picLocks noChangeAspect="1"/>
           </p:cNvPicPr>
           <p:nvPr/>
         </p:nvPicPr>
         <p:blipFill>
-          <a:blip r:embed="rId4" cstate="print">
-            <a:extLst>
-              <a:ext uri="{28A0092B-C50C-407E-A947-70E740481C1C}">
-                <a14:useLocalDpi xmlns:a14="http://schemas.microsoft.com/office/drawing/2010/main" val="0"/>
-              </a:ext>
-            </a:extLst>
-          </a:blip>
+          <a:blip r:embed="rId4" cstate="print"/>
           <a:stretch>
             <a:fillRect/>
           </a:stretch>
@@ -14669,7 +14132,7 @@
       </p:transition>
     </mc:Choice>
     <mc:Fallback xmlns="">
-      <p:transition spd="slow" advTm="20000">
+      <p:transition spd="slow">
         <p:fade/>
       </p:transition>
     </mc:Fallback>
@@ -14696,169 +14159,7 @@
       </p:grpSpPr>
       <p:sp>
         <p:nvSpPr>
-          <p:cNvPr id="2" name="Title 1">
-            <a:extLst>
-              <a:ext uri="{FF2B5EF4-FFF2-40B4-BE49-F238E27FC236}">
-                <a16:creationId xmlns:a16="http://schemas.microsoft.com/office/drawing/2014/main" id="{12AED8DE-6039-46D8-A337-65B4A2A9FD7D}"/>
-              </a:ext>
-            </a:extLst>
-          </p:cNvPr>
-          <p:cNvSpPr>
-            <a:spLocks noGrp="1"/>
-          </p:cNvSpPr>
-          <p:nvPr>
-            <p:ph type="title"/>
-          </p:nvPr>
-        </p:nvSpPr>
-        <p:spPr/>
-        <p:txBody>
-          <a:bodyPr/>
-          <a:lstStyle/>
-          <a:p>
-            <a:r>
-              <a:rPr lang="en-US" dirty="0"/>
-              <a:t>Design Decisions </a:t>
-            </a:r>
-            <a:endParaRPr lang="en-CA" dirty="0"/>
-          </a:p>
-        </p:txBody>
-      </p:sp>
-      <p:sp>
-        <p:nvSpPr>
-          <p:cNvPr id="3" name="Content Placeholder 2">
-            <a:extLst>
-              <a:ext uri="{FF2B5EF4-FFF2-40B4-BE49-F238E27FC236}">
-                <a16:creationId xmlns:a16="http://schemas.microsoft.com/office/drawing/2014/main" id="{E683A763-45BE-4DBC-B81B-4ACA5F043004}"/>
-              </a:ext>
-            </a:extLst>
-          </p:cNvPr>
-          <p:cNvSpPr>
-            <a:spLocks noGrp="1"/>
-          </p:cNvSpPr>
-          <p:nvPr>
-            <p:ph idx="1"/>
-          </p:nvPr>
-        </p:nvSpPr>
-        <p:spPr/>
-        <p:txBody>
-          <a:bodyPr>
-            <a:normAutofit lnSpcReduction="10000"/>
-          </a:bodyPr>
-          <a:lstStyle/>
-          <a:p>
-            <a:pPr>
-              <a:buFont typeface="Wingdings" panose="05000000000000000000" pitchFamily="2" charset="2"/>
-              <a:buChar char="v"/>
-            </a:pPr>
-            <a:r>
-              <a:rPr lang="en-US" dirty="0"/>
-              <a:t>We have used text view for the email input.</a:t>
-            </a:r>
-          </a:p>
-          <a:p>
-            <a:pPr>
-              <a:buFont typeface="Wingdings" panose="05000000000000000000" pitchFamily="2" charset="2"/>
-              <a:buChar char="v"/>
-            </a:pPr>
-            <a:r>
-              <a:rPr lang="en-US" dirty="0"/>
-              <a:t>Password input field for password which does not show the password while typing. </a:t>
-            </a:r>
-          </a:p>
-          <a:p>
-            <a:pPr>
-              <a:buFont typeface="Wingdings" panose="05000000000000000000" pitchFamily="2" charset="2"/>
-              <a:buChar char="v"/>
-            </a:pPr>
-            <a:r>
-              <a:rPr lang="en-CA" dirty="0"/>
-              <a:t>Checkbox for the remember me field .</a:t>
-            </a:r>
-          </a:p>
-          <a:p>
-            <a:pPr>
-              <a:buFont typeface="Wingdings" panose="05000000000000000000" pitchFamily="2" charset="2"/>
-              <a:buChar char="v"/>
-            </a:pPr>
-            <a:r>
-              <a:rPr lang="en-CA" dirty="0"/>
-              <a:t>We placed the forgot password link just below the sign button as is in most apps to ensure ease of access. </a:t>
-            </a:r>
-          </a:p>
-          <a:p>
-            <a:pPr>
-              <a:buFont typeface="Wingdings" panose="05000000000000000000" pitchFamily="2" charset="2"/>
-              <a:buChar char="v"/>
-            </a:pPr>
-            <a:r>
-              <a:rPr lang="en-CA" dirty="0"/>
-              <a:t>The Home menu is pretty simple easy and self explanatory. </a:t>
-            </a:r>
-          </a:p>
-          <a:p>
-            <a:pPr>
-              <a:buFont typeface="Wingdings" panose="05000000000000000000" pitchFamily="2" charset="2"/>
-              <a:buChar char="v"/>
-            </a:pPr>
-            <a:r>
-              <a:rPr lang="en-CA" dirty="0"/>
-              <a:t>For all normal inputs the text view field is used and for the email there is email input field and for passwords we used the password input field. </a:t>
-            </a:r>
-          </a:p>
-          <a:p>
-            <a:pPr>
-              <a:buFont typeface="Wingdings" panose="05000000000000000000" pitchFamily="2" charset="2"/>
-              <a:buChar char="v"/>
-            </a:pPr>
-            <a:endParaRPr lang="en-CA" dirty="0"/>
-          </a:p>
-        </p:txBody>
-      </p:sp>
-    </p:spTree>
-    <p:extLst>
-      <p:ext uri="{BB962C8B-B14F-4D97-AF65-F5344CB8AC3E}">
-        <p14:creationId xmlns:p14="http://schemas.microsoft.com/office/powerpoint/2010/main" val="109061409"/>
-      </p:ext>
-    </p:extLst>
-  </p:cSld>
-  <p:clrMapOvr>
-    <a:masterClrMapping/>
-  </p:clrMapOvr>
-  <mc:AlternateContent xmlns:mc="http://schemas.openxmlformats.org/markup-compatibility/2006" xmlns:p14="http://schemas.microsoft.com/office/powerpoint/2010/main">
-    <mc:Choice Requires="p14">
-      <p:transition spd="slow" p14:dur="2000" advTm="20000">
-        <p14:prism isContent="1"/>
-      </p:transition>
-    </mc:Choice>
-    <mc:Fallback xmlns="">
-      <p:transition spd="slow" advTm="20000">
-        <p:fade/>
-      </p:transition>
-    </mc:Fallback>
-  </mc:AlternateContent>
-</p:sld>
-</file>
-
-<file path=ppt/slides/slide18.xml><?xml version="1.0" encoding="utf-8"?>
-<p:sld xmlns:a="http://schemas.openxmlformats.org/drawingml/2006/main" xmlns:r="http://schemas.openxmlformats.org/officeDocument/2006/relationships" xmlns:p="http://schemas.openxmlformats.org/presentationml/2006/main">
-  <p:cSld>
-    <p:spTree>
-      <p:nvGrpSpPr>
-        <p:cNvPr id="1" name=""/>
-        <p:cNvGrpSpPr/>
-        <p:nvPr/>
-      </p:nvGrpSpPr>
-      <p:grpSpPr>
-        <a:xfrm>
-          <a:off x="0" y="0"/>
-          <a:ext cx="0" cy="0"/>
-          <a:chOff x="0" y="0"/>
-          <a:chExt cx="0" cy="0"/>
-        </a:xfrm>
-      </p:grpSpPr>
-      <p:sp>
-        <p:nvSpPr>
-          <p:cNvPr id="2" name="Title 1"/>
+          <p:cNvPr id="1048668" name="Title 1"/>
           <p:cNvSpPr>
             <a:spLocks noGrp="1"/>
           </p:cNvSpPr>
@@ -14929,7 +14230,7 @@
       </p:sp>
       <p:sp>
         <p:nvSpPr>
-          <p:cNvPr id="3" name="Content Placeholder 2"/>
+          <p:cNvPr id="1048669" name="Content Placeholder 2"/>
           <p:cNvSpPr>
             <a:spLocks noGrp="1"/>
           </p:cNvSpPr>
@@ -14966,154 +14267,7 @@
       </p:transition>
     </mc:Choice>
     <mc:Fallback xmlns="">
-      <p:transition spd="slow" advTm="20000">
-        <p:fade/>
-      </p:transition>
-    </mc:Fallback>
-  </mc:AlternateContent>
-</p:sld>
-</file>
-
-<file path=ppt/slides/slide19.xml><?xml version="1.0" encoding="utf-8"?>
-<p:sld xmlns:a="http://schemas.openxmlformats.org/drawingml/2006/main" xmlns:r="http://schemas.openxmlformats.org/officeDocument/2006/relationships" xmlns:p="http://schemas.openxmlformats.org/presentationml/2006/main">
-  <p:cSld>
-    <p:spTree>
-      <p:nvGrpSpPr>
-        <p:cNvPr id="1" name=""/>
-        <p:cNvGrpSpPr/>
-        <p:nvPr/>
-      </p:nvGrpSpPr>
-      <p:grpSpPr>
-        <a:xfrm>
-          <a:off x="0" y="0"/>
-          <a:ext cx="0" cy="0"/>
-          <a:chOff x="0" y="0"/>
-          <a:chExt cx="0" cy="0"/>
-        </a:xfrm>
-      </p:grpSpPr>
-      <p:sp>
-        <p:nvSpPr>
-          <p:cNvPr id="2" name="Title 1">
-            <a:extLst>
-              <a:ext uri="{FF2B5EF4-FFF2-40B4-BE49-F238E27FC236}">
-                <a16:creationId xmlns:a16="http://schemas.microsoft.com/office/drawing/2014/main" id="{A0DBE5BB-1D90-42C4-8F18-4CDB6F3A08C3}"/>
-              </a:ext>
-            </a:extLst>
-          </p:cNvPr>
-          <p:cNvSpPr>
-            <a:spLocks noGrp="1"/>
-          </p:cNvSpPr>
-          <p:nvPr>
-            <p:ph type="title"/>
-          </p:nvPr>
-        </p:nvSpPr>
-        <p:spPr/>
-        <p:txBody>
-          <a:bodyPr/>
-          <a:lstStyle/>
-          <a:p>
-            <a:r>
-              <a:rPr lang="en-US" dirty="0"/>
-              <a:t>Submitted by :</a:t>
-            </a:r>
-            <a:endParaRPr lang="en-CA" dirty="0"/>
-          </a:p>
-        </p:txBody>
-      </p:sp>
-      <p:sp>
-        <p:nvSpPr>
-          <p:cNvPr id="3" name="Content Placeholder 2">
-            <a:extLst>
-              <a:ext uri="{FF2B5EF4-FFF2-40B4-BE49-F238E27FC236}">
-                <a16:creationId xmlns:a16="http://schemas.microsoft.com/office/drawing/2014/main" id="{B45B0547-A064-4220-90F7-ABFC17D83406}"/>
-              </a:ext>
-            </a:extLst>
-          </p:cNvPr>
-          <p:cNvSpPr>
-            <a:spLocks noGrp="1"/>
-          </p:cNvSpPr>
-          <p:nvPr>
-            <p:ph idx="1"/>
-          </p:nvPr>
-        </p:nvSpPr>
-        <p:spPr/>
-        <p:txBody>
-          <a:bodyPr/>
-          <a:lstStyle/>
-          <a:p>
-            <a:pPr marL="0" indent="0">
-              <a:buNone/>
-            </a:pPr>
-            <a:r>
-              <a:rPr lang="en-US" dirty="0"/>
-              <a:t>Sandeep Singh (1896201)</a:t>
-            </a:r>
-          </a:p>
-          <a:p>
-            <a:pPr marL="0" indent="0">
-              <a:buNone/>
-            </a:pPr>
-            <a:r>
-              <a:rPr lang="en-US" dirty="0"/>
-              <a:t>Avtar Singh(1896909)</a:t>
-            </a:r>
-          </a:p>
-          <a:p>
-            <a:pPr marL="0" indent="0">
-              <a:buNone/>
-            </a:pPr>
-            <a:r>
-              <a:rPr lang="en-US" dirty="0"/>
-              <a:t>Jatinder Singh Mann(1896568)</a:t>
-            </a:r>
-          </a:p>
-          <a:p>
-            <a:pPr marL="0" indent="0">
-              <a:buNone/>
-            </a:pPr>
-            <a:r>
-              <a:rPr lang="en-US" dirty="0"/>
-              <a:t>Jaskaran Singh (1898348)</a:t>
-            </a:r>
-          </a:p>
-          <a:p>
-            <a:pPr marL="0" indent="0">
-              <a:buNone/>
-            </a:pPr>
-            <a:r>
-              <a:rPr lang="en-US" dirty="0"/>
-              <a:t>Sahil </a:t>
-            </a:r>
-            <a:r>
-              <a:rPr lang="en-US" dirty="0" err="1"/>
-              <a:t>Rangra</a:t>
-            </a:r>
-            <a:r>
-              <a:rPr lang="en-US" dirty="0"/>
-              <a:t> (1896322)</a:t>
-            </a:r>
-            <a:endParaRPr lang="en-CA" dirty="0"/>
-          </a:p>
-        </p:txBody>
-      </p:sp>
-    </p:spTree>
-    <p:extLst>
-      <p:ext uri="{BB962C8B-B14F-4D97-AF65-F5344CB8AC3E}">
-        <p14:creationId xmlns:p14="http://schemas.microsoft.com/office/powerpoint/2010/main" val="4202975633"/>
-      </p:ext>
-    </p:extLst>
-  </p:cSld>
-  <p:clrMapOvr>
-    <a:masterClrMapping/>
-  </p:clrMapOvr>
-  <mc:AlternateContent xmlns:mc="http://schemas.openxmlformats.org/markup-compatibility/2006" xmlns:p14="http://schemas.microsoft.com/office/powerpoint/2010/main">
-    <mc:Choice Requires="p14">
-      <p:transition spd="slow" p14:dur="2000" advTm="20000">
-        <p14:prism isContent="1"/>
-      </p:transition>
-    </mc:Choice>
-    <mc:Fallback xmlns="">
-      <p:transition spd="slow" advTm="20000">
+      <p:transition spd="slow">
         <p:fade/>
       </p:transition>
     </mc:Fallback>
@@ -15140,13 +14294,7 @@
       </p:grpSpPr>
       <p:sp>
         <p:nvSpPr>
-          <p:cNvPr id="2" name="Title 1">
-            <a:extLst>
-              <a:ext uri="{FF2B5EF4-FFF2-40B4-BE49-F238E27FC236}">
-                <a16:creationId xmlns:a16="http://schemas.microsoft.com/office/drawing/2014/main" id="{D717FEB6-91BE-4A6D-902B-5DE1CCBE64D1}"/>
-              </a:ext>
-            </a:extLst>
-          </p:cNvPr>
+          <p:cNvPr id="1048596" name="Title 1"/>
           <p:cNvSpPr>
             <a:spLocks noGrp="1"/>
           </p:cNvSpPr>
@@ -15172,13 +14320,7 @@
       </p:sp>
       <p:sp>
         <p:nvSpPr>
-          <p:cNvPr id="3" name="Content Placeholder 2">
-            <a:extLst>
-              <a:ext uri="{FF2B5EF4-FFF2-40B4-BE49-F238E27FC236}">
-                <a16:creationId xmlns:a16="http://schemas.microsoft.com/office/drawing/2014/main" id="{4BF234D5-3C22-4A4A-A0C5-1B1671BE8963}"/>
-              </a:ext>
-            </a:extLst>
-          </p:cNvPr>
+          <p:cNvPr id="1048597" name="Content Placeholder 2"/>
           <p:cNvSpPr>
             <a:spLocks noGrp="1"/>
           </p:cNvSpPr>
@@ -15228,23 +14370,18 @@
         </p:txBody>
       </p:sp>
     </p:spTree>
-    <p:extLst>
-      <p:ext uri="{BB962C8B-B14F-4D97-AF65-F5344CB8AC3E}">
-        <p14:creationId xmlns:p14="http://schemas.microsoft.com/office/powerpoint/2010/main" val="3308570265"/>
-      </p:ext>
-    </p:extLst>
   </p:cSld>
   <p:clrMapOvr>
     <a:masterClrMapping/>
   </p:clrMapOvr>
   <mc:AlternateContent xmlns:mc="http://schemas.openxmlformats.org/markup-compatibility/2006" xmlns:p14="http://schemas.microsoft.com/office/powerpoint/2010/main">
     <mc:Choice Requires="p14">
-      <p:transition spd="slow" p14:dur="2000" advTm="260">
+      <p:transition spd="slow" p14:dur="2000" advTm="20000">
         <p14:prism isContent="1"/>
       </p:transition>
     </mc:Choice>
     <mc:Fallback xmlns="">
-      <p:transition spd="slow" advTm="260">
+      <p:transition spd="slow">
         <p:fade/>
       </p:transition>
     </mc:Fallback>
@@ -15271,13 +14408,7 @@
       </p:grpSpPr>
       <p:sp>
         <p:nvSpPr>
-          <p:cNvPr id="2" name="Title 1">
-            <a:extLst>
-              <a:ext uri="{FF2B5EF4-FFF2-40B4-BE49-F238E27FC236}">
-                <a16:creationId xmlns:a16="http://schemas.microsoft.com/office/drawing/2014/main" id="{C86218FB-04E2-4B4D-B850-BE5F9629DF50}"/>
-              </a:ext>
-            </a:extLst>
-          </p:cNvPr>
+          <p:cNvPr id="1048592" name="Title 1"/>
           <p:cNvSpPr>
             <a:spLocks noGrp="1"/>
           </p:cNvSpPr>
@@ -15300,13 +14431,7 @@
       </p:sp>
       <p:sp>
         <p:nvSpPr>
-          <p:cNvPr id="3" name="Content Placeholder 2">
-            <a:extLst>
-              <a:ext uri="{FF2B5EF4-FFF2-40B4-BE49-F238E27FC236}">
-                <a16:creationId xmlns:a16="http://schemas.microsoft.com/office/drawing/2014/main" id="{821CE39A-1552-437D-BEE7-91B6A71C444C}"/>
-              </a:ext>
-            </a:extLst>
-          </p:cNvPr>
+          <p:cNvPr id="1048593" name="Content Placeholder 2"/>
           <p:cNvSpPr>
             <a:spLocks noGrp="1"/>
           </p:cNvSpPr>
@@ -15317,7 +14442,7 @@
         <p:spPr/>
         <p:txBody>
           <a:bodyPr>
-            <a:normAutofit/>
+            <a:normAutofit fontScale="95833" lnSpcReduction="20000"/>
           </a:bodyPr>
           <a:lstStyle/>
           <a:p>
@@ -15368,38 +14493,25 @@
               <a:rPr lang="en-US" sz="2400" dirty="0">
                 <a:latin typeface="Gabriola" panose="04040605051002020D02" pitchFamily="82" charset="0"/>
               </a:rPr>
-              <a:t>High Fidelity prototype are often paper-based and do not allow user interactions.  They range from a series of hand-drawn mock-ups to printouts. </a:t>
+              <a:t>High Fidelity prototype is computer-based interactive representation of the product in its closest resemblance to the final design in terms of details and functionality </a:t>
             </a:r>
             <a:endParaRPr lang="en-US" sz="2400" dirty="0"/>
-          </a:p>
-          <a:p>
-            <a:pPr marL="0" indent="0">
-              <a:buNone/>
-            </a:pPr>
-            <a:endParaRPr lang="en-CA" sz="2400" b="1" dirty="0">
-              <a:latin typeface="Gabriola" panose="04040605051002020D02" pitchFamily="82" charset="0"/>
-            </a:endParaRPr>
           </a:p>
         </p:txBody>
       </p:sp>
     </p:spTree>
-    <p:extLst>
-      <p:ext uri="{BB962C8B-B14F-4D97-AF65-F5344CB8AC3E}">
-        <p14:creationId xmlns:p14="http://schemas.microsoft.com/office/powerpoint/2010/main" val="2588357241"/>
-      </p:ext>
-    </p:extLst>
   </p:cSld>
   <p:clrMapOvr>
     <a:masterClrMapping/>
   </p:clrMapOvr>
   <mc:AlternateContent xmlns:mc="http://schemas.openxmlformats.org/markup-compatibility/2006" xmlns:p14="http://schemas.microsoft.com/office/powerpoint/2010/main">
     <mc:Choice Requires="p14">
-      <p:transition spd="slow" p14:dur="2000" advTm="208">
+      <p:transition spd="slow" p14:dur="2000" advTm="20000">
         <p14:prism isContent="1"/>
       </p:transition>
     </mc:Choice>
     <mc:Fallback xmlns="">
-      <p:transition spd="slow" advTm="208">
+      <p:transition spd="slow">
         <p:fade/>
       </p:transition>
     </mc:Fallback>
@@ -15426,13 +14538,7 @@
       </p:grpSpPr>
       <p:sp>
         <p:nvSpPr>
-          <p:cNvPr id="2" name="Title 1">
-            <a:extLst>
-              <a:ext uri="{FF2B5EF4-FFF2-40B4-BE49-F238E27FC236}">
-                <a16:creationId xmlns:a16="http://schemas.microsoft.com/office/drawing/2014/main" id="{3082B90A-3732-4566-8BB4-AF64A3BF3DA1}"/>
-              </a:ext>
-            </a:extLst>
-          </p:cNvPr>
+          <p:cNvPr id="1048594" name="Title 1"/>
           <p:cNvSpPr>
             <a:spLocks noGrp="1"/>
           </p:cNvSpPr>
@@ -15461,13 +14567,7 @@
       </p:sp>
       <p:sp>
         <p:nvSpPr>
-          <p:cNvPr id="3" name="Content Placeholder 2">
-            <a:extLst>
-              <a:ext uri="{FF2B5EF4-FFF2-40B4-BE49-F238E27FC236}">
-                <a16:creationId xmlns:a16="http://schemas.microsoft.com/office/drawing/2014/main" id="{F312E646-5CF4-430E-B9D4-FD2F5F99DFDF}"/>
-              </a:ext>
-            </a:extLst>
-          </p:cNvPr>
+          <p:cNvPr id="1048595" name="Content Placeholder 2"/>
           <p:cNvSpPr>
             <a:spLocks noGrp="1"/>
           </p:cNvSpPr>
@@ -15483,7 +14583,7 @@
         </p:spPr>
         <p:txBody>
           <a:bodyPr>
-            <a:normAutofit lnSpcReduction="10000"/>
+            <a:normAutofit fontScale="98333" lnSpcReduction="10000"/>
           </a:bodyPr>
           <a:lstStyle/>
           <a:p>
@@ -15545,7 +14645,7 @@
                 </a:solidFill>
                 <a:latin typeface="Gabriola" panose="04040605051002020D02" pitchFamily="82" charset="0"/>
               </a:rPr>
-              <a:t>Application is for students and teachers of the college for accessing their portal on their mobile phones. </a:t>
+              <a:t>Application is for students of the college for accessing their portal on their mobile phones. </a:t>
             </a:r>
           </a:p>
           <a:p>
@@ -15611,23 +14711,18 @@
         </p:txBody>
       </p:sp>
     </p:spTree>
-    <p:extLst>
-      <p:ext uri="{BB962C8B-B14F-4D97-AF65-F5344CB8AC3E}">
-        <p14:creationId xmlns:p14="http://schemas.microsoft.com/office/powerpoint/2010/main" val="3377843404"/>
-      </p:ext>
-    </p:extLst>
   </p:cSld>
   <p:clrMapOvr>
     <a:masterClrMapping/>
   </p:clrMapOvr>
   <mc:AlternateContent xmlns:mc="http://schemas.openxmlformats.org/markup-compatibility/2006" xmlns:p14="http://schemas.microsoft.com/office/powerpoint/2010/main">
     <mc:Choice Requires="p14">
-      <p:transition spd="slow" p14:dur="2000" advTm="93">
+      <p:transition spd="slow" p14:dur="2000" advTm="20000">
         <p14:prism isContent="1"/>
       </p:transition>
     </mc:Choice>
     <mc:Fallback xmlns="">
-      <p:transition spd="slow" advTm="93">
+      <p:transition spd="slow">
         <p:fade/>
       </p:transition>
     </mc:Fallback>
@@ -15656,9 +14751,10 @@
                 <a:lumMod val="132000"/>
               </a:schemeClr>
             </a:duotone>
-            <a:extLst/>
           </a:blip>
-          <a:stretch/>
+          <a:stretch>
+            <a:fillRect/>
+          </a:stretch>
         </a:blipFill>
         <a:effectLst/>
       </p:bgPr>
@@ -15679,7 +14775,7 @@
       </p:grpSpPr>
       <p:sp>
         <p:nvSpPr>
-          <p:cNvPr id="2" name="Title 1"/>
+          <p:cNvPr id="1048601" name="Title 1"/>
           <p:cNvSpPr>
             <a:spLocks noGrp="1"/>
           </p:cNvSpPr>
@@ -15708,26 +14804,11 @@
       </p:sp>
       <p:sp>
         <p:nvSpPr>
-          <p:cNvPr id="33" name="Freeform: Shape 32">
-            <a:extLst>
-              <a:ext uri="{FF2B5EF4-FFF2-40B4-BE49-F238E27FC236}">
-                <a16:creationId xmlns:a16="http://schemas.microsoft.com/office/drawing/2014/main" id="{B52D69C2-6C47-427C-AE60-582FE30B22A7}"/>
-              </a:ext>
-              <a:ext uri="{C183D7F6-B498-43B3-948B-1728B52AA6E4}">
-                <adec:decorative xmlns:adec="http://schemas.microsoft.com/office/drawing/2017/decorative" val="1"/>
-              </a:ext>
-            </a:extLst>
-          </p:cNvPr>
+          <p:cNvPr id="1048602" name="Freeform: Shape 32"/>
           <p:cNvSpPr>
             <a:spLocks noGrp="1" noRot="1" noChangeAspect="1" noMove="1" noResize="1" noEditPoints="1" noAdjustHandles="1" noChangeArrowheads="1" noChangeShapeType="1" noTextEdit="1"/>
           </p:cNvSpPr>
-          <p:nvPr>
-            <p:extLst>
-              <p:ext uri="{386F3935-93C4-4BCD-93E2-E3B085C9AB24}">
-                <p16:designElem xmlns:p16="http://schemas.microsoft.com/office/powerpoint/2015/main" val="1"/>
-              </p:ext>
-            </p:extLst>
-          </p:nvPr>
+          <p:nvPr/>
         </p:nvSpPr>
         <p:spPr bwMode="gray">
           <a:xfrm rot="16200000">
@@ -16174,26 +15255,11 @@
       </p:sp>
       <p:sp>
         <p:nvSpPr>
-          <p:cNvPr id="35" name="Freeform 7">
-            <a:extLst>
-              <a:ext uri="{FF2B5EF4-FFF2-40B4-BE49-F238E27FC236}">
-                <a16:creationId xmlns:a16="http://schemas.microsoft.com/office/drawing/2014/main" id="{E849FE61-12C4-4A06-A722-B545DE0C8A24}"/>
-              </a:ext>
-              <a:ext uri="{C183D7F6-B498-43B3-948B-1728B52AA6E4}">
-                <adec:decorative xmlns:adec="http://schemas.microsoft.com/office/drawing/2017/decorative" val="1"/>
-              </a:ext>
-            </a:extLst>
-          </p:cNvPr>
+          <p:cNvPr id="1048603" name="Freeform 7"/>
           <p:cNvSpPr>
             <a:spLocks noGrp="1" noRot="1" noChangeAspect="1" noMove="1" noResize="1" noEditPoints="1" noAdjustHandles="1" noChangeArrowheads="1" noChangeShapeType="1" noTextEdit="1"/>
           </p:cNvSpPr>
-          <p:nvPr>
-            <p:extLst>
-              <p:ext uri="{386F3935-93C4-4BCD-93E2-E3B085C9AB24}">
-                <p16:designElem xmlns:p16="http://schemas.microsoft.com/office/powerpoint/2015/main" val="1"/>
-              </p:ext>
-            </p:extLst>
-          </p:nvPr>
+          <p:nvPr/>
         </p:nvSpPr>
         <p:spPr>
           <a:xfrm>
@@ -16526,13 +15592,7 @@
       </p:sp>
       <p:pic>
         <p:nvPicPr>
-          <p:cNvPr id="18" name="Picture 17" descr="Login.jpg">
-            <a:extLst>
-              <a:ext uri="{FF2B5EF4-FFF2-40B4-BE49-F238E27FC236}">
-                <a16:creationId xmlns:a16="http://schemas.microsoft.com/office/drawing/2014/main" id="{44641102-3564-42E8-A02A-03B9227CEC95}"/>
-              </a:ext>
-            </a:extLst>
-          </p:cNvPr>
+          <p:cNvPr id="2097152" name="Picture 17" descr="Login.jpg"/>
           <p:cNvPicPr>
             <a:picLocks noChangeAspect="1"/>
           </p:cNvPicPr>
@@ -16557,26 +15617,11 @@
       </p:pic>
       <p:sp>
         <p:nvSpPr>
-          <p:cNvPr id="37" name="Rectangle 36">
-            <a:extLst>
-              <a:ext uri="{FF2B5EF4-FFF2-40B4-BE49-F238E27FC236}">
-                <a16:creationId xmlns:a16="http://schemas.microsoft.com/office/drawing/2014/main" id="{7FB12D8C-572F-4417-9FE1-D691A132F69F}"/>
-              </a:ext>
-              <a:ext uri="{C183D7F6-B498-43B3-948B-1728B52AA6E4}">
-                <adec:decorative xmlns:adec="http://schemas.microsoft.com/office/drawing/2017/decorative" val="1"/>
-              </a:ext>
-            </a:extLst>
-          </p:cNvPr>
+          <p:cNvPr id="1048604" name="Rectangle 36"/>
           <p:cNvSpPr>
             <a:spLocks noGrp="1" noRot="1" noChangeAspect="1" noMove="1" noResize="1" noEditPoints="1" noAdjustHandles="1" noChangeArrowheads="1" noChangeShapeType="1" noTextEdit="1"/>
           </p:cNvSpPr>
-          <p:nvPr>
-            <p:extLst>
-              <p:ext uri="{386F3935-93C4-4BCD-93E2-E3B085C9AB24}">
-                <p16:designElem xmlns:p16="http://schemas.microsoft.com/office/powerpoint/2015/main" val="1"/>
-              </p:ext>
-            </p:extLst>
-          </p:nvPr>
+          <p:nvPr/>
         </p:nvSpPr>
         <p:spPr>
           <a:xfrm>
@@ -16610,7 +15655,7 @@
       </p:sp>
       <p:sp>
         <p:nvSpPr>
-          <p:cNvPr id="3" name="Content Placeholder 2"/>
+          <p:cNvPr id="1048605" name="Content Placeholder 2"/>
           <p:cNvSpPr>
             <a:spLocks noGrp="1"/>
           </p:cNvSpPr>
@@ -16626,7 +15671,7 @@
         </p:spPr>
         <p:txBody>
           <a:bodyPr>
-            <a:normAutofit/>
+            <a:normAutofit fontScale="95833" lnSpcReduction="20000"/>
           </a:bodyPr>
           <a:lstStyle/>
           <a:p>
@@ -16702,26 +15747,14 @@
       </p:sp>
       <p:pic>
         <p:nvPicPr>
-          <p:cNvPr id="8" name="Picture 7" descr="A close up of a car&#10;&#10;Description automatically generated">
-            <a:extLst>
-              <a:ext uri="{FF2B5EF4-FFF2-40B4-BE49-F238E27FC236}">
-                <a16:creationId xmlns:a16="http://schemas.microsoft.com/office/drawing/2014/main" id="{9E4D4E74-691E-45A2-B94B-AD8907EDEB0F}"/>
-              </a:ext>
-            </a:extLst>
-          </p:cNvPr>
+          <p:cNvPr id="2097153" name="Picture 7" descr="A close up of a car  Description automatically generated"/>
           <p:cNvPicPr>
             <a:picLocks noChangeAspect="1"/>
           </p:cNvPicPr>
           <p:nvPr/>
         </p:nvPicPr>
         <p:blipFill>
-          <a:blip r:embed="rId4" cstate="print">
-            <a:extLst>
-              <a:ext uri="{28A0092B-C50C-407E-A947-70E740481C1C}">
-                <a14:useLocalDpi xmlns:a14="http://schemas.microsoft.com/office/drawing/2010/main" val="0"/>
-              </a:ext>
-            </a:extLst>
-          </a:blip>
+          <a:blip r:embed="rId4" cstate="print"/>
           <a:stretch>
             <a:fillRect/>
           </a:stretch>
@@ -16744,12 +15777,12 @@
   </p:clrMapOvr>
   <mc:AlternateContent xmlns:mc="http://schemas.openxmlformats.org/markup-compatibility/2006" xmlns:p14="http://schemas.microsoft.com/office/powerpoint/2010/main">
     <mc:Choice Requires="p14">
-      <p:transition spd="slow" p14:dur="2000" advTm="2508">
+      <p:transition spd="slow" p14:dur="2000" advTm="1215">
         <p14:prism isContent="1"/>
       </p:transition>
     </mc:Choice>
     <mc:Fallback xmlns="">
-      <p:transition spd="slow" advTm="2508">
+      <p:transition spd="slow">
         <p:fade/>
       </p:transition>
     </mc:Fallback>
@@ -16778,9 +15811,10 @@
                 <a:lumMod val="132000"/>
               </a:schemeClr>
             </a:duotone>
-            <a:extLst/>
           </a:blip>
-          <a:stretch/>
+          <a:stretch>
+            <a:fillRect/>
+          </a:stretch>
         </a:blipFill>
         <a:effectLst/>
       </p:bgPr>
@@ -16801,7 +15835,7 @@
       </p:grpSpPr>
       <p:sp>
         <p:nvSpPr>
-          <p:cNvPr id="2" name="Title 1"/>
+          <p:cNvPr id="1048613" name="Title 1"/>
           <p:cNvSpPr>
             <a:spLocks noGrp="1"/>
           </p:cNvSpPr>
@@ -16833,26 +15867,11 @@
       </p:sp>
       <p:sp>
         <p:nvSpPr>
-          <p:cNvPr id="23" name="Freeform: Shape 22">
-            <a:extLst>
-              <a:ext uri="{FF2B5EF4-FFF2-40B4-BE49-F238E27FC236}">
-                <a16:creationId xmlns:a16="http://schemas.microsoft.com/office/drawing/2014/main" id="{B52D69C2-6C47-427C-AE60-582FE30B22A7}"/>
-              </a:ext>
-              <a:ext uri="{C183D7F6-B498-43B3-948B-1728B52AA6E4}">
-                <adec:decorative xmlns:adec="http://schemas.microsoft.com/office/drawing/2017/decorative" val="1"/>
-              </a:ext>
-            </a:extLst>
-          </p:cNvPr>
+          <p:cNvPr id="1048614" name="Freeform: Shape 22"/>
           <p:cNvSpPr>
             <a:spLocks noGrp="1" noRot="1" noChangeAspect="1" noMove="1" noResize="1" noEditPoints="1" noAdjustHandles="1" noChangeArrowheads="1" noChangeShapeType="1" noTextEdit="1"/>
           </p:cNvSpPr>
-          <p:nvPr>
-            <p:extLst>
-              <p:ext uri="{386F3935-93C4-4BCD-93E2-E3B085C9AB24}">
-                <p16:designElem xmlns:p16="http://schemas.microsoft.com/office/powerpoint/2015/main" val="1"/>
-              </p:ext>
-            </p:extLst>
-          </p:nvPr>
+          <p:nvPr/>
         </p:nvSpPr>
         <p:spPr bwMode="gray">
           <a:xfrm rot="16200000">
@@ -17299,26 +16318,11 @@
       </p:sp>
       <p:sp>
         <p:nvSpPr>
-          <p:cNvPr id="25" name="Freeform 7">
-            <a:extLst>
-              <a:ext uri="{FF2B5EF4-FFF2-40B4-BE49-F238E27FC236}">
-                <a16:creationId xmlns:a16="http://schemas.microsoft.com/office/drawing/2014/main" id="{E849FE61-12C4-4A06-A722-B545DE0C8A24}"/>
-              </a:ext>
-              <a:ext uri="{C183D7F6-B498-43B3-948B-1728B52AA6E4}">
-                <adec:decorative xmlns:adec="http://schemas.microsoft.com/office/drawing/2017/decorative" val="1"/>
-              </a:ext>
-            </a:extLst>
-          </p:cNvPr>
+          <p:cNvPr id="1048615" name="Freeform 7"/>
           <p:cNvSpPr>
             <a:spLocks noGrp="1" noRot="1" noChangeAspect="1" noMove="1" noResize="1" noEditPoints="1" noAdjustHandles="1" noChangeArrowheads="1" noChangeShapeType="1" noTextEdit="1"/>
           </p:cNvSpPr>
-          <p:nvPr>
-            <p:extLst>
-              <p:ext uri="{386F3935-93C4-4BCD-93E2-E3B085C9AB24}">
-                <p16:designElem xmlns:p16="http://schemas.microsoft.com/office/powerpoint/2015/main" val="1"/>
-              </p:ext>
-            </p:extLst>
-          </p:nvPr>
+          <p:nvPr/>
         </p:nvSpPr>
         <p:spPr>
           <a:xfrm>
@@ -17651,13 +16655,7 @@
       </p:sp>
       <p:pic>
         <p:nvPicPr>
-          <p:cNvPr id="13" name="Picture 12" descr="Home_Page.jpg">
-            <a:extLst>
-              <a:ext uri="{FF2B5EF4-FFF2-40B4-BE49-F238E27FC236}">
-                <a16:creationId xmlns:a16="http://schemas.microsoft.com/office/drawing/2014/main" id="{C34A8509-AF91-4AE9-84BE-6A22B9A7F349}"/>
-              </a:ext>
-            </a:extLst>
-          </p:cNvPr>
+          <p:cNvPr id="2097154" name="Picture 12" descr="Home_Page.jpg"/>
           <p:cNvPicPr>
             <a:picLocks noChangeAspect="1"/>
           </p:cNvPicPr>
@@ -17682,26 +16680,11 @@
       </p:pic>
       <p:sp>
         <p:nvSpPr>
-          <p:cNvPr id="27" name="Rectangle 26">
-            <a:extLst>
-              <a:ext uri="{FF2B5EF4-FFF2-40B4-BE49-F238E27FC236}">
-                <a16:creationId xmlns:a16="http://schemas.microsoft.com/office/drawing/2014/main" id="{7FB12D8C-572F-4417-9FE1-D691A132F69F}"/>
-              </a:ext>
-              <a:ext uri="{C183D7F6-B498-43B3-948B-1728B52AA6E4}">
-                <adec:decorative xmlns:adec="http://schemas.microsoft.com/office/drawing/2017/decorative" val="1"/>
-              </a:ext>
-            </a:extLst>
-          </p:cNvPr>
+          <p:cNvPr id="1048616" name="Rectangle 26"/>
           <p:cNvSpPr>
             <a:spLocks noGrp="1" noRot="1" noChangeAspect="1" noMove="1" noResize="1" noEditPoints="1" noAdjustHandles="1" noChangeArrowheads="1" noChangeShapeType="1" noTextEdit="1"/>
           </p:cNvSpPr>
-          <p:nvPr>
-            <p:extLst>
-              <p:ext uri="{386F3935-93C4-4BCD-93E2-E3B085C9AB24}">
-                <p16:designElem xmlns:p16="http://schemas.microsoft.com/office/powerpoint/2015/main" val="1"/>
-              </p:ext>
-            </p:extLst>
-          </p:nvPr>
+          <p:nvPr/>
         </p:nvSpPr>
         <p:spPr>
           <a:xfrm>
@@ -17735,7 +16718,7 @@
       </p:sp>
       <p:sp>
         <p:nvSpPr>
-          <p:cNvPr id="7" name="Content Placeholder 6"/>
+          <p:cNvPr id="1048617" name="Content Placeholder 6"/>
           <p:cNvSpPr>
             <a:spLocks noGrp="1"/>
           </p:cNvSpPr>
@@ -17805,26 +16788,14 @@
       </p:sp>
       <p:pic>
         <p:nvPicPr>
-          <p:cNvPr id="6" name="Picture 5" descr="A close up of a car window&#10;&#10;Description automatically generated">
-            <a:extLst>
-              <a:ext uri="{FF2B5EF4-FFF2-40B4-BE49-F238E27FC236}">
-                <a16:creationId xmlns:a16="http://schemas.microsoft.com/office/drawing/2014/main" id="{F11DFA16-A8DE-471E-B2D8-3A2BBD9B29E7}"/>
-              </a:ext>
-            </a:extLst>
-          </p:cNvPr>
+          <p:cNvPr id="2097155" name="Picture 5" descr="A close up of a car window  Description automatically generated"/>
           <p:cNvPicPr>
             <a:picLocks noChangeAspect="1"/>
           </p:cNvPicPr>
           <p:nvPr/>
         </p:nvPicPr>
         <p:blipFill>
-          <a:blip r:embed="rId4" cstate="print">
-            <a:extLst>
-              <a:ext uri="{28A0092B-C50C-407E-A947-70E740481C1C}">
-                <a14:useLocalDpi xmlns:a14="http://schemas.microsoft.com/office/drawing/2010/main" val="0"/>
-              </a:ext>
-            </a:extLst>
-          </a:blip>
+          <a:blip r:embed="rId4" cstate="print"/>
           <a:stretch>
             <a:fillRect/>
           </a:stretch>
@@ -17847,12 +16818,12 @@
   </p:clrMapOvr>
   <mc:AlternateContent xmlns:mc="http://schemas.openxmlformats.org/markup-compatibility/2006" xmlns:p14="http://schemas.microsoft.com/office/powerpoint/2010/main">
     <mc:Choice Requires="p14">
-      <p:transition spd="slow" p14:dur="2000" advTm="7694">
+      <p:transition spd="slow" p14:dur="2000" advTm="628">
         <p14:prism isContent="1"/>
       </p:transition>
     </mc:Choice>
     <mc:Fallback xmlns="">
-      <p:transition spd="slow" advTm="7694">
+      <p:transition spd="slow">
         <p:fade/>
       </p:transition>
     </mc:Fallback>
@@ -17881,9 +16852,10 @@
                 <a:lumMod val="132000"/>
               </a:schemeClr>
             </a:duotone>
-            <a:extLst/>
           </a:blip>
-          <a:stretch/>
+          <a:stretch>
+            <a:fillRect/>
+          </a:stretch>
         </a:blipFill>
         <a:effectLst/>
       </p:bgPr>
@@ -17904,7 +16876,7 @@
       </p:grpSpPr>
       <p:sp>
         <p:nvSpPr>
-          <p:cNvPr id="2" name="Title 1"/>
+          <p:cNvPr id="1048618" name="Title 1"/>
           <p:cNvSpPr>
             <a:spLocks noGrp="1"/>
           </p:cNvSpPr>
@@ -17920,7 +16892,7 @@
         </p:spPr>
         <p:txBody>
           <a:bodyPr>
-            <a:normAutofit/>
+            <a:normAutofit fontScale="90000"/>
           </a:bodyPr>
           <a:lstStyle/>
           <a:p>
@@ -17933,26 +16905,11 @@
       </p:sp>
       <p:sp>
         <p:nvSpPr>
-          <p:cNvPr id="35" name="Freeform: Shape 34">
-            <a:extLst>
-              <a:ext uri="{FF2B5EF4-FFF2-40B4-BE49-F238E27FC236}">
-                <a16:creationId xmlns:a16="http://schemas.microsoft.com/office/drawing/2014/main" id="{B52D69C2-6C47-427C-AE60-582FE30B22A7}"/>
-              </a:ext>
-              <a:ext uri="{C183D7F6-B498-43B3-948B-1728B52AA6E4}">
-                <adec:decorative xmlns:adec="http://schemas.microsoft.com/office/drawing/2017/decorative" val="1"/>
-              </a:ext>
-            </a:extLst>
-          </p:cNvPr>
+          <p:cNvPr id="1048619" name="Freeform: Shape 34"/>
           <p:cNvSpPr>
             <a:spLocks noGrp="1" noRot="1" noChangeAspect="1" noMove="1" noResize="1" noEditPoints="1" noAdjustHandles="1" noChangeArrowheads="1" noChangeShapeType="1" noTextEdit="1"/>
           </p:cNvSpPr>
-          <p:nvPr>
-            <p:extLst>
-              <p:ext uri="{386F3935-93C4-4BCD-93E2-E3B085C9AB24}">
-                <p16:designElem xmlns:p16="http://schemas.microsoft.com/office/powerpoint/2015/main" val="1"/>
-              </p:ext>
-            </p:extLst>
-          </p:nvPr>
+          <p:nvPr/>
         </p:nvSpPr>
         <p:spPr bwMode="gray">
           <a:xfrm rot="16200000">
@@ -18399,26 +17356,11 @@
       </p:sp>
       <p:sp>
         <p:nvSpPr>
-          <p:cNvPr id="37" name="Freeform 7">
-            <a:extLst>
-              <a:ext uri="{FF2B5EF4-FFF2-40B4-BE49-F238E27FC236}">
-                <a16:creationId xmlns:a16="http://schemas.microsoft.com/office/drawing/2014/main" id="{E849FE61-12C4-4A06-A722-B545DE0C8A24}"/>
-              </a:ext>
-              <a:ext uri="{C183D7F6-B498-43B3-948B-1728B52AA6E4}">
-                <adec:decorative xmlns:adec="http://schemas.microsoft.com/office/drawing/2017/decorative" val="1"/>
-              </a:ext>
-            </a:extLst>
-          </p:cNvPr>
+          <p:cNvPr id="1048620" name="Freeform 7"/>
           <p:cNvSpPr>
             <a:spLocks noGrp="1" noRot="1" noChangeAspect="1" noMove="1" noResize="1" noEditPoints="1" noAdjustHandles="1" noChangeArrowheads="1" noChangeShapeType="1" noTextEdit="1"/>
           </p:cNvSpPr>
-          <p:nvPr>
-            <p:extLst>
-              <p:ext uri="{386F3935-93C4-4BCD-93E2-E3B085C9AB24}">
-                <p16:designElem xmlns:p16="http://schemas.microsoft.com/office/powerpoint/2015/main" val="1"/>
-              </p:ext>
-            </p:extLst>
-          </p:nvPr>
+          <p:nvPr/>
         </p:nvSpPr>
         <p:spPr>
           <a:xfrm>
@@ -18751,13 +17693,7 @@
       </p:sp>
       <p:pic>
         <p:nvPicPr>
-          <p:cNvPr id="18" name="Picture 17" descr="Home_Page_Menu.jpg">
-            <a:extLst>
-              <a:ext uri="{FF2B5EF4-FFF2-40B4-BE49-F238E27FC236}">
-                <a16:creationId xmlns:a16="http://schemas.microsoft.com/office/drawing/2014/main" id="{678F5960-14B0-43D5-AB2C-0B4766CE3F3E}"/>
-              </a:ext>
-            </a:extLst>
-          </p:cNvPr>
+          <p:cNvPr id="2097156" name="Picture 17" descr="Home_Page_Menu.jpg"/>
           <p:cNvPicPr>
             <a:picLocks noChangeAspect="1"/>
           </p:cNvPicPr>
@@ -18782,26 +17718,11 @@
       </p:pic>
       <p:sp>
         <p:nvSpPr>
-          <p:cNvPr id="39" name="Rectangle 38">
-            <a:extLst>
-              <a:ext uri="{FF2B5EF4-FFF2-40B4-BE49-F238E27FC236}">
-                <a16:creationId xmlns:a16="http://schemas.microsoft.com/office/drawing/2014/main" id="{7FB12D8C-572F-4417-9FE1-D691A132F69F}"/>
-              </a:ext>
-              <a:ext uri="{C183D7F6-B498-43B3-948B-1728B52AA6E4}">
-                <adec:decorative xmlns:adec="http://schemas.microsoft.com/office/drawing/2017/decorative" val="1"/>
-              </a:ext>
-            </a:extLst>
-          </p:cNvPr>
+          <p:cNvPr id="1048621" name="Rectangle 38"/>
           <p:cNvSpPr>
             <a:spLocks noGrp="1" noRot="1" noChangeAspect="1" noMove="1" noResize="1" noEditPoints="1" noAdjustHandles="1" noChangeArrowheads="1" noChangeShapeType="1" noTextEdit="1"/>
           </p:cNvSpPr>
-          <p:nvPr>
-            <p:extLst>
-              <p:ext uri="{386F3935-93C4-4BCD-93E2-E3B085C9AB24}">
-                <p16:designElem xmlns:p16="http://schemas.microsoft.com/office/powerpoint/2015/main" val="1"/>
-              </p:ext>
-            </p:extLst>
-          </p:nvPr>
+          <p:nvPr/>
         </p:nvSpPr>
         <p:spPr>
           <a:xfrm>
@@ -18835,7 +17756,7 @@
       </p:sp>
       <p:sp>
         <p:nvSpPr>
-          <p:cNvPr id="3" name="Content Placeholder 2"/>
+          <p:cNvPr id="1048622" name="Content Placeholder 2"/>
           <p:cNvSpPr>
             <a:spLocks noGrp="1"/>
           </p:cNvSpPr>
@@ -18851,7 +17772,7 @@
         </p:spPr>
         <p:txBody>
           <a:bodyPr>
-            <a:normAutofit/>
+            <a:normAutofit fontScale="95000"/>
           </a:bodyPr>
           <a:lstStyle/>
           <a:p>
@@ -18863,7 +17784,7 @@
               <a:rPr lang="en-US" sz="2400" dirty="0">
                 <a:latin typeface="Gabriola" panose="04040605051002020D02" pitchFamily="82" charset="0"/>
               </a:rPr>
-              <a:t> Clicking the menu button displays the user        info (name, batch and student id)on the top </a:t>
+              <a:t> Clicking the menu button displays the user  info (name, batch and student id) on the top.</a:t>
             </a:r>
           </a:p>
           <a:p>
@@ -18875,19 +17796,7 @@
               <a:rPr lang="en-US" sz="2400" dirty="0">
                 <a:latin typeface="Gabriola" panose="04040605051002020D02" pitchFamily="82" charset="0"/>
               </a:rPr>
-              <a:t> A number of options are displayed (Activities,</a:t>
-            </a:r>
-          </a:p>
-          <a:p>
-            <a:pPr>
-              <a:buFont typeface="Wingdings" panose="05000000000000000000" pitchFamily="2" charset="2"/>
-              <a:buChar char="v"/>
-            </a:pPr>
-            <a:r>
-              <a:rPr lang="en-US" sz="2400" dirty="0">
-                <a:latin typeface="Gabriola" panose="04040605051002020D02" pitchFamily="82" charset="0"/>
-              </a:rPr>
-              <a:t> Alerts ,Assignment ,Absences ,Feedback ,Fees,  Grades ,Schedule, Logout)</a:t>
+              <a:t> A number of options are displayed (Activities, Alerts, Assignment, Absences, Feedback, Fees,  Grades, Schedule, Logout).</a:t>
             </a:r>
           </a:p>
           <a:p>
@@ -18901,26 +17810,14 @@
       </p:sp>
       <p:pic>
         <p:nvPicPr>
-          <p:cNvPr id="8" name="Picture 7" descr="A close up of a sign&#10;&#10;Description automatically generated">
-            <a:extLst>
-              <a:ext uri="{FF2B5EF4-FFF2-40B4-BE49-F238E27FC236}">
-                <a16:creationId xmlns:a16="http://schemas.microsoft.com/office/drawing/2014/main" id="{45F37D9D-4222-4BA8-9D4E-5B483A9959E0}"/>
-              </a:ext>
-            </a:extLst>
-          </p:cNvPr>
+          <p:cNvPr id="2097157" name="Picture 7" descr="A close up of a sign  Description automatically generated"/>
           <p:cNvPicPr>
             <a:picLocks noChangeAspect="1"/>
           </p:cNvPicPr>
           <p:nvPr/>
         </p:nvPicPr>
         <p:blipFill>
-          <a:blip r:embed="rId4" cstate="print">
-            <a:extLst>
-              <a:ext uri="{28A0092B-C50C-407E-A947-70E740481C1C}">
-                <a14:useLocalDpi xmlns:a14="http://schemas.microsoft.com/office/drawing/2010/main" val="0"/>
-              </a:ext>
-            </a:extLst>
-          </a:blip>
+          <a:blip r:embed="rId4" cstate="print"/>
           <a:stretch>
             <a:fillRect/>
           </a:stretch>
@@ -18943,12 +17840,12 @@
   </p:clrMapOvr>
   <mc:AlternateContent xmlns:mc="http://schemas.openxmlformats.org/markup-compatibility/2006" xmlns:p14="http://schemas.microsoft.com/office/powerpoint/2010/main">
     <mc:Choice Requires="p14">
-      <p:transition spd="slow" p14:dur="2000" advTm="934">
+      <p:transition spd="slow" p14:dur="2000" advTm="251">
         <p14:prism isContent="1"/>
       </p:transition>
     </mc:Choice>
     <mc:Fallback xmlns="">
-      <p:transition spd="slow" advTm="934">
+      <p:transition spd="slow">
         <p:fade/>
       </p:transition>
     </mc:Fallback>
@@ -18977,9 +17874,10 @@
                 <a:lumMod val="132000"/>
               </a:schemeClr>
             </a:duotone>
-            <a:extLst/>
           </a:blip>
-          <a:stretch/>
+          <a:stretch>
+            <a:fillRect/>
+          </a:stretch>
         </a:blipFill>
         <a:effectLst/>
       </p:bgPr>
@@ -19000,7 +17898,7 @@
       </p:grpSpPr>
       <p:sp>
         <p:nvSpPr>
-          <p:cNvPr id="2" name="Title 1"/>
+          <p:cNvPr id="1048623" name="Title 1"/>
           <p:cNvSpPr>
             <a:spLocks noGrp="1"/>
           </p:cNvSpPr>
@@ -19029,26 +17927,11 @@
       </p:sp>
       <p:sp>
         <p:nvSpPr>
-          <p:cNvPr id="24" name="Freeform: Shape 23">
-            <a:extLst>
-              <a:ext uri="{FF2B5EF4-FFF2-40B4-BE49-F238E27FC236}">
-                <a16:creationId xmlns:a16="http://schemas.microsoft.com/office/drawing/2014/main" id="{B52D69C2-6C47-427C-AE60-582FE30B22A7}"/>
-              </a:ext>
-              <a:ext uri="{C183D7F6-B498-43B3-948B-1728B52AA6E4}">
-                <adec:decorative xmlns:adec="http://schemas.microsoft.com/office/drawing/2017/decorative" val="1"/>
-              </a:ext>
-            </a:extLst>
-          </p:cNvPr>
+          <p:cNvPr id="1048624" name="Freeform: Shape 23"/>
           <p:cNvSpPr>
             <a:spLocks noGrp="1" noRot="1" noChangeAspect="1" noMove="1" noResize="1" noEditPoints="1" noAdjustHandles="1" noChangeArrowheads="1" noChangeShapeType="1" noTextEdit="1"/>
           </p:cNvSpPr>
-          <p:nvPr>
-            <p:extLst>
-              <p:ext uri="{386F3935-93C4-4BCD-93E2-E3B085C9AB24}">
-                <p16:designElem xmlns:p16="http://schemas.microsoft.com/office/powerpoint/2015/main" val="1"/>
-              </p:ext>
-            </p:extLst>
-          </p:nvPr>
+          <p:nvPr/>
         </p:nvSpPr>
         <p:spPr bwMode="gray">
           <a:xfrm rot="16200000">
@@ -19495,26 +18378,11 @@
       </p:sp>
       <p:sp>
         <p:nvSpPr>
-          <p:cNvPr id="26" name="Freeform 7">
-            <a:extLst>
-              <a:ext uri="{FF2B5EF4-FFF2-40B4-BE49-F238E27FC236}">
-                <a16:creationId xmlns:a16="http://schemas.microsoft.com/office/drawing/2014/main" id="{E849FE61-12C4-4A06-A722-B545DE0C8A24}"/>
-              </a:ext>
-              <a:ext uri="{C183D7F6-B498-43B3-948B-1728B52AA6E4}">
-                <adec:decorative xmlns:adec="http://schemas.microsoft.com/office/drawing/2017/decorative" val="1"/>
-              </a:ext>
-            </a:extLst>
-          </p:cNvPr>
+          <p:cNvPr id="1048625" name="Freeform 7"/>
           <p:cNvSpPr>
             <a:spLocks noGrp="1" noRot="1" noChangeAspect="1" noMove="1" noResize="1" noEditPoints="1" noAdjustHandles="1" noChangeArrowheads="1" noChangeShapeType="1" noTextEdit="1"/>
           </p:cNvSpPr>
-          <p:nvPr>
-            <p:extLst>
-              <p:ext uri="{386F3935-93C4-4BCD-93E2-E3B085C9AB24}">
-                <p16:designElem xmlns:p16="http://schemas.microsoft.com/office/powerpoint/2015/main" val="1"/>
-              </p:ext>
-            </p:extLst>
-          </p:nvPr>
+          <p:nvPr/>
         </p:nvSpPr>
         <p:spPr>
           <a:xfrm>
@@ -19847,13 +18715,7 @@
       </p:sp>
       <p:pic>
         <p:nvPicPr>
-          <p:cNvPr id="14" name="Picture 13" descr="ForgotPassword.jpeg">
-            <a:extLst>
-              <a:ext uri="{FF2B5EF4-FFF2-40B4-BE49-F238E27FC236}">
-                <a16:creationId xmlns:a16="http://schemas.microsoft.com/office/drawing/2014/main" id="{67EA7056-6CF1-4CAA-8F54-7D95656904D0}"/>
-              </a:ext>
-            </a:extLst>
-          </p:cNvPr>
+          <p:cNvPr id="2097158" name="Picture 13" descr="ForgotPassword.jpeg"/>
           <p:cNvPicPr>
             <a:picLocks noChangeAspect="1"/>
           </p:cNvPicPr>
@@ -19878,26 +18740,11 @@
       </p:pic>
       <p:sp>
         <p:nvSpPr>
-          <p:cNvPr id="28" name="Rectangle 27">
-            <a:extLst>
-              <a:ext uri="{FF2B5EF4-FFF2-40B4-BE49-F238E27FC236}">
-                <a16:creationId xmlns:a16="http://schemas.microsoft.com/office/drawing/2014/main" id="{7FB12D8C-572F-4417-9FE1-D691A132F69F}"/>
-              </a:ext>
-              <a:ext uri="{C183D7F6-B498-43B3-948B-1728B52AA6E4}">
-                <adec:decorative xmlns:adec="http://schemas.microsoft.com/office/drawing/2017/decorative" val="1"/>
-              </a:ext>
-            </a:extLst>
-          </p:cNvPr>
+          <p:cNvPr id="1048626" name="Rectangle 27"/>
           <p:cNvSpPr>
             <a:spLocks noGrp="1" noRot="1" noChangeAspect="1" noMove="1" noResize="1" noEditPoints="1" noAdjustHandles="1" noChangeArrowheads="1" noChangeShapeType="1" noTextEdit="1"/>
           </p:cNvSpPr>
-          <p:nvPr>
-            <p:extLst>
-              <p:ext uri="{386F3935-93C4-4BCD-93E2-E3B085C9AB24}">
-                <p16:designElem xmlns:p16="http://schemas.microsoft.com/office/powerpoint/2015/main" val="1"/>
-              </p:ext>
-            </p:extLst>
-          </p:nvPr>
+          <p:nvPr/>
         </p:nvSpPr>
         <p:spPr>
           <a:xfrm>
@@ -19931,7 +18778,7 @@
       </p:sp>
       <p:sp>
         <p:nvSpPr>
-          <p:cNvPr id="3" name="Content Placeholder 2"/>
+          <p:cNvPr id="1048627" name="Content Placeholder 2"/>
           <p:cNvSpPr>
             <a:spLocks noGrp="1"/>
           </p:cNvSpPr>
@@ -20003,26 +18850,14 @@
       </p:sp>
       <p:pic>
         <p:nvPicPr>
-          <p:cNvPr id="8" name="Picture 7" descr="A close up of a car&#10;&#10;Description automatically generated">
-            <a:extLst>
-              <a:ext uri="{FF2B5EF4-FFF2-40B4-BE49-F238E27FC236}">
-                <a16:creationId xmlns:a16="http://schemas.microsoft.com/office/drawing/2014/main" id="{3816BF57-1FB9-4308-8ABF-68BCD11DFABD}"/>
-              </a:ext>
-            </a:extLst>
-          </p:cNvPr>
+          <p:cNvPr id="2097159" name="Picture 7" descr="A close up of a car  Description automatically generated"/>
           <p:cNvPicPr>
             <a:picLocks noChangeAspect="1"/>
           </p:cNvPicPr>
           <p:nvPr/>
         </p:nvPicPr>
         <p:blipFill>
-          <a:blip r:embed="rId4" cstate="print">
-            <a:extLst>
-              <a:ext uri="{28A0092B-C50C-407E-A947-70E740481C1C}">
-                <a14:useLocalDpi xmlns:a14="http://schemas.microsoft.com/office/drawing/2010/main" val="0"/>
-              </a:ext>
-            </a:extLst>
-          </a:blip>
+          <a:blip r:embed="rId4" cstate="print"/>
           <a:stretch>
             <a:fillRect/>
           </a:stretch>
@@ -20045,12 +18880,12 @@
   </p:clrMapOvr>
   <mc:AlternateContent xmlns:mc="http://schemas.openxmlformats.org/markup-compatibility/2006" xmlns:p14="http://schemas.microsoft.com/office/powerpoint/2010/main">
     <mc:Choice Requires="p14">
-      <p:transition spd="slow" p14:dur="2000" advTm="419">
+      <p:transition spd="slow" p14:dur="2000" advTm="258">
         <p14:prism isContent="1"/>
       </p:transition>
     </mc:Choice>
     <mc:Fallback xmlns="">
-      <p:transition spd="slow" advTm="419">
+      <p:transition spd="slow">
         <p:fade/>
       </p:transition>
     </mc:Fallback>
@@ -20079,9 +18914,10 @@
                 <a:lumMod val="132000"/>
               </a:schemeClr>
             </a:duotone>
-            <a:extLst/>
           </a:blip>
-          <a:stretch/>
+          <a:stretch>
+            <a:fillRect/>
+          </a:stretch>
         </a:blipFill>
         <a:effectLst/>
       </p:bgPr>
@@ -20102,7 +18938,7 @@
       </p:grpSpPr>
       <p:sp>
         <p:nvSpPr>
-          <p:cNvPr id="2" name="Title 1"/>
+          <p:cNvPr id="1048628" name="Title 1"/>
           <p:cNvSpPr>
             <a:spLocks noGrp="1"/>
           </p:cNvSpPr>
@@ -20131,26 +18967,11 @@
       </p:sp>
       <p:sp>
         <p:nvSpPr>
-          <p:cNvPr id="35" name="Freeform: Shape 34">
-            <a:extLst>
-              <a:ext uri="{FF2B5EF4-FFF2-40B4-BE49-F238E27FC236}">
-                <a16:creationId xmlns:a16="http://schemas.microsoft.com/office/drawing/2014/main" id="{B52D69C2-6C47-427C-AE60-582FE30B22A7}"/>
-              </a:ext>
-              <a:ext uri="{C183D7F6-B498-43B3-948B-1728B52AA6E4}">
-                <adec:decorative xmlns:adec="http://schemas.microsoft.com/office/drawing/2017/decorative" val="1"/>
-              </a:ext>
-            </a:extLst>
-          </p:cNvPr>
+          <p:cNvPr id="1048629" name="Freeform: Shape 34"/>
           <p:cNvSpPr>
             <a:spLocks noGrp="1" noRot="1" noChangeAspect="1" noMove="1" noResize="1" noEditPoints="1" noAdjustHandles="1" noChangeArrowheads="1" noChangeShapeType="1" noTextEdit="1"/>
           </p:cNvSpPr>
-          <p:nvPr>
-            <p:extLst>
-              <p:ext uri="{386F3935-93C4-4BCD-93E2-E3B085C9AB24}">
-                <p16:designElem xmlns:p16="http://schemas.microsoft.com/office/powerpoint/2015/main" val="1"/>
-              </p:ext>
-            </p:extLst>
-          </p:nvPr>
+          <p:nvPr/>
         </p:nvSpPr>
         <p:spPr bwMode="gray">
           <a:xfrm rot="16200000">
@@ -20597,26 +19418,11 @@
       </p:sp>
       <p:sp>
         <p:nvSpPr>
-          <p:cNvPr id="37" name="Freeform 7">
-            <a:extLst>
-              <a:ext uri="{FF2B5EF4-FFF2-40B4-BE49-F238E27FC236}">
-                <a16:creationId xmlns:a16="http://schemas.microsoft.com/office/drawing/2014/main" id="{E849FE61-12C4-4A06-A722-B545DE0C8A24}"/>
-              </a:ext>
-              <a:ext uri="{C183D7F6-B498-43B3-948B-1728B52AA6E4}">
-                <adec:decorative xmlns:adec="http://schemas.microsoft.com/office/drawing/2017/decorative" val="1"/>
-              </a:ext>
-            </a:extLst>
-          </p:cNvPr>
+          <p:cNvPr id="1048630" name="Freeform 7"/>
           <p:cNvSpPr>
             <a:spLocks noGrp="1" noRot="1" noChangeAspect="1" noMove="1" noResize="1" noEditPoints="1" noAdjustHandles="1" noChangeArrowheads="1" noChangeShapeType="1" noTextEdit="1"/>
           </p:cNvSpPr>
-          <p:nvPr>
-            <p:extLst>
-              <p:ext uri="{386F3935-93C4-4BCD-93E2-E3B085C9AB24}">
-                <p16:designElem xmlns:p16="http://schemas.microsoft.com/office/powerpoint/2015/main" val="1"/>
-              </p:ext>
-            </p:extLst>
-          </p:nvPr>
+          <p:nvPr/>
         </p:nvSpPr>
         <p:spPr>
           <a:xfrm>
@@ -20949,13 +19755,7 @@
       </p:sp>
       <p:pic>
         <p:nvPicPr>
-          <p:cNvPr id="18" name="Picture 17" descr="Activities.jpg">
-            <a:extLst>
-              <a:ext uri="{FF2B5EF4-FFF2-40B4-BE49-F238E27FC236}">
-                <a16:creationId xmlns:a16="http://schemas.microsoft.com/office/drawing/2014/main" id="{782A0571-81EE-483D-882D-4341F9E7A7F8}"/>
-              </a:ext>
-            </a:extLst>
-          </p:cNvPr>
+          <p:cNvPr id="2097160" name="Picture 17" descr="Activities.jpg"/>
           <p:cNvPicPr>
             <a:picLocks noChangeAspect="1"/>
           </p:cNvPicPr>
@@ -20980,26 +19780,11 @@
       </p:pic>
       <p:sp>
         <p:nvSpPr>
-          <p:cNvPr id="39" name="Rectangle 38">
-            <a:extLst>
-              <a:ext uri="{FF2B5EF4-FFF2-40B4-BE49-F238E27FC236}">
-                <a16:creationId xmlns:a16="http://schemas.microsoft.com/office/drawing/2014/main" id="{7FB12D8C-572F-4417-9FE1-D691A132F69F}"/>
-              </a:ext>
-              <a:ext uri="{C183D7F6-B498-43B3-948B-1728B52AA6E4}">
-                <adec:decorative xmlns:adec="http://schemas.microsoft.com/office/drawing/2017/decorative" val="1"/>
-              </a:ext>
-            </a:extLst>
-          </p:cNvPr>
+          <p:cNvPr id="1048631" name="Rectangle 38"/>
           <p:cNvSpPr>
             <a:spLocks noGrp="1" noRot="1" noChangeAspect="1" noMove="1" noResize="1" noEditPoints="1" noAdjustHandles="1" noChangeArrowheads="1" noChangeShapeType="1" noTextEdit="1"/>
           </p:cNvSpPr>
-          <p:nvPr>
-            <p:extLst>
-              <p:ext uri="{386F3935-93C4-4BCD-93E2-E3B085C9AB24}">
-                <p16:designElem xmlns:p16="http://schemas.microsoft.com/office/powerpoint/2015/main" val="1"/>
-              </p:ext>
-            </p:extLst>
-          </p:nvPr>
+          <p:nvPr/>
         </p:nvSpPr>
         <p:spPr>
           <a:xfrm>
@@ -21033,7 +19818,7 @@
       </p:sp>
       <p:sp>
         <p:nvSpPr>
-          <p:cNvPr id="3" name="Content Placeholder 2"/>
+          <p:cNvPr id="1048632" name="Content Placeholder 2"/>
           <p:cNvSpPr>
             <a:spLocks noGrp="1"/>
           </p:cNvSpPr>
@@ -21049,7 +19834,7 @@
         </p:spPr>
         <p:txBody>
           <a:bodyPr>
-            <a:normAutofit/>
+            <a:normAutofit fontScale="95000" lnSpcReduction="20000"/>
           </a:bodyPr>
           <a:lstStyle/>
           <a:p>
@@ -21110,26 +19895,14 @@
       </p:sp>
       <p:pic>
         <p:nvPicPr>
-          <p:cNvPr id="8" name="Picture 7" descr="A screenshot of a cell phone&#10;&#10;Description automatically generated">
-            <a:extLst>
-              <a:ext uri="{FF2B5EF4-FFF2-40B4-BE49-F238E27FC236}">
-                <a16:creationId xmlns:a16="http://schemas.microsoft.com/office/drawing/2014/main" id="{EE99C4C4-7BCC-450C-B501-5CFB32CB3BA1}"/>
-              </a:ext>
-            </a:extLst>
-          </p:cNvPr>
+          <p:cNvPr id="2097161" name="Picture 7" descr="A screenshot of a cell phone  Description automatically generated"/>
           <p:cNvPicPr>
             <a:picLocks noChangeAspect="1"/>
           </p:cNvPicPr>
           <p:nvPr/>
         </p:nvPicPr>
         <p:blipFill>
-          <a:blip r:embed="rId4" cstate="print">
-            <a:extLst>
-              <a:ext uri="{28A0092B-C50C-407E-A947-70E740481C1C}">
-                <a14:useLocalDpi xmlns:a14="http://schemas.microsoft.com/office/drawing/2010/main" val="0"/>
-              </a:ext>
-            </a:extLst>
-          </a:blip>
+          <a:blip r:embed="rId4" cstate="print"/>
           <a:stretch>
             <a:fillRect/>
           </a:stretch>
@@ -21152,12 +19925,12 @@
   </p:clrMapOvr>
   <mc:AlternateContent xmlns:mc="http://schemas.openxmlformats.org/markup-compatibility/2006" xmlns:p14="http://schemas.microsoft.com/office/powerpoint/2010/main">
     <mc:Choice Requires="p14">
-      <p:transition spd="slow" p14:dur="2000" advTm="7">
+      <p:transition spd="slow" p14:dur="2000" advTm="166">
         <p14:prism isContent="1"/>
       </p:transition>
     </mc:Choice>
     <mc:Fallback xmlns="">
-      <p:transition spd="slow" advTm="7">
+      <p:transition spd="slow">
         <p:fade/>
       </p:transition>
     </mc:Fallback>
@@ -21416,18 +20189,15 @@
               </a:schemeClr>
             </a:duotone>
           </a:blip>
-          <a:stretch/>
+          <a:stretch>
+            <a:fillRect/>
+          </a:stretch>
         </a:blipFill>
       </a:bgFillStyleLst>
     </a:fmtScheme>
   </a:themeElements>
   <a:objectDefaults/>
   <a:extraClrSchemeLst/>
-  <a:extLst>
-    <a:ext uri="{05A4C25C-085E-4340-85A3-A5531E510DB2}">
-      <thm15:themeFamily xmlns:thm15="http://schemas.microsoft.com/office/thememl/2012/main" name="Ion" id="{B8441ADB-2E43-4AF7-B97A-BD870242C6A8}" vid="{292E63A9-BB86-4E3D-B92A-7223C6510D2E}"/>
-    </a:ext>
-  </a:extLst>
 </a:theme>
 </file>
 
@@ -21718,10 +20488,5 @@
   </a:themeElements>
   <a:objectDefaults/>
   <a:extraClrSchemeLst/>
-  <a:extLst>
-    <a:ext uri="{05A4C25C-085E-4340-85A3-A5531E510DB2}">
-      <thm15:themeFamily xmlns:thm15="http://schemas.microsoft.com/office/thememl/2012/main" name="Office Theme" id="{62F939B6-93AF-4DB8-9C6B-D6C7DFDC589F}" vid="{4A3C46E8-61CC-4603-A589-7422A47A8E4A}"/>
-    </a:ext>
-  </a:extLst>
 </a:theme>
 </file>